--- a/2025/2025-08-01-AI-Updates.pptx
+++ b/2025/2025-08-01-AI-Updates.pptx
@@ -1,11 +1,11 @@
 
 <file path=ppt/presentation.xml><?xml version="1.0" encoding="utf-8"?>
-<p:presentation xmlns:a="http://schemas.openxmlformats.org/drawingml/2006/main" xmlns:r="http://schemas.openxmlformats.org/officeDocument/2006/relationships" xmlns:p="http://schemas.openxmlformats.org/presentationml/2006/main" strictFirstAndLastChars="0" saveSubsetFonts="1" autoCompressPictures="0">
+<p:presentation xmlns:a="http://schemas.openxmlformats.org/drawingml/2006/main" xmlns:r="http://schemas.openxmlformats.org/officeDocument/2006/relationships" xmlns:p="http://schemas.openxmlformats.org/presentationml/2006/main" strictFirstAndLastChars="0" embedTrueTypeFonts="1" saveSubsetFonts="1" autoCompressPictures="0">
   <p:sldMasterIdLst>
     <p:sldMasterId id="2147483661" r:id="rId1"/>
   </p:sldMasterIdLst>
   <p:notesMasterIdLst>
-    <p:notesMasterId r:id="rId21"/>
+    <p:notesMasterId r:id="rId24"/>
   </p:notesMasterIdLst>
   <p:sldIdLst>
     <p:sldId id="256" r:id="rId2"/>
@@ -27,9 +27,21 @@
     <p:sldId id="272" r:id="rId18"/>
     <p:sldId id="273" r:id="rId19"/>
     <p:sldId id="274" r:id="rId20"/>
+    <p:sldId id="275" r:id="rId21"/>
+    <p:sldId id="276" r:id="rId22"/>
+    <p:sldId id="277" r:id="rId23"/>
   </p:sldIdLst>
   <p:sldSz cx="9144000" cy="5143500" type="screen16x9"/>
   <p:notesSz cx="6858000" cy="9144000"/>
+  <p:embeddedFontLst>
+    <p:embeddedFont>
+      <p:font typeface="Roboto Mono" pitchFamily="49" charset="0"/>
+      <p:regular r:id="rId25"/>
+      <p:bold r:id="rId26"/>
+      <p:italic r:id="rId27"/>
+      <p:boldItalic r:id="rId28"/>
+    </p:embeddedFont>
+  </p:embeddedFontLst>
   <p:defaultTextStyle>
     <a:defPPr marR="0" lvl="0" algn="l" rtl="0">
       <a:lnSpc>
@@ -968,7 +980,7 @@
   <p:cSld>
     <p:spTree>
       <p:nvGrpSpPr>
-        <p:cNvPr id="1" name="Shape 198"/>
+        <p:cNvPr id="1" name="Shape 200"/>
         <p:cNvGrpSpPr/>
         <p:nvPr/>
       </p:nvGrpSpPr>
@@ -982,7 +994,7 @@
       </p:grpSpPr>
       <p:sp>
         <p:nvSpPr>
-          <p:cNvPr id="199" name="Google Shape;199;g3724119abb9_0_21:notes"/>
+          <p:cNvPr id="201" name="Google Shape;201;g3724119abb9_0_21:notes"/>
           <p:cNvSpPr>
             <a:spLocks noGrp="1" noRot="1" noChangeAspect="1"/>
           </p:cNvSpPr>
@@ -1033,7 +1045,7 @@
       </p:sp>
       <p:sp>
         <p:nvSpPr>
-          <p:cNvPr id="200" name="Google Shape;200;g3724119abb9_0_21:notes"/>
+          <p:cNvPr id="202" name="Google Shape;202;g3724119abb9_0_21:notes"/>
           <p:cNvSpPr txBox="1">
             <a:spLocks noGrp="1"/>
           </p:cNvSpPr>
@@ -1090,7 +1102,7 @@
   <p:cSld>
     <p:spTree>
       <p:nvGrpSpPr>
-        <p:cNvPr id="1" name="Shape 209"/>
+        <p:cNvPr id="1" name="Shape 211"/>
         <p:cNvGrpSpPr/>
         <p:nvPr/>
       </p:nvGrpSpPr>
@@ -1104,7 +1116,7 @@
       </p:grpSpPr>
       <p:sp>
         <p:nvSpPr>
-          <p:cNvPr id="210" name="Google Shape;210;g37199441898_0_0:notes"/>
+          <p:cNvPr id="212" name="Google Shape;212;g3639a080c12_1_3:notes"/>
           <p:cNvSpPr>
             <a:spLocks noGrp="1" noRot="1" noChangeAspect="1"/>
           </p:cNvSpPr>
@@ -1155,7 +1167,7 @@
       </p:sp>
       <p:sp>
         <p:nvSpPr>
-          <p:cNvPr id="211" name="Google Shape;211;g37199441898_0_0:notes"/>
+          <p:cNvPr id="213" name="Google Shape;213;g3639a080c12_1_3:notes"/>
           <p:cNvSpPr txBox="1">
             <a:spLocks noGrp="1"/>
           </p:cNvSpPr>
@@ -1212,7 +1224,7 @@
   <p:cSld>
     <p:spTree>
       <p:nvGrpSpPr>
-        <p:cNvPr id="1" name="Shape 216"/>
+        <p:cNvPr id="1" name="Shape 223"/>
         <p:cNvGrpSpPr/>
         <p:nvPr/>
       </p:nvGrpSpPr>
@@ -1226,7 +1238,7 @@
       </p:grpSpPr>
       <p:sp>
         <p:nvSpPr>
-          <p:cNvPr id="217" name="Google Shape;217;g3711579303b_1_0:notes"/>
+          <p:cNvPr id="224" name="Google Shape;224;g3639a080c12_1_19:notes"/>
           <p:cNvSpPr>
             <a:spLocks noGrp="1" noRot="1" noChangeAspect="1"/>
           </p:cNvSpPr>
@@ -1277,7 +1289,7 @@
       </p:sp>
       <p:sp>
         <p:nvSpPr>
-          <p:cNvPr id="218" name="Google Shape;218;g3711579303b_1_0:notes"/>
+          <p:cNvPr id="225" name="Google Shape;225;g3639a080c12_1_19:notes"/>
           <p:cNvSpPr txBox="1">
             <a:spLocks noGrp="1"/>
           </p:cNvSpPr>
@@ -1334,7 +1346,7 @@
   <p:cSld>
     <p:spTree>
       <p:nvGrpSpPr>
-        <p:cNvPr id="1" name="Shape 225"/>
+        <p:cNvPr id="1" name="Shape 232"/>
         <p:cNvGrpSpPr/>
         <p:nvPr/>
       </p:nvGrpSpPr>
@@ -1348,7 +1360,7 @@
       </p:grpSpPr>
       <p:sp>
         <p:nvSpPr>
-          <p:cNvPr id="226" name="Google Shape;226;g3720fc376dc_1_1:notes"/>
+          <p:cNvPr id="233" name="Google Shape;233;g37199441898_0_0:notes"/>
           <p:cNvSpPr>
             <a:spLocks noGrp="1" noRot="1" noChangeAspect="1"/>
           </p:cNvSpPr>
@@ -1399,7 +1411,7 @@
       </p:sp>
       <p:sp>
         <p:nvSpPr>
-          <p:cNvPr id="227" name="Google Shape;227;g3720fc376dc_1_1:notes"/>
+          <p:cNvPr id="234" name="Google Shape;234;g37199441898_0_0:notes"/>
           <p:cNvSpPr txBox="1">
             <a:spLocks noGrp="1"/>
           </p:cNvSpPr>
@@ -1456,7 +1468,7 @@
   <p:cSld>
     <p:spTree>
       <p:nvGrpSpPr>
-        <p:cNvPr id="1" name="Shape 233"/>
+        <p:cNvPr id="1" name="Shape 239"/>
         <p:cNvGrpSpPr/>
         <p:nvPr/>
       </p:nvGrpSpPr>
@@ -1470,7 +1482,7 @@
       </p:grpSpPr>
       <p:sp>
         <p:nvSpPr>
-          <p:cNvPr id="234" name="Google Shape;234;g3718c17fd46_0_6:notes"/>
+          <p:cNvPr id="240" name="Google Shape;240;g3711579303b_1_0:notes"/>
           <p:cNvSpPr>
             <a:spLocks noGrp="1" noRot="1" noChangeAspect="1"/>
           </p:cNvSpPr>
@@ -1521,7 +1533,7 @@
       </p:sp>
       <p:sp>
         <p:nvSpPr>
-          <p:cNvPr id="235" name="Google Shape;235;g3718c17fd46_0_6:notes"/>
+          <p:cNvPr id="241" name="Google Shape;241;g3711579303b_1_0:notes"/>
           <p:cNvSpPr txBox="1">
             <a:spLocks noGrp="1"/>
           </p:cNvSpPr>
@@ -1578,7 +1590,7 @@
   <p:cSld>
     <p:spTree>
       <p:nvGrpSpPr>
-        <p:cNvPr id="1" name="Shape 244"/>
+        <p:cNvPr id="1" name="Shape 248"/>
         <p:cNvGrpSpPr/>
         <p:nvPr/>
       </p:nvGrpSpPr>
@@ -1592,7 +1604,7 @@
       </p:grpSpPr>
       <p:sp>
         <p:nvSpPr>
-          <p:cNvPr id="245" name="Google Shape;245;g37189450894_1_6:notes"/>
+          <p:cNvPr id="249" name="Google Shape;249;g3720fc376dc_1_1:notes"/>
           <p:cNvSpPr>
             <a:spLocks noGrp="1" noRot="1" noChangeAspect="1"/>
           </p:cNvSpPr>
@@ -1643,7 +1655,7 @@
       </p:sp>
       <p:sp>
         <p:nvSpPr>
-          <p:cNvPr id="246" name="Google Shape;246;g37189450894_1_6:notes"/>
+          <p:cNvPr id="250" name="Google Shape;250;g3720fc376dc_1_1:notes"/>
           <p:cNvSpPr txBox="1">
             <a:spLocks noGrp="1"/>
           </p:cNvSpPr>
@@ -1700,7 +1712,7 @@
   <p:cSld>
     <p:spTree>
       <p:nvGrpSpPr>
-        <p:cNvPr id="1" name="Shape 252"/>
+        <p:cNvPr id="1" name="Shape 256"/>
         <p:cNvGrpSpPr/>
         <p:nvPr/>
       </p:nvGrpSpPr>
@@ -1714,7 +1726,7 @@
       </p:grpSpPr>
       <p:sp>
         <p:nvSpPr>
-          <p:cNvPr id="253" name="Google Shape;253;g37189450894_1_0:notes"/>
+          <p:cNvPr id="257" name="Google Shape;257;g3718c17fd46_0_6:notes"/>
           <p:cNvSpPr>
             <a:spLocks noGrp="1" noRot="1" noChangeAspect="1"/>
           </p:cNvSpPr>
@@ -1765,7 +1777,7 @@
       </p:sp>
       <p:sp>
         <p:nvSpPr>
-          <p:cNvPr id="254" name="Google Shape;254;g37189450894_1_0:notes"/>
+          <p:cNvPr id="258" name="Google Shape;258;g3718c17fd46_0_6:notes"/>
           <p:cNvSpPr txBox="1">
             <a:spLocks noGrp="1"/>
           </p:cNvSpPr>
@@ -1822,7 +1834,7 @@
   <p:cSld>
     <p:spTree>
       <p:nvGrpSpPr>
-        <p:cNvPr id="1" name="Shape 259"/>
+        <p:cNvPr id="1" name="Shape 267"/>
         <p:cNvGrpSpPr/>
         <p:nvPr/>
       </p:nvGrpSpPr>
@@ -1836,7 +1848,7 @@
       </p:grpSpPr>
       <p:sp>
         <p:nvSpPr>
-          <p:cNvPr id="260" name="Google Shape;260;p23:notes"/>
+          <p:cNvPr id="268" name="Google Shape;268;g37189450894_1_6:notes"/>
           <p:cNvSpPr>
             <a:spLocks noGrp="1" noRot="1" noChangeAspect="1"/>
           </p:cNvSpPr>
@@ -1887,7 +1899,7 @@
       </p:sp>
       <p:sp>
         <p:nvSpPr>
-          <p:cNvPr id="261" name="Google Shape;261;p23:notes"/>
+          <p:cNvPr id="269" name="Google Shape;269;g37189450894_1_6:notes"/>
           <p:cNvSpPr txBox="1">
             <a:spLocks noGrp="1"/>
           </p:cNvSpPr>
@@ -1944,7 +1956,7 @@
   <p:cSld>
     <p:spTree>
       <p:nvGrpSpPr>
-        <p:cNvPr id="1" name="Shape 269"/>
+        <p:cNvPr id="1" name="Shape 275"/>
         <p:cNvGrpSpPr/>
         <p:nvPr/>
       </p:nvGrpSpPr>
@@ -1958,7 +1970,7 @@
       </p:grpSpPr>
       <p:sp>
         <p:nvSpPr>
-          <p:cNvPr id="270" name="Google Shape;270;p24:notes"/>
+          <p:cNvPr id="276" name="Google Shape;276;g37189450894_1_0:notes"/>
           <p:cNvSpPr>
             <a:spLocks noGrp="1" noRot="1" noChangeAspect="1"/>
           </p:cNvSpPr>
@@ -2009,7 +2021,7 @@
       </p:sp>
       <p:sp>
         <p:nvSpPr>
-          <p:cNvPr id="271" name="Google Shape;271;p24:notes"/>
+          <p:cNvPr id="277" name="Google Shape;277;g37189450894_1_0:notes"/>
           <p:cNvSpPr txBox="1">
             <a:spLocks noGrp="1"/>
           </p:cNvSpPr>
@@ -2066,7 +2078,7 @@
   <p:cSld>
     <p:spTree>
       <p:nvGrpSpPr>
-        <p:cNvPr id="1" name="Shape 279"/>
+        <p:cNvPr id="1" name="Shape 282"/>
         <p:cNvGrpSpPr/>
         <p:nvPr/>
       </p:nvGrpSpPr>
@@ -2080,7 +2092,7 @@
       </p:grpSpPr>
       <p:sp>
         <p:nvSpPr>
-          <p:cNvPr id="280" name="Google Shape;280;p25:notes"/>
+          <p:cNvPr id="283" name="Google Shape;283;g3639a080c12_2_0:notes"/>
           <p:cNvSpPr>
             <a:spLocks noGrp="1" noRot="1" noChangeAspect="1"/>
           </p:cNvSpPr>
@@ -2090,7 +2102,7 @@
         </p:nvSpPr>
         <p:spPr>
           <a:xfrm>
-            <a:off x="381300" y="685800"/>
+            <a:off x="381000" y="685800"/>
             <a:ext cx="6096000" cy="3429000"/>
           </a:xfrm>
           <a:custGeom>
@@ -2131,7 +2143,7 @@
       </p:sp>
       <p:sp>
         <p:nvSpPr>
-          <p:cNvPr id="281" name="Google Shape;281;p25:notes"/>
+          <p:cNvPr id="284" name="Google Shape;284;g3639a080c12_2_0:notes"/>
           <p:cNvSpPr txBox="1">
             <a:spLocks noGrp="1"/>
           </p:cNvSpPr>
@@ -2305,6 +2317,372 @@
 </p:notes>
 </file>
 
+<file path=ppt/notesSlides/notesSlide20.xml><?xml version="1.0" encoding="utf-8"?>
+<p:notes xmlns:a="http://schemas.openxmlformats.org/drawingml/2006/main" xmlns:r="http://schemas.openxmlformats.org/officeDocument/2006/relationships" xmlns:p="http://schemas.openxmlformats.org/presentationml/2006/main" showMasterSp="0" showMasterPhAnim="0">
+  <p:cSld>
+    <p:spTree>
+      <p:nvGrpSpPr>
+        <p:cNvPr id="1" name="Shape 294"/>
+        <p:cNvGrpSpPr/>
+        <p:nvPr/>
+      </p:nvGrpSpPr>
+      <p:grpSpPr>
+        <a:xfrm>
+          <a:off x="0" y="0"/>
+          <a:ext cx="0" cy="0"/>
+          <a:chOff x="0" y="0"/>
+          <a:chExt cx="0" cy="0"/>
+        </a:xfrm>
+      </p:grpSpPr>
+      <p:sp>
+        <p:nvSpPr>
+          <p:cNvPr id="295" name="Google Shape;295;p23:notes"/>
+          <p:cNvSpPr>
+            <a:spLocks noGrp="1" noRot="1" noChangeAspect="1"/>
+          </p:cNvSpPr>
+          <p:nvPr>
+            <p:ph type="sldImg" idx="2"/>
+          </p:nvPr>
+        </p:nvSpPr>
+        <p:spPr>
+          <a:xfrm>
+            <a:off x="381000" y="685800"/>
+            <a:ext cx="6096000" cy="3429000"/>
+          </a:xfrm>
+          <a:custGeom>
+            <a:avLst/>
+            <a:gdLst/>
+            <a:ahLst/>
+            <a:cxnLst/>
+            <a:rect l="l" t="t" r="r" b="b"/>
+            <a:pathLst>
+              <a:path w="120000" h="120000" extrusionOk="0">
+                <a:moveTo>
+                  <a:pt x="0" y="0"/>
+                </a:moveTo>
+                <a:lnTo>
+                  <a:pt x="120000" y="0"/>
+                </a:lnTo>
+                <a:lnTo>
+                  <a:pt x="120000" y="120000"/>
+                </a:lnTo>
+                <a:lnTo>
+                  <a:pt x="0" y="120000"/>
+                </a:lnTo>
+                <a:close/>
+              </a:path>
+            </a:pathLst>
+          </a:custGeom>
+          <a:noFill/>
+          <a:ln w="9525" cap="flat" cmpd="sng">
+            <a:solidFill>
+              <a:srgbClr val="000000"/>
+            </a:solidFill>
+            <a:prstDash val="solid"/>
+            <a:round/>
+            <a:headEnd type="none" w="sm" len="sm"/>
+            <a:tailEnd type="none" w="sm" len="sm"/>
+          </a:ln>
+        </p:spPr>
+      </p:sp>
+      <p:sp>
+        <p:nvSpPr>
+          <p:cNvPr id="296" name="Google Shape;296;p23:notes"/>
+          <p:cNvSpPr txBox="1">
+            <a:spLocks noGrp="1"/>
+          </p:cNvSpPr>
+          <p:nvPr>
+            <p:ph type="body" idx="1"/>
+          </p:nvPr>
+        </p:nvSpPr>
+        <p:spPr>
+          <a:xfrm>
+            <a:off x="685800" y="4343400"/>
+            <a:ext cx="5486400" cy="4114800"/>
+          </a:xfrm>
+          <a:prstGeom prst="rect">
+            <a:avLst/>
+          </a:prstGeom>
+          <a:noFill/>
+          <a:ln>
+            <a:noFill/>
+          </a:ln>
+        </p:spPr>
+        <p:txBody>
+          <a:bodyPr spcFirstLastPara="1" wrap="square" lIns="91425" tIns="91425" rIns="91425" bIns="91425" anchor="t" anchorCtr="0">
+            <a:noAutofit/>
+          </a:bodyPr>
+          <a:lstStyle/>
+          <a:p>
+            <a:pPr marL="0" lvl="0" indent="0" algn="l" rtl="0">
+              <a:lnSpc>
+                <a:spcPct val="100000"/>
+              </a:lnSpc>
+              <a:spcBef>
+                <a:spcPts val="0"/>
+              </a:spcBef>
+              <a:spcAft>
+                <a:spcPts val="0"/>
+              </a:spcAft>
+              <a:buSzPts val="1100"/>
+              <a:buNone/>
+            </a:pPr>
+            <a:endParaRPr/>
+          </a:p>
+        </p:txBody>
+      </p:sp>
+    </p:spTree>
+  </p:cSld>
+  <p:clrMapOvr>
+    <a:masterClrMapping/>
+  </p:clrMapOvr>
+</p:notes>
+</file>
+
+<file path=ppt/notesSlides/notesSlide21.xml><?xml version="1.0" encoding="utf-8"?>
+<p:notes xmlns:a="http://schemas.openxmlformats.org/drawingml/2006/main" xmlns:r="http://schemas.openxmlformats.org/officeDocument/2006/relationships" xmlns:p="http://schemas.openxmlformats.org/presentationml/2006/main" showMasterSp="0" showMasterPhAnim="0">
+  <p:cSld>
+    <p:spTree>
+      <p:nvGrpSpPr>
+        <p:cNvPr id="1" name="Shape 304"/>
+        <p:cNvGrpSpPr/>
+        <p:nvPr/>
+      </p:nvGrpSpPr>
+      <p:grpSpPr>
+        <a:xfrm>
+          <a:off x="0" y="0"/>
+          <a:ext cx="0" cy="0"/>
+          <a:chOff x="0" y="0"/>
+          <a:chExt cx="0" cy="0"/>
+        </a:xfrm>
+      </p:grpSpPr>
+      <p:sp>
+        <p:nvSpPr>
+          <p:cNvPr id="305" name="Google Shape;305;p24:notes"/>
+          <p:cNvSpPr>
+            <a:spLocks noGrp="1" noRot="1" noChangeAspect="1"/>
+          </p:cNvSpPr>
+          <p:nvPr>
+            <p:ph type="sldImg" idx="2"/>
+          </p:nvPr>
+        </p:nvSpPr>
+        <p:spPr>
+          <a:xfrm>
+            <a:off x="381000" y="685800"/>
+            <a:ext cx="6096000" cy="3429000"/>
+          </a:xfrm>
+          <a:custGeom>
+            <a:avLst/>
+            <a:gdLst/>
+            <a:ahLst/>
+            <a:cxnLst/>
+            <a:rect l="l" t="t" r="r" b="b"/>
+            <a:pathLst>
+              <a:path w="120000" h="120000" extrusionOk="0">
+                <a:moveTo>
+                  <a:pt x="0" y="0"/>
+                </a:moveTo>
+                <a:lnTo>
+                  <a:pt x="120000" y="0"/>
+                </a:lnTo>
+                <a:lnTo>
+                  <a:pt x="120000" y="120000"/>
+                </a:lnTo>
+                <a:lnTo>
+                  <a:pt x="0" y="120000"/>
+                </a:lnTo>
+                <a:close/>
+              </a:path>
+            </a:pathLst>
+          </a:custGeom>
+          <a:noFill/>
+          <a:ln w="9525" cap="flat" cmpd="sng">
+            <a:solidFill>
+              <a:srgbClr val="000000"/>
+            </a:solidFill>
+            <a:prstDash val="solid"/>
+            <a:round/>
+            <a:headEnd type="none" w="sm" len="sm"/>
+            <a:tailEnd type="none" w="sm" len="sm"/>
+          </a:ln>
+        </p:spPr>
+      </p:sp>
+      <p:sp>
+        <p:nvSpPr>
+          <p:cNvPr id="306" name="Google Shape;306;p24:notes"/>
+          <p:cNvSpPr txBox="1">
+            <a:spLocks noGrp="1"/>
+          </p:cNvSpPr>
+          <p:nvPr>
+            <p:ph type="body" idx="1"/>
+          </p:nvPr>
+        </p:nvSpPr>
+        <p:spPr>
+          <a:xfrm>
+            <a:off x="685800" y="4343400"/>
+            <a:ext cx="5486400" cy="4114800"/>
+          </a:xfrm>
+          <a:prstGeom prst="rect">
+            <a:avLst/>
+          </a:prstGeom>
+          <a:noFill/>
+          <a:ln>
+            <a:noFill/>
+          </a:ln>
+        </p:spPr>
+        <p:txBody>
+          <a:bodyPr spcFirstLastPara="1" wrap="square" lIns="91425" tIns="91425" rIns="91425" bIns="91425" anchor="t" anchorCtr="0">
+            <a:noAutofit/>
+          </a:bodyPr>
+          <a:lstStyle/>
+          <a:p>
+            <a:pPr marL="0" lvl="0" indent="0" algn="l" rtl="0">
+              <a:lnSpc>
+                <a:spcPct val="100000"/>
+              </a:lnSpc>
+              <a:spcBef>
+                <a:spcPts val="0"/>
+              </a:spcBef>
+              <a:spcAft>
+                <a:spcPts val="0"/>
+              </a:spcAft>
+              <a:buSzPts val="1100"/>
+              <a:buNone/>
+            </a:pPr>
+            <a:endParaRPr/>
+          </a:p>
+        </p:txBody>
+      </p:sp>
+    </p:spTree>
+  </p:cSld>
+  <p:clrMapOvr>
+    <a:masterClrMapping/>
+  </p:clrMapOvr>
+</p:notes>
+</file>
+
+<file path=ppt/notesSlides/notesSlide22.xml><?xml version="1.0" encoding="utf-8"?>
+<p:notes xmlns:a="http://schemas.openxmlformats.org/drawingml/2006/main" xmlns:r="http://schemas.openxmlformats.org/officeDocument/2006/relationships" xmlns:p="http://schemas.openxmlformats.org/presentationml/2006/main" showMasterSp="0" showMasterPhAnim="0">
+  <p:cSld>
+    <p:spTree>
+      <p:nvGrpSpPr>
+        <p:cNvPr id="1" name="Shape 314"/>
+        <p:cNvGrpSpPr/>
+        <p:nvPr/>
+      </p:nvGrpSpPr>
+      <p:grpSpPr>
+        <a:xfrm>
+          <a:off x="0" y="0"/>
+          <a:ext cx="0" cy="0"/>
+          <a:chOff x="0" y="0"/>
+          <a:chExt cx="0" cy="0"/>
+        </a:xfrm>
+      </p:grpSpPr>
+      <p:sp>
+        <p:nvSpPr>
+          <p:cNvPr id="315" name="Google Shape;315;p25:notes"/>
+          <p:cNvSpPr>
+            <a:spLocks noGrp="1" noRot="1" noChangeAspect="1"/>
+          </p:cNvSpPr>
+          <p:nvPr>
+            <p:ph type="sldImg" idx="2"/>
+          </p:nvPr>
+        </p:nvSpPr>
+        <p:spPr>
+          <a:xfrm>
+            <a:off x="381300" y="685800"/>
+            <a:ext cx="6096000" cy="3429000"/>
+          </a:xfrm>
+          <a:custGeom>
+            <a:avLst/>
+            <a:gdLst/>
+            <a:ahLst/>
+            <a:cxnLst/>
+            <a:rect l="l" t="t" r="r" b="b"/>
+            <a:pathLst>
+              <a:path w="120000" h="120000" extrusionOk="0">
+                <a:moveTo>
+                  <a:pt x="0" y="0"/>
+                </a:moveTo>
+                <a:lnTo>
+                  <a:pt x="120000" y="0"/>
+                </a:lnTo>
+                <a:lnTo>
+                  <a:pt x="120000" y="120000"/>
+                </a:lnTo>
+                <a:lnTo>
+                  <a:pt x="0" y="120000"/>
+                </a:lnTo>
+                <a:close/>
+              </a:path>
+            </a:pathLst>
+          </a:custGeom>
+          <a:noFill/>
+          <a:ln w="9525" cap="flat" cmpd="sng">
+            <a:solidFill>
+              <a:srgbClr val="000000"/>
+            </a:solidFill>
+            <a:prstDash val="solid"/>
+            <a:round/>
+            <a:headEnd type="none" w="sm" len="sm"/>
+            <a:tailEnd type="none" w="sm" len="sm"/>
+          </a:ln>
+        </p:spPr>
+      </p:sp>
+      <p:sp>
+        <p:nvSpPr>
+          <p:cNvPr id="316" name="Google Shape;316;p25:notes"/>
+          <p:cNvSpPr txBox="1">
+            <a:spLocks noGrp="1"/>
+          </p:cNvSpPr>
+          <p:nvPr>
+            <p:ph type="body" idx="1"/>
+          </p:nvPr>
+        </p:nvSpPr>
+        <p:spPr>
+          <a:xfrm>
+            <a:off x="685800" y="4343400"/>
+            <a:ext cx="5486400" cy="4114800"/>
+          </a:xfrm>
+          <a:prstGeom prst="rect">
+            <a:avLst/>
+          </a:prstGeom>
+          <a:noFill/>
+          <a:ln>
+            <a:noFill/>
+          </a:ln>
+        </p:spPr>
+        <p:txBody>
+          <a:bodyPr spcFirstLastPara="1" wrap="square" lIns="91425" tIns="91425" rIns="91425" bIns="91425" anchor="t" anchorCtr="0">
+            <a:noAutofit/>
+          </a:bodyPr>
+          <a:lstStyle/>
+          <a:p>
+            <a:pPr marL="0" lvl="0" indent="0" algn="l" rtl="0">
+              <a:lnSpc>
+                <a:spcPct val="100000"/>
+              </a:lnSpc>
+              <a:spcBef>
+                <a:spcPts val="0"/>
+              </a:spcBef>
+              <a:spcAft>
+                <a:spcPts val="0"/>
+              </a:spcAft>
+              <a:buSzPts val="1100"/>
+              <a:buNone/>
+            </a:pPr>
+            <a:endParaRPr/>
+          </a:p>
+        </p:txBody>
+      </p:sp>
+    </p:spTree>
+  </p:cSld>
+  <p:clrMapOvr>
+    <a:masterClrMapping/>
+  </p:clrMapOvr>
+</p:notes>
+</file>
+
 <file path=ppt/notesSlides/notesSlide3.xml><?xml version="1.0" encoding="utf-8"?>
 <p:notes xmlns:a="http://schemas.openxmlformats.org/drawingml/2006/main" xmlns:r="http://schemas.openxmlformats.org/officeDocument/2006/relationships" xmlns:p="http://schemas.openxmlformats.org/presentationml/2006/main" showMasterSp="0" showMasterPhAnim="0">
   <p:cSld>
@@ -3042,7 +3420,7 @@
   <p:cSld>
     <p:spTree>
       <p:nvGrpSpPr>
-        <p:cNvPr id="1" name="Shape 183"/>
+        <p:cNvPr id="1" name="Shape 185"/>
         <p:cNvGrpSpPr/>
         <p:nvPr/>
       </p:nvGrpSpPr>
@@ -3056,7 +3434,7 @@
       </p:grpSpPr>
       <p:sp>
         <p:nvSpPr>
-          <p:cNvPr id="184" name="Google Shape;184;g3724119abb9_0_0:notes"/>
+          <p:cNvPr id="186" name="Google Shape;186;g3724119abb9_0_0:notes"/>
           <p:cNvSpPr>
             <a:spLocks noGrp="1" noRot="1" noChangeAspect="1"/>
           </p:cNvSpPr>
@@ -3107,7 +3485,7 @@
       </p:sp>
       <p:sp>
         <p:nvSpPr>
-          <p:cNvPr id="185" name="Google Shape;185;g3724119abb9_0_0:notes"/>
+          <p:cNvPr id="187" name="Google Shape;187;g3724119abb9_0_0:notes"/>
           <p:cNvSpPr txBox="1">
             <a:spLocks noGrp="1"/>
           </p:cNvSpPr>
@@ -13103,7 +13481,7 @@
         <p:spPr>
           <a:xfrm>
             <a:off x="78651" y="2499907"/>
-            <a:ext cx="4420200" cy="2173500"/>
+            <a:ext cx="4420200" cy="2388900"/>
           </a:xfrm>
           <a:prstGeom prst="rect">
             <a:avLst/>
@@ -13314,6 +13692,46 @@
                 <a:cs typeface="Calibri"/>
                 <a:sym typeface="Calibri"/>
               </a:rPr>
+              <a:t>Meta Personal Superintelligence</a:t>
+            </a:r>
+            <a:endParaRPr b="1">
+              <a:solidFill>
+                <a:srgbClr val="3C78D8"/>
+              </a:solidFill>
+              <a:latin typeface="Calibri"/>
+              <a:ea typeface="Calibri"/>
+              <a:cs typeface="Calibri"/>
+              <a:sym typeface="Calibri"/>
+            </a:endParaRPr>
+          </a:p>
+          <a:p>
+            <a:pPr marL="228600" marR="0" lvl="0" indent="-203200" algn="l" rtl="0">
+              <a:lnSpc>
+                <a:spcPct val="100000"/>
+              </a:lnSpc>
+              <a:spcBef>
+                <a:spcPts val="0"/>
+              </a:spcBef>
+              <a:spcAft>
+                <a:spcPts val="0"/>
+              </a:spcAft>
+              <a:buClr>
+                <a:srgbClr val="3C78D8"/>
+              </a:buClr>
+              <a:buSzPts val="1400"/>
+              <a:buFont typeface="Calibri"/>
+              <a:buChar char="●"/>
+            </a:pPr>
+            <a:r>
+              <a:rPr lang="en" b="1">
+                <a:solidFill>
+                  <a:srgbClr val="3C78D8"/>
+                </a:solidFill>
+                <a:latin typeface="Calibri"/>
+                <a:ea typeface="Calibri"/>
+                <a:cs typeface="Calibri"/>
+                <a:sym typeface="Calibri"/>
+              </a:rPr>
               <a:t>Unitree R1 - $6k robot from China</a:t>
             </a:r>
             <a:endParaRPr b="1">
@@ -13537,7 +13955,7 @@
         <p:spPr>
           <a:xfrm>
             <a:off x="4576975" y="854047"/>
-            <a:ext cx="4502400" cy="1957800"/>
+            <a:ext cx="4502400" cy="3250800"/>
           </a:xfrm>
           <a:prstGeom prst="rect">
             <a:avLst/>
@@ -13708,7 +14126,7 @@
                 <a:cs typeface="Calibri"/>
                 <a:sym typeface="Calibri"/>
               </a:rPr>
-              <a:t>FlowiseAI - Build Agentic Workflows</a:t>
+              <a:t>Fable Showrunner - generate TV Episodes</a:t>
             </a:r>
             <a:endParaRPr b="1">
               <a:solidFill>
@@ -13748,7 +14166,7 @@
                 <a:cs typeface="Calibri"/>
                 <a:sym typeface="Calibri"/>
               </a:rPr>
-              <a:t>Ben Mann Interview</a:t>
+              <a:t>Deep agent vs Shallow Agent</a:t>
             </a:r>
             <a:endParaRPr b="1">
               <a:solidFill>
@@ -13788,7 +14206,7 @@
                 <a:cs typeface="Calibri"/>
                 <a:sym typeface="Calibri"/>
               </a:rPr>
-              <a:t>The Death of Agile</a:t>
+              <a:t>Claude Code Sub-Agents</a:t>
             </a:r>
             <a:endParaRPr b="1">
               <a:solidFill>
@@ -13828,7 +14246,7 @@
                 <a:cs typeface="Calibri"/>
                 <a:sym typeface="Calibri"/>
               </a:rPr>
-              <a:t>Don't Use Kubernetes</a:t>
+              <a:t>Opinion-based Prompt Template</a:t>
             </a:r>
             <a:endParaRPr b="1">
               <a:solidFill>
@@ -13868,7 +14286,7 @@
                 <a:cs typeface="Calibri"/>
                 <a:sym typeface="Calibri"/>
               </a:rPr>
-              <a:t>Eric Schmidt - fastest mover wins</a:t>
+              <a:t>Mistral Codestral 25.08 - Enterprise Coding</a:t>
             </a:r>
             <a:endParaRPr b="1">
               <a:solidFill>
@@ -13908,7 +14326,247 @@
                 <a:cs typeface="Calibri"/>
                 <a:sym typeface="Calibri"/>
               </a:rPr>
+              <a:t>FlowiseAI - Build Agentic Workflows</a:t>
+            </a:r>
+            <a:endParaRPr b="1">
+              <a:solidFill>
+                <a:srgbClr val="3C78D8"/>
+              </a:solidFill>
+              <a:latin typeface="Calibri"/>
+              <a:ea typeface="Calibri"/>
+              <a:cs typeface="Calibri"/>
+              <a:sym typeface="Calibri"/>
+            </a:endParaRPr>
+          </a:p>
+          <a:p>
+            <a:pPr marL="228600" marR="0" lvl="0" indent="-203200" algn="l" rtl="0">
+              <a:lnSpc>
+                <a:spcPct val="100000"/>
+              </a:lnSpc>
+              <a:spcBef>
+                <a:spcPts val="0"/>
+              </a:spcBef>
+              <a:spcAft>
+                <a:spcPts val="0"/>
+              </a:spcAft>
+              <a:buClr>
+                <a:srgbClr val="3C78D8"/>
+              </a:buClr>
+              <a:buSzPts val="1400"/>
+              <a:buFont typeface="Calibri"/>
+              <a:buChar char="●"/>
+            </a:pPr>
+            <a:r>
+              <a:rPr lang="en" b="1">
+                <a:solidFill>
+                  <a:srgbClr val="3C78D8"/>
+                </a:solidFill>
+                <a:latin typeface="Calibri"/>
+                <a:ea typeface="Calibri"/>
+                <a:cs typeface="Calibri"/>
+                <a:sym typeface="Calibri"/>
+              </a:rPr>
+              <a:t>Ben Mann Interview</a:t>
+            </a:r>
+            <a:endParaRPr b="1">
+              <a:solidFill>
+                <a:srgbClr val="3C78D8"/>
+              </a:solidFill>
+              <a:latin typeface="Calibri"/>
+              <a:ea typeface="Calibri"/>
+              <a:cs typeface="Calibri"/>
+              <a:sym typeface="Calibri"/>
+            </a:endParaRPr>
+          </a:p>
+          <a:p>
+            <a:pPr marL="228600" marR="0" lvl="0" indent="-203200" algn="l" rtl="0">
+              <a:lnSpc>
+                <a:spcPct val="100000"/>
+              </a:lnSpc>
+              <a:spcBef>
+                <a:spcPts val="0"/>
+              </a:spcBef>
+              <a:spcAft>
+                <a:spcPts val="0"/>
+              </a:spcAft>
+              <a:buClr>
+                <a:srgbClr val="3C78D8"/>
+              </a:buClr>
+              <a:buSzPts val="1400"/>
+              <a:buFont typeface="Calibri"/>
+              <a:buChar char="●"/>
+            </a:pPr>
+            <a:r>
+              <a:rPr lang="en" b="1">
+                <a:solidFill>
+                  <a:srgbClr val="3C78D8"/>
+                </a:solidFill>
+                <a:latin typeface="Calibri"/>
+                <a:ea typeface="Calibri"/>
+                <a:cs typeface="Calibri"/>
+                <a:sym typeface="Calibri"/>
+              </a:rPr>
+              <a:t>The Death of Agile</a:t>
+            </a:r>
+            <a:endParaRPr b="1">
+              <a:solidFill>
+                <a:srgbClr val="3C78D8"/>
+              </a:solidFill>
+              <a:latin typeface="Calibri"/>
+              <a:ea typeface="Calibri"/>
+              <a:cs typeface="Calibri"/>
+              <a:sym typeface="Calibri"/>
+            </a:endParaRPr>
+          </a:p>
+          <a:p>
+            <a:pPr marL="228600" marR="0" lvl="0" indent="-203200" algn="l" rtl="0">
+              <a:lnSpc>
+                <a:spcPct val="100000"/>
+              </a:lnSpc>
+              <a:spcBef>
+                <a:spcPts val="0"/>
+              </a:spcBef>
+              <a:spcAft>
+                <a:spcPts val="0"/>
+              </a:spcAft>
+              <a:buClr>
+                <a:srgbClr val="3C78D8"/>
+              </a:buClr>
+              <a:buSzPts val="1400"/>
+              <a:buFont typeface="Calibri"/>
+              <a:buChar char="●"/>
+            </a:pPr>
+            <a:r>
+              <a:rPr lang="en" b="1">
+                <a:solidFill>
+                  <a:srgbClr val="3C78D8"/>
+                </a:solidFill>
+                <a:latin typeface="Calibri"/>
+                <a:ea typeface="Calibri"/>
+                <a:cs typeface="Calibri"/>
+                <a:sym typeface="Calibri"/>
+              </a:rPr>
+              <a:t>Don't Use Kubernetes</a:t>
+            </a:r>
+            <a:endParaRPr b="1">
+              <a:solidFill>
+                <a:srgbClr val="3C78D8"/>
+              </a:solidFill>
+              <a:latin typeface="Calibri"/>
+              <a:ea typeface="Calibri"/>
+              <a:cs typeface="Calibri"/>
+              <a:sym typeface="Calibri"/>
+            </a:endParaRPr>
+          </a:p>
+          <a:p>
+            <a:pPr marL="228600" marR="0" lvl="0" indent="-203200" algn="l" rtl="0">
+              <a:lnSpc>
+                <a:spcPct val="100000"/>
+              </a:lnSpc>
+              <a:spcBef>
+                <a:spcPts val="0"/>
+              </a:spcBef>
+              <a:spcAft>
+                <a:spcPts val="0"/>
+              </a:spcAft>
+              <a:buClr>
+                <a:srgbClr val="3C78D8"/>
+              </a:buClr>
+              <a:buSzPts val="1400"/>
+              <a:buFont typeface="Calibri"/>
+              <a:buChar char="●"/>
+            </a:pPr>
+            <a:r>
+              <a:rPr lang="en" b="1">
+                <a:solidFill>
+                  <a:srgbClr val="3C78D8"/>
+                </a:solidFill>
+                <a:latin typeface="Calibri"/>
+                <a:ea typeface="Calibri"/>
+                <a:cs typeface="Calibri"/>
+                <a:sym typeface="Calibri"/>
+              </a:rPr>
+              <a:t>Eric Schmidt - fastest mover wins</a:t>
+            </a:r>
+            <a:endParaRPr b="1">
+              <a:solidFill>
+                <a:srgbClr val="3C78D8"/>
+              </a:solidFill>
+              <a:latin typeface="Calibri"/>
+              <a:ea typeface="Calibri"/>
+              <a:cs typeface="Calibri"/>
+              <a:sym typeface="Calibri"/>
+            </a:endParaRPr>
+          </a:p>
+          <a:p>
+            <a:pPr marL="228600" marR="0" lvl="0" indent="-203200" algn="l" rtl="0">
+              <a:lnSpc>
+                <a:spcPct val="100000"/>
+              </a:lnSpc>
+              <a:spcBef>
+                <a:spcPts val="0"/>
+              </a:spcBef>
+              <a:spcAft>
+                <a:spcPts val="0"/>
+              </a:spcAft>
+              <a:buClr>
+                <a:srgbClr val="3C78D8"/>
+              </a:buClr>
+              <a:buSzPts val="1400"/>
+              <a:buFont typeface="Calibri"/>
+              <a:buChar char="●"/>
+            </a:pPr>
+            <a:r>
+              <a:rPr lang="en" b="1">
+                <a:solidFill>
+                  <a:srgbClr val="3C78D8"/>
+                </a:solidFill>
+                <a:latin typeface="Calibri"/>
+                <a:ea typeface="Calibri"/>
+                <a:cs typeface="Calibri"/>
+                <a:sym typeface="Calibri"/>
+              </a:rPr>
               <a:t>Specifications = Unit of Programming</a:t>
+            </a:r>
+            <a:endParaRPr b="1">
+              <a:solidFill>
+                <a:srgbClr val="3C78D8"/>
+              </a:solidFill>
+              <a:latin typeface="Calibri"/>
+              <a:ea typeface="Calibri"/>
+              <a:cs typeface="Calibri"/>
+              <a:sym typeface="Calibri"/>
+            </a:endParaRPr>
+          </a:p>
+          <a:p>
+            <a:pPr marL="228600" marR="0" lvl="0" indent="-203200" algn="l" rtl="0">
+              <a:lnSpc>
+                <a:spcPct val="100000"/>
+              </a:lnSpc>
+              <a:spcBef>
+                <a:spcPts val="0"/>
+              </a:spcBef>
+              <a:spcAft>
+                <a:spcPts val="0"/>
+              </a:spcAft>
+              <a:buClr>
+                <a:srgbClr val="3C78D8"/>
+              </a:buClr>
+              <a:buSzPts val="1400"/>
+              <a:buFont typeface="Calibri"/>
+              <a:buChar char="●"/>
+            </a:pPr>
+            <a:r>
+              <a:rPr lang="en" b="1">
+                <a:solidFill>
+                  <a:srgbClr val="3C78D8"/>
+                </a:solidFill>
+                <a:latin typeface="Calibri"/>
+                <a:ea typeface="Calibri"/>
+                <a:cs typeface="Calibri"/>
+                <a:sym typeface="Calibri"/>
+              </a:rPr>
+              <a:t>Firecracker MicroVM (AWS Lambda &amp; Fargate)</a:t>
             </a:r>
             <a:endParaRPr b="1">
               <a:solidFill>
@@ -14031,7 +14689,7 @@
   <p:cSld>
     <p:spTree>
       <p:nvGrpSpPr>
-        <p:cNvPr id="1" name="Shape 201"/>
+        <p:cNvPr id="1" name="Shape 203"/>
         <p:cNvGrpSpPr/>
         <p:nvPr/>
       </p:nvGrpSpPr>
@@ -14045,7 +14703,7 @@
       </p:grpSpPr>
       <p:sp>
         <p:nvSpPr>
-          <p:cNvPr id="202" name="Google Shape;202;p24"/>
+          <p:cNvPr id="204" name="Google Shape;204;p24"/>
           <p:cNvSpPr txBox="1"/>
           <p:nvPr/>
         </p:nvSpPr>
@@ -14111,7 +14769,7 @@
       </p:sp>
       <p:sp>
         <p:nvSpPr>
-          <p:cNvPr id="203" name="Google Shape;203;p24"/>
+          <p:cNvPr id="205" name="Google Shape;205;p24"/>
           <p:cNvSpPr txBox="1"/>
           <p:nvPr/>
         </p:nvSpPr>
@@ -14260,7 +14918,7 @@
       </p:sp>
       <p:sp>
         <p:nvSpPr>
-          <p:cNvPr id="204" name="Google Shape;204;p24"/>
+          <p:cNvPr id="206" name="Google Shape;206;p24"/>
           <p:cNvSpPr txBox="1"/>
           <p:nvPr/>
         </p:nvSpPr>
@@ -14511,7 +15169,7 @@
       </p:sp>
       <p:sp>
         <p:nvSpPr>
-          <p:cNvPr id="205" name="Google Shape;205;p24"/>
+          <p:cNvPr id="207" name="Google Shape;207;p24"/>
           <p:cNvSpPr txBox="1"/>
           <p:nvPr/>
         </p:nvSpPr>
@@ -14776,7 +15434,7 @@
       </p:sp>
       <p:pic>
         <p:nvPicPr>
-          <p:cNvPr id="206" name="Google Shape;206;p24"/>
+          <p:cNvPr id="208" name="Google Shape;208;p24"/>
           <p:cNvPicPr preferRelativeResize="0"/>
           <p:nvPr/>
         </p:nvPicPr>
@@ -14810,7 +15468,7 @@
       </p:pic>
       <p:pic>
         <p:nvPicPr>
-          <p:cNvPr id="207" name="Google Shape;207;p24"/>
+          <p:cNvPr id="209" name="Google Shape;209;p24"/>
           <p:cNvPicPr preferRelativeResize="0"/>
           <p:nvPr/>
         </p:nvPicPr>
@@ -14844,7 +15502,7 @@
       </p:pic>
       <p:pic>
         <p:nvPicPr>
-          <p:cNvPr id="208" name="Google Shape;208;p24"/>
+          <p:cNvPr id="210" name="Google Shape;210;p24"/>
           <p:cNvPicPr preferRelativeResize="0"/>
           <p:nvPr/>
         </p:nvPicPr>
@@ -14894,7 +15552,7 @@
   <p:cSld>
     <p:spTree>
       <p:nvGrpSpPr>
-        <p:cNvPr id="1" name="Shape 212"/>
+        <p:cNvPr id="1" name="Shape 214"/>
         <p:cNvGrpSpPr/>
         <p:nvPr/>
       </p:nvGrpSpPr>
@@ -14908,7 +15566,1569 @@
       </p:grpSpPr>
       <p:sp>
         <p:nvSpPr>
-          <p:cNvPr id="213" name="Google Shape;213;p25"/>
+          <p:cNvPr id="215" name="Google Shape;215;p25"/>
+          <p:cNvSpPr txBox="1"/>
+          <p:nvPr/>
+        </p:nvSpPr>
+        <p:spPr>
+          <a:xfrm>
+            <a:off x="55075" y="-9225"/>
+            <a:ext cx="3168600" cy="326400"/>
+          </a:xfrm>
+          <a:prstGeom prst="rect">
+            <a:avLst/>
+          </a:prstGeom>
+          <a:noFill/>
+          <a:ln>
+            <a:noFill/>
+          </a:ln>
+        </p:spPr>
+        <p:txBody>
+          <a:bodyPr spcFirstLastPara="1" wrap="square" lIns="9125" tIns="9125" rIns="9125" bIns="9125" anchor="t" anchorCtr="0">
+            <a:spAutoFit/>
+          </a:bodyPr>
+          <a:lstStyle/>
+          <a:p>
+            <a:pPr marL="0" marR="0" lvl="0" indent="0" algn="l" rtl="0">
+              <a:lnSpc>
+                <a:spcPct val="100000"/>
+              </a:lnSpc>
+              <a:spcBef>
+                <a:spcPts val="0"/>
+              </a:spcBef>
+              <a:spcAft>
+                <a:spcPts val="0"/>
+              </a:spcAft>
+              <a:buClr>
+                <a:schemeClr val="dk1"/>
+              </a:buClr>
+              <a:buSzPts val="1100"/>
+              <a:buFont typeface="Arial"/>
+              <a:buNone/>
+            </a:pPr>
+            <a:r>
+              <a:rPr lang="en" sz="2000" b="1">
+                <a:solidFill>
+                  <a:schemeClr val="dk1"/>
+                </a:solidFill>
+                <a:latin typeface="Calibri"/>
+                <a:ea typeface="Calibri"/>
+                <a:cs typeface="Calibri"/>
+                <a:sym typeface="Calibri"/>
+              </a:rPr>
+              <a:t>AI Updates - 4 </a:t>
+            </a:r>
+            <a:endParaRPr sz="2000" b="1" i="0" u="none" strike="noStrike" cap="none">
+              <a:solidFill>
+                <a:schemeClr val="dk1"/>
+              </a:solidFill>
+              <a:latin typeface="Calibri"/>
+              <a:ea typeface="Calibri"/>
+              <a:cs typeface="Calibri"/>
+              <a:sym typeface="Calibri"/>
+            </a:endParaRPr>
+          </a:p>
+        </p:txBody>
+      </p:sp>
+      <p:sp>
+        <p:nvSpPr>
+          <p:cNvPr id="216" name="Google Shape;216;p25"/>
+          <p:cNvSpPr txBox="1"/>
+          <p:nvPr/>
+        </p:nvSpPr>
+        <p:spPr>
+          <a:xfrm>
+            <a:off x="142375" y="479325"/>
+            <a:ext cx="3810600" cy="2050200"/>
+          </a:xfrm>
+          <a:prstGeom prst="rect">
+            <a:avLst/>
+          </a:prstGeom>
+          <a:solidFill>
+            <a:srgbClr val="FFF2CC"/>
+          </a:solidFill>
+          <a:ln w="9525" cap="flat" cmpd="sng">
+            <a:solidFill>
+              <a:srgbClr val="FF0000"/>
+            </a:solidFill>
+            <a:prstDash val="solid"/>
+            <a:round/>
+            <a:headEnd type="none" w="sm" len="sm"/>
+            <a:tailEnd type="none" w="sm" len="sm"/>
+          </a:ln>
+        </p:spPr>
+        <p:txBody>
+          <a:bodyPr spcFirstLastPara="1" wrap="square" lIns="9125" tIns="9125" rIns="9125" bIns="9125" anchor="t" anchorCtr="0">
+            <a:spAutoFit/>
+          </a:bodyPr>
+          <a:lstStyle/>
+          <a:p>
+            <a:pPr marL="171450" marR="0" lvl="0" indent="-133350" algn="l" rtl="0">
+              <a:lnSpc>
+                <a:spcPct val="100000"/>
+              </a:lnSpc>
+              <a:spcBef>
+                <a:spcPts val="0"/>
+              </a:spcBef>
+              <a:spcAft>
+                <a:spcPts val="0"/>
+              </a:spcAft>
+              <a:buClr>
+                <a:srgbClr val="FF0000"/>
+              </a:buClr>
+              <a:buSzPts val="1200"/>
+              <a:buFont typeface="Calibri"/>
+              <a:buChar char="●"/>
+            </a:pPr>
+            <a:r>
+              <a:rPr lang="en" sz="1200" b="1">
+                <a:solidFill>
+                  <a:srgbClr val="FF0000"/>
+                </a:solidFill>
+                <a:latin typeface="Calibri"/>
+                <a:ea typeface="Calibri"/>
+                <a:cs typeface="Calibri"/>
+                <a:sym typeface="Calibri"/>
+              </a:rPr>
+              <a:t>Fable Showrunner - generate TV Episodes</a:t>
+            </a:r>
+            <a:endParaRPr sz="1200" b="1">
+              <a:solidFill>
+                <a:srgbClr val="FF0000"/>
+              </a:solidFill>
+              <a:latin typeface="Calibri"/>
+              <a:ea typeface="Calibri"/>
+              <a:cs typeface="Calibri"/>
+              <a:sym typeface="Calibri"/>
+            </a:endParaRPr>
+          </a:p>
+          <a:p>
+            <a:pPr marL="171450" marR="0" lvl="0" indent="-133350" algn="l" rtl="0">
+              <a:lnSpc>
+                <a:spcPct val="100000"/>
+              </a:lnSpc>
+              <a:spcBef>
+                <a:spcPts val="0"/>
+              </a:spcBef>
+              <a:spcAft>
+                <a:spcPts val="0"/>
+              </a:spcAft>
+              <a:buClr>
+                <a:schemeClr val="dk1"/>
+              </a:buClr>
+              <a:buSzPts val="1200"/>
+              <a:buFont typeface="Calibri"/>
+              <a:buChar char="●"/>
+            </a:pPr>
+            <a:r>
+              <a:rPr lang="en" sz="1200" u="sng">
+                <a:solidFill>
+                  <a:schemeClr val="hlink"/>
+                </a:solidFill>
+                <a:latin typeface="Calibri"/>
+                <a:ea typeface="Calibri"/>
+                <a:cs typeface="Calibri"/>
+                <a:sym typeface="Calibri"/>
+                <a:hlinkClick r:id="rId3"/>
+              </a:rPr>
+              <a:t>https://www.showrunner.xyz/</a:t>
+            </a:r>
+            <a:endParaRPr sz="1200">
+              <a:solidFill>
+                <a:schemeClr val="dk1"/>
+              </a:solidFill>
+              <a:latin typeface="Calibri"/>
+              <a:ea typeface="Calibri"/>
+              <a:cs typeface="Calibri"/>
+              <a:sym typeface="Calibri"/>
+            </a:endParaRPr>
+          </a:p>
+          <a:p>
+            <a:pPr marL="171450" marR="0" lvl="0" indent="-133350" algn="l" rtl="0">
+              <a:lnSpc>
+                <a:spcPct val="100000"/>
+              </a:lnSpc>
+              <a:spcBef>
+                <a:spcPts val="0"/>
+              </a:spcBef>
+              <a:spcAft>
+                <a:spcPts val="0"/>
+              </a:spcAft>
+              <a:buClr>
+                <a:schemeClr val="dk1"/>
+              </a:buClr>
+              <a:buSzPts val="1200"/>
+              <a:buFont typeface="Calibri"/>
+              <a:buChar char="●"/>
+            </a:pPr>
+            <a:r>
+              <a:rPr lang="en" sz="1200">
+                <a:solidFill>
+                  <a:schemeClr val="dk1"/>
+                </a:solidFill>
+                <a:latin typeface="Calibri"/>
+                <a:ea typeface="Calibri"/>
+                <a:cs typeface="Calibri"/>
+                <a:sym typeface="Calibri"/>
+              </a:rPr>
+              <a:t>Users can generate personalized, playable animated TV episodes through text prompts.</a:t>
+            </a:r>
+            <a:endParaRPr sz="1200">
+              <a:solidFill>
+                <a:schemeClr val="dk1"/>
+              </a:solidFill>
+              <a:latin typeface="Calibri"/>
+              <a:ea typeface="Calibri"/>
+              <a:cs typeface="Calibri"/>
+              <a:sym typeface="Calibri"/>
+            </a:endParaRPr>
+          </a:p>
+          <a:p>
+            <a:pPr marL="171450" marR="0" lvl="0" indent="-133350" algn="l" rtl="0">
+              <a:lnSpc>
+                <a:spcPct val="100000"/>
+              </a:lnSpc>
+              <a:spcBef>
+                <a:spcPts val="0"/>
+              </a:spcBef>
+              <a:spcAft>
+                <a:spcPts val="0"/>
+              </a:spcAft>
+              <a:buClr>
+                <a:schemeClr val="dk1"/>
+              </a:buClr>
+              <a:buSzPts val="1200"/>
+              <a:buFont typeface="Calibri"/>
+              <a:buChar char="●"/>
+            </a:pPr>
+            <a:r>
+              <a:rPr lang="en" sz="1200">
+                <a:solidFill>
+                  <a:schemeClr val="dk1"/>
+                </a:solidFill>
+                <a:latin typeface="Calibri"/>
+                <a:ea typeface="Calibri"/>
+                <a:cs typeface="Calibri"/>
+                <a:sym typeface="Calibri"/>
+              </a:rPr>
+              <a:t>Users can also upload themselves as characters</a:t>
+            </a:r>
+            <a:endParaRPr sz="1200">
+              <a:solidFill>
+                <a:schemeClr val="dk1"/>
+              </a:solidFill>
+              <a:latin typeface="Calibri"/>
+              <a:ea typeface="Calibri"/>
+              <a:cs typeface="Calibri"/>
+              <a:sym typeface="Calibri"/>
+            </a:endParaRPr>
+          </a:p>
+          <a:p>
+            <a:pPr marL="171450" marR="0" lvl="0" indent="-133350" algn="l" rtl="0">
+              <a:lnSpc>
+                <a:spcPct val="100000"/>
+              </a:lnSpc>
+              <a:spcBef>
+                <a:spcPts val="0"/>
+              </a:spcBef>
+              <a:spcAft>
+                <a:spcPts val="0"/>
+              </a:spcAft>
+              <a:buClr>
+                <a:schemeClr val="dk1"/>
+              </a:buClr>
+              <a:buSzPts val="1200"/>
+              <a:buFont typeface="Calibri"/>
+              <a:buChar char="●"/>
+            </a:pPr>
+            <a:r>
+              <a:rPr lang="en" sz="1200">
+                <a:solidFill>
+                  <a:schemeClr val="dk1"/>
+                </a:solidFill>
+                <a:latin typeface="Calibri"/>
+                <a:ea typeface="Calibri"/>
+                <a:cs typeface="Calibri"/>
+                <a:sym typeface="Calibri"/>
+              </a:rPr>
+              <a:t>"remixable, multiplayer, personalized, and interactive"</a:t>
+            </a:r>
+            <a:endParaRPr sz="1200">
+              <a:solidFill>
+                <a:schemeClr val="dk1"/>
+              </a:solidFill>
+              <a:latin typeface="Calibri"/>
+              <a:ea typeface="Calibri"/>
+              <a:cs typeface="Calibri"/>
+              <a:sym typeface="Calibri"/>
+            </a:endParaRPr>
+          </a:p>
+          <a:p>
+            <a:pPr marL="171450" marR="0" lvl="0" indent="-133350" algn="l" rtl="0">
+              <a:lnSpc>
+                <a:spcPct val="100000"/>
+              </a:lnSpc>
+              <a:spcBef>
+                <a:spcPts val="0"/>
+              </a:spcBef>
+              <a:spcAft>
+                <a:spcPts val="0"/>
+              </a:spcAft>
+              <a:buClr>
+                <a:schemeClr val="dk1"/>
+              </a:buClr>
+              <a:buSzPts val="1200"/>
+              <a:buFont typeface="Calibri"/>
+              <a:buChar char="●"/>
+            </a:pPr>
+            <a:r>
+              <a:rPr lang="en" sz="1200">
+                <a:solidFill>
+                  <a:schemeClr val="dk1"/>
+                </a:solidFill>
+                <a:latin typeface="Calibri"/>
+                <a:ea typeface="Calibri"/>
+                <a:cs typeface="Calibri"/>
+                <a:sym typeface="Calibri"/>
+              </a:rPr>
+              <a:t>The platform will be free, with an eventual monthly fee for generation credits. </a:t>
+            </a:r>
+            <a:endParaRPr sz="1200">
+              <a:solidFill>
+                <a:schemeClr val="dk1"/>
+              </a:solidFill>
+              <a:latin typeface="Calibri"/>
+              <a:ea typeface="Calibri"/>
+              <a:cs typeface="Calibri"/>
+              <a:sym typeface="Calibri"/>
+            </a:endParaRPr>
+          </a:p>
+          <a:p>
+            <a:pPr marL="171450" marR="0" lvl="0" indent="-133350" algn="l" rtl="0">
+              <a:lnSpc>
+                <a:spcPct val="100000"/>
+              </a:lnSpc>
+              <a:spcBef>
+                <a:spcPts val="0"/>
+              </a:spcBef>
+              <a:spcAft>
+                <a:spcPts val="0"/>
+              </a:spcAft>
+              <a:buClr>
+                <a:schemeClr val="dk1"/>
+              </a:buClr>
+              <a:buSzPts val="1200"/>
+              <a:buFont typeface="Calibri"/>
+              <a:buChar char="●"/>
+            </a:pPr>
+            <a:r>
+              <a:rPr lang="en" sz="1200">
+                <a:solidFill>
+                  <a:schemeClr val="dk1"/>
+                </a:solidFill>
+                <a:latin typeface="Calibri"/>
+                <a:ea typeface="Calibri"/>
+                <a:cs typeface="Calibri"/>
+                <a:sym typeface="Calibri"/>
+              </a:rPr>
+              <a:t>Plans to enable revenue sharing for creators when their content is remixed.</a:t>
+            </a:r>
+            <a:endParaRPr sz="1200">
+              <a:solidFill>
+                <a:schemeClr val="dk1"/>
+              </a:solidFill>
+              <a:latin typeface="Calibri"/>
+              <a:ea typeface="Calibri"/>
+              <a:cs typeface="Calibri"/>
+              <a:sym typeface="Calibri"/>
+            </a:endParaRPr>
+          </a:p>
+          <a:p>
+            <a:pPr marL="171450" marR="0" lvl="0" indent="-133350" algn="l" rtl="0">
+              <a:lnSpc>
+                <a:spcPct val="100000"/>
+              </a:lnSpc>
+              <a:spcBef>
+                <a:spcPts val="0"/>
+              </a:spcBef>
+              <a:spcAft>
+                <a:spcPts val="0"/>
+              </a:spcAft>
+              <a:buClr>
+                <a:schemeClr val="dk1"/>
+              </a:buClr>
+              <a:buSzPts val="1200"/>
+              <a:buFont typeface="Calibri"/>
+              <a:buChar char="●"/>
+            </a:pPr>
+            <a:r>
+              <a:rPr lang="en" sz="1200">
+                <a:solidFill>
+                  <a:schemeClr val="dk1"/>
+                </a:solidFill>
+                <a:latin typeface="Calibri"/>
+                <a:ea typeface="Calibri"/>
+                <a:cs typeface="Calibri"/>
+                <a:sym typeface="Calibri"/>
+              </a:rPr>
+              <a:t>Backed by Amazon</a:t>
+            </a:r>
+            <a:endParaRPr sz="1200">
+              <a:solidFill>
+                <a:schemeClr val="dk1"/>
+              </a:solidFill>
+              <a:latin typeface="Calibri"/>
+              <a:ea typeface="Calibri"/>
+              <a:cs typeface="Calibri"/>
+              <a:sym typeface="Calibri"/>
+            </a:endParaRPr>
+          </a:p>
+        </p:txBody>
+      </p:sp>
+      <p:pic>
+        <p:nvPicPr>
+          <p:cNvPr id="217" name="Google Shape;217;p25"/>
+          <p:cNvPicPr preferRelativeResize="0"/>
+          <p:nvPr/>
+        </p:nvPicPr>
+        <p:blipFill>
+          <a:blip r:embed="rId4" cstate="email">
+            <a:alphaModFix/>
+            <a:extLst>
+              <a:ext uri="{28A0092B-C50C-407E-A947-70E740481C1C}">
+                <a14:useLocalDpi xmlns:a14="http://schemas.microsoft.com/office/drawing/2010/main"/>
+              </a:ext>
+            </a:extLst>
+          </a:blip>
+          <a:stretch>
+            <a:fillRect/>
+          </a:stretch>
+        </p:blipFill>
+        <p:spPr>
+          <a:xfrm>
+            <a:off x="4114050" y="479325"/>
+            <a:ext cx="2949088" cy="2050199"/>
+          </a:xfrm>
+          <a:prstGeom prst="rect">
+            <a:avLst/>
+          </a:prstGeom>
+          <a:noFill/>
+          <a:ln w="9525" cap="flat" cmpd="sng">
+            <a:solidFill>
+              <a:srgbClr val="FF0000"/>
+            </a:solidFill>
+            <a:prstDash val="solid"/>
+            <a:round/>
+            <a:headEnd type="none" w="sm" len="sm"/>
+            <a:tailEnd type="none" w="sm" len="sm"/>
+          </a:ln>
+        </p:spPr>
+      </p:pic>
+      <p:sp>
+        <p:nvSpPr>
+          <p:cNvPr id="218" name="Google Shape;218;p25"/>
+          <p:cNvSpPr txBox="1"/>
+          <p:nvPr/>
+        </p:nvSpPr>
+        <p:spPr>
+          <a:xfrm>
+            <a:off x="142375" y="2691675"/>
+            <a:ext cx="3810600" cy="757200"/>
+          </a:xfrm>
+          <a:prstGeom prst="rect">
+            <a:avLst/>
+          </a:prstGeom>
+          <a:solidFill>
+            <a:srgbClr val="FFF2CC"/>
+          </a:solidFill>
+          <a:ln w="9525" cap="flat" cmpd="sng">
+            <a:solidFill>
+              <a:srgbClr val="FF0000"/>
+            </a:solidFill>
+            <a:prstDash val="solid"/>
+            <a:round/>
+            <a:headEnd type="none" w="sm" len="sm"/>
+            <a:tailEnd type="none" w="sm" len="sm"/>
+          </a:ln>
+        </p:spPr>
+        <p:txBody>
+          <a:bodyPr spcFirstLastPara="1" wrap="square" lIns="9125" tIns="9125" rIns="9125" bIns="9125" anchor="t" anchorCtr="0">
+            <a:spAutoFit/>
+          </a:bodyPr>
+          <a:lstStyle/>
+          <a:p>
+            <a:pPr marL="171450" marR="0" lvl="0" indent="-133350" algn="l" rtl="0">
+              <a:lnSpc>
+                <a:spcPct val="100000"/>
+              </a:lnSpc>
+              <a:spcBef>
+                <a:spcPts val="0"/>
+              </a:spcBef>
+              <a:spcAft>
+                <a:spcPts val="0"/>
+              </a:spcAft>
+              <a:buClr>
+                <a:srgbClr val="FF0000"/>
+              </a:buClr>
+              <a:buSzPts val="1200"/>
+              <a:buFont typeface="Calibri"/>
+              <a:buChar char="●"/>
+            </a:pPr>
+            <a:r>
+              <a:rPr lang="en" sz="1200" b="1">
+                <a:solidFill>
+                  <a:srgbClr val="FF0000"/>
+                </a:solidFill>
+                <a:latin typeface="Calibri"/>
+                <a:ea typeface="Calibri"/>
+                <a:cs typeface="Calibri"/>
+                <a:sym typeface="Calibri"/>
+              </a:rPr>
+              <a:t>Deep agent vs Shallow Agent</a:t>
+            </a:r>
+            <a:endParaRPr sz="1200" b="1">
+              <a:solidFill>
+                <a:srgbClr val="FF0000"/>
+              </a:solidFill>
+              <a:latin typeface="Calibri"/>
+              <a:ea typeface="Calibri"/>
+              <a:cs typeface="Calibri"/>
+              <a:sym typeface="Calibri"/>
+            </a:endParaRPr>
+          </a:p>
+          <a:p>
+            <a:pPr marL="171450" marR="0" lvl="0" indent="-133350" algn="l" rtl="0">
+              <a:lnSpc>
+                <a:spcPct val="100000"/>
+              </a:lnSpc>
+              <a:spcBef>
+                <a:spcPts val="0"/>
+              </a:spcBef>
+              <a:spcAft>
+                <a:spcPts val="0"/>
+              </a:spcAft>
+              <a:buClr>
+                <a:schemeClr val="dk1"/>
+              </a:buClr>
+              <a:buSzPts val="1200"/>
+              <a:buFont typeface="Calibri"/>
+              <a:buChar char="●"/>
+            </a:pPr>
+            <a:r>
+              <a:rPr lang="en" sz="1200">
+                <a:solidFill>
+                  <a:schemeClr val="dk1"/>
+                </a:solidFill>
+                <a:latin typeface="Calibri"/>
+                <a:ea typeface="Calibri"/>
+                <a:cs typeface="Calibri"/>
+                <a:sym typeface="Calibri"/>
+              </a:rPr>
+              <a:t>Deep Agent - break task into sub-tasks, create plan, pursue multiple threads, take notes, ...</a:t>
+            </a:r>
+            <a:endParaRPr sz="1200">
+              <a:solidFill>
+                <a:schemeClr val="dk1"/>
+              </a:solidFill>
+              <a:latin typeface="Calibri"/>
+              <a:ea typeface="Calibri"/>
+              <a:cs typeface="Calibri"/>
+              <a:sym typeface="Calibri"/>
+            </a:endParaRPr>
+          </a:p>
+          <a:p>
+            <a:pPr marL="171450" marR="0" lvl="0" indent="-133350" algn="l" rtl="0">
+              <a:lnSpc>
+                <a:spcPct val="100000"/>
+              </a:lnSpc>
+              <a:spcBef>
+                <a:spcPts val="0"/>
+              </a:spcBef>
+              <a:spcAft>
+                <a:spcPts val="0"/>
+              </a:spcAft>
+              <a:buClr>
+                <a:schemeClr val="dk1"/>
+              </a:buClr>
+              <a:buSzPts val="1200"/>
+              <a:buFont typeface="Calibri"/>
+              <a:buChar char="●"/>
+            </a:pPr>
+            <a:r>
+              <a:rPr lang="en" sz="1200">
+                <a:solidFill>
+                  <a:schemeClr val="dk1"/>
+                </a:solidFill>
+                <a:latin typeface="Calibri"/>
+                <a:ea typeface="Calibri"/>
+                <a:cs typeface="Calibri"/>
+                <a:sym typeface="Calibri"/>
+              </a:rPr>
+              <a:t>It is more like a research assistant</a:t>
+            </a:r>
+            <a:endParaRPr sz="1200">
+              <a:solidFill>
+                <a:schemeClr val="dk1"/>
+              </a:solidFill>
+              <a:latin typeface="Calibri"/>
+              <a:ea typeface="Calibri"/>
+              <a:cs typeface="Calibri"/>
+              <a:sym typeface="Calibri"/>
+            </a:endParaRPr>
+          </a:p>
+        </p:txBody>
+      </p:sp>
+      <p:pic>
+        <p:nvPicPr>
+          <p:cNvPr id="219" name="Google Shape;219;p25"/>
+          <p:cNvPicPr preferRelativeResize="0"/>
+          <p:nvPr/>
+        </p:nvPicPr>
+        <p:blipFill>
+          <a:blip r:embed="rId5" cstate="email">
+            <a:alphaModFix/>
+            <a:extLst>
+              <a:ext uri="{28A0092B-C50C-407E-A947-70E740481C1C}">
+                <a14:useLocalDpi xmlns:a14="http://schemas.microsoft.com/office/drawing/2010/main"/>
+              </a:ext>
+            </a:extLst>
+          </a:blip>
+          <a:stretch>
+            <a:fillRect/>
+          </a:stretch>
+        </p:blipFill>
+        <p:spPr>
+          <a:xfrm>
+            <a:off x="4114050" y="3995750"/>
+            <a:ext cx="1877450" cy="1056074"/>
+          </a:xfrm>
+          <a:prstGeom prst="rect">
+            <a:avLst/>
+          </a:prstGeom>
+          <a:noFill/>
+          <a:ln w="9525" cap="flat" cmpd="sng">
+            <a:solidFill>
+              <a:srgbClr val="FF0000"/>
+            </a:solidFill>
+            <a:prstDash val="solid"/>
+            <a:round/>
+            <a:headEnd type="none" w="sm" len="sm"/>
+            <a:tailEnd type="none" w="sm" len="sm"/>
+          </a:ln>
+        </p:spPr>
+      </p:pic>
+      <p:sp>
+        <p:nvSpPr>
+          <p:cNvPr id="220" name="Google Shape;220;p25"/>
+          <p:cNvSpPr txBox="1"/>
+          <p:nvPr/>
+        </p:nvSpPr>
+        <p:spPr>
+          <a:xfrm>
+            <a:off x="142375" y="3829325"/>
+            <a:ext cx="3810600" cy="1218900"/>
+          </a:xfrm>
+          <a:prstGeom prst="rect">
+            <a:avLst/>
+          </a:prstGeom>
+          <a:solidFill>
+            <a:srgbClr val="FFF2CC"/>
+          </a:solidFill>
+          <a:ln w="9525" cap="flat" cmpd="sng">
+            <a:solidFill>
+              <a:srgbClr val="FF0000"/>
+            </a:solidFill>
+            <a:prstDash val="solid"/>
+            <a:round/>
+            <a:headEnd type="none" w="sm" len="sm"/>
+            <a:tailEnd type="none" w="sm" len="sm"/>
+          </a:ln>
+        </p:spPr>
+        <p:txBody>
+          <a:bodyPr spcFirstLastPara="1" wrap="square" lIns="9125" tIns="9125" rIns="9125" bIns="9125" anchor="t" anchorCtr="0">
+            <a:spAutoFit/>
+          </a:bodyPr>
+          <a:lstStyle/>
+          <a:p>
+            <a:pPr marL="171450" marR="0" lvl="0" indent="-133350" algn="l" rtl="0">
+              <a:lnSpc>
+                <a:spcPct val="100000"/>
+              </a:lnSpc>
+              <a:spcBef>
+                <a:spcPts val="0"/>
+              </a:spcBef>
+              <a:spcAft>
+                <a:spcPts val="0"/>
+              </a:spcAft>
+              <a:buClr>
+                <a:srgbClr val="FF0000"/>
+              </a:buClr>
+              <a:buSzPts val="1200"/>
+              <a:buFont typeface="Calibri"/>
+              <a:buChar char="●"/>
+            </a:pPr>
+            <a:r>
+              <a:rPr lang="en" sz="1200" b="1">
+                <a:solidFill>
+                  <a:srgbClr val="FF0000"/>
+                </a:solidFill>
+                <a:latin typeface="Calibri"/>
+                <a:ea typeface="Calibri"/>
+                <a:cs typeface="Calibri"/>
+                <a:sym typeface="Calibri"/>
+              </a:rPr>
+              <a:t>Claude Code Sub-Agents</a:t>
+            </a:r>
+            <a:endParaRPr sz="1200" b="1">
+              <a:solidFill>
+                <a:srgbClr val="FF0000"/>
+              </a:solidFill>
+              <a:latin typeface="Calibri"/>
+              <a:ea typeface="Calibri"/>
+              <a:cs typeface="Calibri"/>
+              <a:sym typeface="Calibri"/>
+            </a:endParaRPr>
+          </a:p>
+          <a:p>
+            <a:pPr marL="171450" marR="0" lvl="0" indent="-133350" algn="l" rtl="0">
+              <a:lnSpc>
+                <a:spcPct val="100000"/>
+              </a:lnSpc>
+              <a:spcBef>
+                <a:spcPts val="0"/>
+              </a:spcBef>
+              <a:spcAft>
+                <a:spcPts val="0"/>
+              </a:spcAft>
+              <a:buClr>
+                <a:schemeClr val="dk1"/>
+              </a:buClr>
+              <a:buSzPts val="1200"/>
+              <a:buFont typeface="Calibri"/>
+              <a:buChar char="●"/>
+            </a:pPr>
+            <a:r>
+              <a:rPr lang="en" sz="1200">
+                <a:solidFill>
+                  <a:schemeClr val="dk1"/>
+                </a:solidFill>
+                <a:latin typeface="Calibri"/>
+                <a:ea typeface="Calibri"/>
+                <a:cs typeface="Calibri"/>
+                <a:sym typeface="Calibri"/>
+              </a:rPr>
+              <a:t>run the </a:t>
+            </a:r>
+            <a:r>
+              <a:rPr lang="en" sz="1200" b="1">
+                <a:solidFill>
+                  <a:srgbClr val="3C78D8"/>
+                </a:solidFill>
+                <a:latin typeface="Calibri"/>
+                <a:ea typeface="Calibri"/>
+                <a:cs typeface="Calibri"/>
+                <a:sym typeface="Calibri"/>
+              </a:rPr>
+              <a:t>/agents</a:t>
+            </a:r>
+            <a:r>
+              <a:rPr lang="en" sz="1200">
+                <a:solidFill>
+                  <a:schemeClr val="dk1"/>
+                </a:solidFill>
+                <a:latin typeface="Calibri"/>
+                <a:ea typeface="Calibri"/>
+                <a:cs typeface="Calibri"/>
+                <a:sym typeface="Calibri"/>
+              </a:rPr>
+              <a:t> command to open the subagents management interface</a:t>
+            </a:r>
+            <a:endParaRPr sz="1200">
+              <a:solidFill>
+                <a:schemeClr val="dk1"/>
+              </a:solidFill>
+              <a:latin typeface="Calibri"/>
+              <a:ea typeface="Calibri"/>
+              <a:cs typeface="Calibri"/>
+              <a:sym typeface="Calibri"/>
+            </a:endParaRPr>
+          </a:p>
+          <a:p>
+            <a:pPr marL="171450" marR="0" lvl="0" indent="-133350" algn="l" rtl="0">
+              <a:lnSpc>
+                <a:spcPct val="100000"/>
+              </a:lnSpc>
+              <a:spcBef>
+                <a:spcPts val="0"/>
+              </a:spcBef>
+              <a:spcAft>
+                <a:spcPts val="0"/>
+              </a:spcAft>
+              <a:buClr>
+                <a:schemeClr val="dk1"/>
+              </a:buClr>
+              <a:buSzPts val="1200"/>
+              <a:buFont typeface="Calibri"/>
+              <a:buChar char="●"/>
+            </a:pPr>
+            <a:r>
+              <a:rPr lang="en" sz="1200">
+                <a:solidFill>
+                  <a:schemeClr val="dk1"/>
+                </a:solidFill>
+                <a:latin typeface="Calibri"/>
+                <a:ea typeface="Calibri"/>
+                <a:cs typeface="Calibri"/>
+                <a:sym typeface="Calibri"/>
+              </a:rPr>
+              <a:t>Click </a:t>
+            </a:r>
+            <a:r>
+              <a:rPr lang="en" sz="1200" b="1">
+                <a:solidFill>
+                  <a:srgbClr val="3C78D8"/>
+                </a:solidFill>
+                <a:latin typeface="Calibri"/>
+                <a:ea typeface="Calibri"/>
+                <a:cs typeface="Calibri"/>
+                <a:sym typeface="Calibri"/>
+              </a:rPr>
+              <a:t>"Create New Agent"</a:t>
+            </a:r>
+            <a:r>
+              <a:rPr lang="en" sz="1200">
+                <a:solidFill>
+                  <a:schemeClr val="dk1"/>
+                </a:solidFill>
+                <a:latin typeface="Calibri"/>
+                <a:ea typeface="Calibri"/>
+                <a:cs typeface="Calibri"/>
+                <a:sym typeface="Calibri"/>
+              </a:rPr>
+              <a:t>, select type, customize prompt, configure tools and permissions.</a:t>
+            </a:r>
+            <a:endParaRPr sz="1200">
+              <a:solidFill>
+                <a:schemeClr val="dk1"/>
+              </a:solidFill>
+              <a:latin typeface="Calibri"/>
+              <a:ea typeface="Calibri"/>
+              <a:cs typeface="Calibri"/>
+              <a:sym typeface="Calibri"/>
+            </a:endParaRPr>
+          </a:p>
+          <a:p>
+            <a:pPr marL="171450" marR="0" lvl="0" indent="-114300" algn="l" rtl="0">
+              <a:lnSpc>
+                <a:spcPct val="100000"/>
+              </a:lnSpc>
+              <a:spcBef>
+                <a:spcPts val="0"/>
+              </a:spcBef>
+              <a:spcAft>
+                <a:spcPts val="0"/>
+              </a:spcAft>
+              <a:buClr>
+                <a:schemeClr val="dk1"/>
+              </a:buClr>
+              <a:buSzPts val="900"/>
+              <a:buFont typeface="Calibri"/>
+              <a:buChar char="●"/>
+            </a:pPr>
+            <a:r>
+              <a:rPr lang="en" sz="900" u="sng">
+                <a:solidFill>
+                  <a:schemeClr val="hlink"/>
+                </a:solidFill>
+                <a:latin typeface="Calibri"/>
+                <a:ea typeface="Calibri"/>
+                <a:cs typeface="Calibri"/>
+                <a:sym typeface="Calibri"/>
+                <a:hlinkClick r:id="rId6"/>
+              </a:rPr>
+              <a:t>https://medium.com/@joe.njenga/how-im-using-claude-code-sub-agents-newest-feature-as-my-coding-army-9598e30c1318</a:t>
+            </a:r>
+            <a:r>
+              <a:rPr lang="en" sz="900">
+                <a:solidFill>
+                  <a:schemeClr val="dk1"/>
+                </a:solidFill>
+                <a:latin typeface="Calibri"/>
+                <a:ea typeface="Calibri"/>
+                <a:cs typeface="Calibri"/>
+                <a:sym typeface="Calibri"/>
+              </a:rPr>
+              <a:t> </a:t>
+            </a:r>
+            <a:endParaRPr sz="900">
+              <a:solidFill>
+                <a:schemeClr val="dk1"/>
+              </a:solidFill>
+              <a:latin typeface="Calibri"/>
+              <a:ea typeface="Calibri"/>
+              <a:cs typeface="Calibri"/>
+              <a:sym typeface="Calibri"/>
+            </a:endParaRPr>
+          </a:p>
+        </p:txBody>
+      </p:sp>
+      <p:pic>
+        <p:nvPicPr>
+          <p:cNvPr id="221" name="Google Shape;221;p25"/>
+          <p:cNvPicPr preferRelativeResize="0"/>
+          <p:nvPr/>
+        </p:nvPicPr>
+        <p:blipFill>
+          <a:blip r:embed="rId7" cstate="email">
+            <a:alphaModFix/>
+            <a:extLst>
+              <a:ext uri="{28A0092B-C50C-407E-A947-70E740481C1C}">
+                <a14:useLocalDpi xmlns:a14="http://schemas.microsoft.com/office/drawing/2010/main"/>
+              </a:ext>
+            </a:extLst>
+          </a:blip>
+          <a:stretch>
+            <a:fillRect/>
+          </a:stretch>
+        </p:blipFill>
+        <p:spPr>
+          <a:xfrm>
+            <a:off x="4105375" y="2681924"/>
+            <a:ext cx="2668139" cy="1161425"/>
+          </a:xfrm>
+          <a:prstGeom prst="rect">
+            <a:avLst/>
+          </a:prstGeom>
+          <a:noFill/>
+          <a:ln w="9525" cap="flat" cmpd="sng">
+            <a:solidFill>
+              <a:srgbClr val="FF0000"/>
+            </a:solidFill>
+            <a:prstDash val="solid"/>
+            <a:round/>
+            <a:headEnd type="none" w="sm" len="sm"/>
+            <a:tailEnd type="none" w="sm" len="sm"/>
+          </a:ln>
+        </p:spPr>
+      </p:pic>
+      <p:sp>
+        <p:nvSpPr>
+          <p:cNvPr id="222" name="Google Shape;222;p25"/>
+          <p:cNvSpPr txBox="1"/>
+          <p:nvPr/>
+        </p:nvSpPr>
+        <p:spPr>
+          <a:xfrm>
+            <a:off x="6112025" y="4220131"/>
+            <a:ext cx="2904600" cy="618600"/>
+          </a:xfrm>
+          <a:prstGeom prst="rect">
+            <a:avLst/>
+          </a:prstGeom>
+          <a:solidFill>
+            <a:srgbClr val="FFF2CC"/>
+          </a:solidFill>
+          <a:ln w="9525" cap="flat" cmpd="sng">
+            <a:solidFill>
+              <a:srgbClr val="FF0000"/>
+            </a:solidFill>
+            <a:prstDash val="solid"/>
+            <a:round/>
+            <a:headEnd type="none" w="sm" len="sm"/>
+            <a:tailEnd type="none" w="sm" len="sm"/>
+          </a:ln>
+        </p:spPr>
+        <p:txBody>
+          <a:bodyPr spcFirstLastPara="1" wrap="square" lIns="9125" tIns="9125" rIns="9125" bIns="9125" anchor="t" anchorCtr="0">
+            <a:spAutoFit/>
+          </a:bodyPr>
+          <a:lstStyle/>
+          <a:p>
+            <a:pPr marL="171450" marR="0" lvl="0" indent="-133350" algn="l" rtl="0">
+              <a:lnSpc>
+                <a:spcPct val="100000"/>
+              </a:lnSpc>
+              <a:spcBef>
+                <a:spcPts val="0"/>
+              </a:spcBef>
+              <a:spcAft>
+                <a:spcPts val="0"/>
+              </a:spcAft>
+              <a:buClr>
+                <a:srgbClr val="FF0000"/>
+              </a:buClr>
+              <a:buSzPts val="1200"/>
+              <a:buFont typeface="Calibri"/>
+              <a:buChar char="●"/>
+            </a:pPr>
+            <a:r>
+              <a:rPr lang="en" sz="1200" b="1">
+                <a:solidFill>
+                  <a:srgbClr val="FF0000"/>
+                </a:solidFill>
+                <a:latin typeface="Calibri"/>
+                <a:ea typeface="Calibri"/>
+                <a:cs typeface="Calibri"/>
+                <a:sym typeface="Calibri"/>
+              </a:rPr>
+              <a:t>How to use Claude effectively</a:t>
+            </a:r>
+            <a:endParaRPr sz="900" b="1">
+              <a:solidFill>
+                <a:srgbClr val="FF0000"/>
+              </a:solidFill>
+              <a:latin typeface="Calibri"/>
+              <a:ea typeface="Calibri"/>
+              <a:cs typeface="Calibri"/>
+              <a:sym typeface="Calibri"/>
+            </a:endParaRPr>
+          </a:p>
+          <a:p>
+            <a:pPr marL="171450" marR="0" lvl="0" indent="-114300" algn="l" rtl="0">
+              <a:lnSpc>
+                <a:spcPct val="100000"/>
+              </a:lnSpc>
+              <a:spcBef>
+                <a:spcPts val="0"/>
+              </a:spcBef>
+              <a:spcAft>
+                <a:spcPts val="0"/>
+              </a:spcAft>
+              <a:buClr>
+                <a:schemeClr val="dk1"/>
+              </a:buClr>
+              <a:buSzPts val="900"/>
+              <a:buFont typeface="Calibri"/>
+              <a:buChar char="●"/>
+            </a:pPr>
+            <a:r>
+              <a:rPr lang="en" sz="900" u="sng">
+                <a:solidFill>
+                  <a:schemeClr val="hlink"/>
+                </a:solidFill>
+                <a:latin typeface="Calibri"/>
+                <a:ea typeface="Calibri"/>
+                <a:cs typeface="Calibri"/>
+                <a:sym typeface="Calibri"/>
+                <a:hlinkClick r:id="rId8"/>
+              </a:rPr>
+              <a:t>https://agentissue.medium.com/anthropic-teams-100x-claude-workflows-what-they-didn-t-tell-you-until-now-fdecc6d80f48</a:t>
+            </a:r>
+            <a:r>
+              <a:rPr lang="en" sz="900">
+                <a:solidFill>
+                  <a:schemeClr val="dk1"/>
+                </a:solidFill>
+                <a:latin typeface="Calibri"/>
+                <a:ea typeface="Calibri"/>
+                <a:cs typeface="Calibri"/>
+                <a:sym typeface="Calibri"/>
+              </a:rPr>
+              <a:t> </a:t>
+            </a:r>
+            <a:endParaRPr sz="600">
+              <a:solidFill>
+                <a:schemeClr val="dk1"/>
+              </a:solidFill>
+              <a:latin typeface="Calibri"/>
+              <a:ea typeface="Calibri"/>
+              <a:cs typeface="Calibri"/>
+              <a:sym typeface="Calibri"/>
+            </a:endParaRPr>
+          </a:p>
+        </p:txBody>
+      </p:sp>
+    </p:spTree>
+  </p:cSld>
+  <p:clrMapOvr>
+    <a:masterClrMapping/>
+  </p:clrMapOvr>
+</p:sld>
+</file>
+
+<file path=ppt/slides/slide12.xml><?xml version="1.0" encoding="utf-8"?>
+<p:sld xmlns:a="http://schemas.openxmlformats.org/drawingml/2006/main" xmlns:r="http://schemas.openxmlformats.org/officeDocument/2006/relationships" xmlns:p="http://schemas.openxmlformats.org/presentationml/2006/main">
+  <p:cSld>
+    <p:spTree>
+      <p:nvGrpSpPr>
+        <p:cNvPr id="1" name="Shape 226"/>
+        <p:cNvGrpSpPr/>
+        <p:nvPr/>
+      </p:nvGrpSpPr>
+      <p:grpSpPr>
+        <a:xfrm>
+          <a:off x="0" y="0"/>
+          <a:ext cx="0" cy="0"/>
+          <a:chOff x="0" y="0"/>
+          <a:chExt cx="0" cy="0"/>
+        </a:xfrm>
+      </p:grpSpPr>
+      <p:sp>
+        <p:nvSpPr>
+          <p:cNvPr id="227" name="Google Shape;227;p26"/>
+          <p:cNvSpPr txBox="1"/>
+          <p:nvPr/>
+        </p:nvSpPr>
+        <p:spPr>
+          <a:xfrm>
+            <a:off x="55075" y="-9225"/>
+            <a:ext cx="3168600" cy="326400"/>
+          </a:xfrm>
+          <a:prstGeom prst="rect">
+            <a:avLst/>
+          </a:prstGeom>
+          <a:noFill/>
+          <a:ln>
+            <a:noFill/>
+          </a:ln>
+        </p:spPr>
+        <p:txBody>
+          <a:bodyPr spcFirstLastPara="1" wrap="square" lIns="9125" tIns="9125" rIns="9125" bIns="9125" anchor="t" anchorCtr="0">
+            <a:spAutoFit/>
+          </a:bodyPr>
+          <a:lstStyle/>
+          <a:p>
+            <a:pPr marL="0" marR="0" lvl="0" indent="0" algn="l" rtl="0">
+              <a:lnSpc>
+                <a:spcPct val="100000"/>
+              </a:lnSpc>
+              <a:spcBef>
+                <a:spcPts val="0"/>
+              </a:spcBef>
+              <a:spcAft>
+                <a:spcPts val="0"/>
+              </a:spcAft>
+              <a:buClr>
+                <a:schemeClr val="dk1"/>
+              </a:buClr>
+              <a:buSzPts val="1100"/>
+              <a:buFont typeface="Arial"/>
+              <a:buNone/>
+            </a:pPr>
+            <a:r>
+              <a:rPr lang="en" sz="2000" b="1">
+                <a:solidFill>
+                  <a:schemeClr val="dk1"/>
+                </a:solidFill>
+                <a:latin typeface="Calibri"/>
+                <a:ea typeface="Calibri"/>
+                <a:cs typeface="Calibri"/>
+                <a:sym typeface="Calibri"/>
+              </a:rPr>
+              <a:t>AI Updates - 5 </a:t>
+            </a:r>
+            <a:endParaRPr sz="2000" b="1" i="0" u="none" strike="noStrike" cap="none">
+              <a:solidFill>
+                <a:schemeClr val="dk1"/>
+              </a:solidFill>
+              <a:latin typeface="Calibri"/>
+              <a:ea typeface="Calibri"/>
+              <a:cs typeface="Calibri"/>
+              <a:sym typeface="Calibri"/>
+            </a:endParaRPr>
+          </a:p>
+        </p:txBody>
+      </p:sp>
+      <p:sp>
+        <p:nvSpPr>
+          <p:cNvPr id="228" name="Google Shape;228;p26"/>
+          <p:cNvSpPr txBox="1"/>
+          <p:nvPr/>
+        </p:nvSpPr>
+        <p:spPr>
+          <a:xfrm>
+            <a:off x="55075" y="374475"/>
+            <a:ext cx="3810600" cy="480300"/>
+          </a:xfrm>
+          <a:prstGeom prst="rect">
+            <a:avLst/>
+          </a:prstGeom>
+          <a:solidFill>
+            <a:srgbClr val="FFF2CC"/>
+          </a:solidFill>
+          <a:ln w="9525" cap="flat" cmpd="sng">
+            <a:solidFill>
+              <a:srgbClr val="FF0000"/>
+            </a:solidFill>
+            <a:prstDash val="solid"/>
+            <a:round/>
+            <a:headEnd type="none" w="sm" len="sm"/>
+            <a:tailEnd type="none" w="sm" len="sm"/>
+          </a:ln>
+        </p:spPr>
+        <p:txBody>
+          <a:bodyPr spcFirstLastPara="1" wrap="square" lIns="9125" tIns="9125" rIns="9125" bIns="9125" anchor="t" anchorCtr="0">
+            <a:spAutoFit/>
+          </a:bodyPr>
+          <a:lstStyle/>
+          <a:p>
+            <a:pPr marL="171450" marR="0" lvl="0" indent="-133350" algn="l" rtl="0">
+              <a:lnSpc>
+                <a:spcPct val="100000"/>
+              </a:lnSpc>
+              <a:spcBef>
+                <a:spcPts val="0"/>
+              </a:spcBef>
+              <a:spcAft>
+                <a:spcPts val="0"/>
+              </a:spcAft>
+              <a:buClr>
+                <a:srgbClr val="FF0000"/>
+              </a:buClr>
+              <a:buSzPts val="1200"/>
+              <a:buFont typeface="Calibri"/>
+              <a:buChar char="●"/>
+            </a:pPr>
+            <a:r>
+              <a:rPr lang="en" sz="1200" b="1">
+                <a:solidFill>
+                  <a:srgbClr val="FF0000"/>
+                </a:solidFill>
+                <a:latin typeface="Calibri"/>
+                <a:ea typeface="Calibri"/>
+                <a:cs typeface="Calibri"/>
+                <a:sym typeface="Calibri"/>
+              </a:rPr>
+              <a:t>Opinion-based Prompt Template</a:t>
+            </a:r>
+            <a:endParaRPr sz="1200" b="1">
+              <a:solidFill>
+                <a:srgbClr val="FF0000"/>
+              </a:solidFill>
+              <a:latin typeface="Calibri"/>
+              <a:ea typeface="Calibri"/>
+              <a:cs typeface="Calibri"/>
+              <a:sym typeface="Calibri"/>
+            </a:endParaRPr>
+          </a:p>
+          <a:p>
+            <a:pPr marL="171450" marR="0" lvl="0" indent="-114300" algn="l" rtl="0">
+              <a:lnSpc>
+                <a:spcPct val="100000"/>
+              </a:lnSpc>
+              <a:spcBef>
+                <a:spcPts val="0"/>
+              </a:spcBef>
+              <a:spcAft>
+                <a:spcPts val="0"/>
+              </a:spcAft>
+              <a:buClr>
+                <a:schemeClr val="dk1"/>
+              </a:buClr>
+              <a:buSzPts val="900"/>
+              <a:buFont typeface="Calibri"/>
+              <a:buChar char="●"/>
+            </a:pPr>
+            <a:r>
+              <a:rPr lang="en" sz="900" u="sng">
+                <a:solidFill>
+                  <a:schemeClr val="hlink"/>
+                </a:solidFill>
+                <a:latin typeface="Calibri"/>
+                <a:ea typeface="Calibri"/>
+                <a:cs typeface="Calibri"/>
+                <a:sym typeface="Calibri"/>
+                <a:hlinkClick r:id="rId3"/>
+              </a:rPr>
+              <a:t>https://ai.gopubby.com/this-simple-prompt-improved-my-llms-performance-by-200-3a016406150b</a:t>
+            </a:r>
+            <a:r>
+              <a:rPr lang="en" sz="900">
+                <a:solidFill>
+                  <a:schemeClr val="dk1"/>
+                </a:solidFill>
+                <a:latin typeface="Calibri"/>
+                <a:ea typeface="Calibri"/>
+                <a:cs typeface="Calibri"/>
+                <a:sym typeface="Calibri"/>
+              </a:rPr>
+              <a:t> </a:t>
+            </a:r>
+            <a:endParaRPr sz="900">
+              <a:solidFill>
+                <a:schemeClr val="dk1"/>
+              </a:solidFill>
+              <a:latin typeface="Calibri"/>
+              <a:ea typeface="Calibri"/>
+              <a:cs typeface="Calibri"/>
+              <a:sym typeface="Calibri"/>
+            </a:endParaRPr>
+          </a:p>
+        </p:txBody>
+      </p:sp>
+      <p:pic>
+        <p:nvPicPr>
+          <p:cNvPr id="229" name="Google Shape;229;p26"/>
+          <p:cNvPicPr preferRelativeResize="0"/>
+          <p:nvPr/>
+        </p:nvPicPr>
+        <p:blipFill>
+          <a:blip r:embed="rId4" cstate="email">
+            <a:alphaModFix/>
+            <a:extLst>
+              <a:ext uri="{28A0092B-C50C-407E-A947-70E740481C1C}">
+                <a14:useLocalDpi xmlns:a14="http://schemas.microsoft.com/office/drawing/2010/main"/>
+              </a:ext>
+            </a:extLst>
+          </a:blip>
+          <a:stretch>
+            <a:fillRect/>
+          </a:stretch>
+        </p:blipFill>
+        <p:spPr>
+          <a:xfrm>
+            <a:off x="55075" y="912075"/>
+            <a:ext cx="4417924" cy="1451600"/>
+          </a:xfrm>
+          <a:prstGeom prst="rect">
+            <a:avLst/>
+          </a:prstGeom>
+          <a:noFill/>
+          <a:ln w="9525" cap="flat" cmpd="sng">
+            <a:solidFill>
+              <a:srgbClr val="FF0000"/>
+            </a:solidFill>
+            <a:prstDash val="solid"/>
+            <a:round/>
+            <a:headEnd type="none" w="sm" len="sm"/>
+            <a:tailEnd type="none" w="sm" len="sm"/>
+          </a:ln>
+        </p:spPr>
+      </p:pic>
+      <p:sp>
+        <p:nvSpPr>
+          <p:cNvPr id="230" name="Google Shape;230;p26"/>
+          <p:cNvSpPr txBox="1"/>
+          <p:nvPr/>
+        </p:nvSpPr>
+        <p:spPr>
+          <a:xfrm>
+            <a:off x="5256025" y="2353858"/>
+            <a:ext cx="3810600" cy="895800"/>
+          </a:xfrm>
+          <a:prstGeom prst="rect">
+            <a:avLst/>
+          </a:prstGeom>
+          <a:solidFill>
+            <a:srgbClr val="FFF2CC"/>
+          </a:solidFill>
+          <a:ln w="9525" cap="flat" cmpd="sng">
+            <a:solidFill>
+              <a:srgbClr val="FF0000"/>
+            </a:solidFill>
+            <a:prstDash val="solid"/>
+            <a:round/>
+            <a:headEnd type="none" w="sm" len="sm"/>
+            <a:tailEnd type="none" w="sm" len="sm"/>
+          </a:ln>
+        </p:spPr>
+        <p:txBody>
+          <a:bodyPr spcFirstLastPara="1" wrap="square" lIns="9125" tIns="9125" rIns="9125" bIns="9125" anchor="t" anchorCtr="0">
+            <a:spAutoFit/>
+          </a:bodyPr>
+          <a:lstStyle/>
+          <a:p>
+            <a:pPr marL="171450" marR="0" lvl="0" indent="-133350" algn="l" rtl="0">
+              <a:lnSpc>
+                <a:spcPct val="100000"/>
+              </a:lnSpc>
+              <a:spcBef>
+                <a:spcPts val="0"/>
+              </a:spcBef>
+              <a:spcAft>
+                <a:spcPts val="0"/>
+              </a:spcAft>
+              <a:buClr>
+                <a:srgbClr val="FF0000"/>
+              </a:buClr>
+              <a:buSzPts val="1200"/>
+              <a:buFont typeface="Calibri"/>
+              <a:buChar char="●"/>
+            </a:pPr>
+            <a:r>
+              <a:rPr lang="en" sz="1200" b="1">
+                <a:solidFill>
+                  <a:srgbClr val="FF0000"/>
+                </a:solidFill>
+                <a:latin typeface="Calibri"/>
+                <a:ea typeface="Calibri"/>
+                <a:cs typeface="Calibri"/>
+                <a:sym typeface="Calibri"/>
+              </a:rPr>
+              <a:t>Mistral Codestral 25.08 - Enterprise Coding</a:t>
+            </a:r>
+            <a:endParaRPr sz="1200" b="1">
+              <a:solidFill>
+                <a:srgbClr val="FF0000"/>
+              </a:solidFill>
+              <a:latin typeface="Calibri"/>
+              <a:ea typeface="Calibri"/>
+              <a:cs typeface="Calibri"/>
+              <a:sym typeface="Calibri"/>
+            </a:endParaRPr>
+          </a:p>
+          <a:p>
+            <a:pPr marL="171450" marR="0" lvl="0" indent="-133350" algn="l" rtl="0">
+              <a:lnSpc>
+                <a:spcPct val="100000"/>
+              </a:lnSpc>
+              <a:spcBef>
+                <a:spcPts val="0"/>
+              </a:spcBef>
+              <a:spcAft>
+                <a:spcPts val="0"/>
+              </a:spcAft>
+              <a:buClr>
+                <a:schemeClr val="dk1"/>
+              </a:buClr>
+              <a:buSzPts val="1200"/>
+              <a:buFont typeface="Calibri"/>
+              <a:buChar char="●"/>
+            </a:pPr>
+            <a:r>
+              <a:rPr lang="en" sz="1200">
+                <a:solidFill>
+                  <a:schemeClr val="dk1"/>
+                </a:solidFill>
+                <a:latin typeface="Calibri"/>
+                <a:ea typeface="Calibri"/>
+                <a:cs typeface="Calibri"/>
+                <a:sym typeface="Calibri"/>
+              </a:rPr>
+              <a:t>It addresses deployment, customization, observability, and toolchain integration gaps to enable AI-native software development across regulated and complex environments.</a:t>
+            </a:r>
+            <a:endParaRPr sz="1200">
+              <a:solidFill>
+                <a:schemeClr val="dk1"/>
+              </a:solidFill>
+              <a:latin typeface="Calibri"/>
+              <a:ea typeface="Calibri"/>
+              <a:cs typeface="Calibri"/>
+              <a:sym typeface="Calibri"/>
+            </a:endParaRPr>
+          </a:p>
+          <a:p>
+            <a:pPr marL="171450" marR="0" lvl="0" indent="-114300" algn="l" rtl="0">
+              <a:lnSpc>
+                <a:spcPct val="100000"/>
+              </a:lnSpc>
+              <a:spcBef>
+                <a:spcPts val="0"/>
+              </a:spcBef>
+              <a:spcAft>
+                <a:spcPts val="0"/>
+              </a:spcAft>
+              <a:buClr>
+                <a:schemeClr val="dk1"/>
+              </a:buClr>
+              <a:buSzPts val="900"/>
+              <a:buFont typeface="Calibri"/>
+              <a:buChar char="●"/>
+            </a:pPr>
+            <a:r>
+              <a:rPr lang="en" sz="900" u="sng">
+                <a:solidFill>
+                  <a:schemeClr val="hlink"/>
+                </a:solidFill>
+                <a:latin typeface="Calibri"/>
+                <a:ea typeface="Calibri"/>
+                <a:cs typeface="Calibri"/>
+                <a:sym typeface="Calibri"/>
+                <a:hlinkClick r:id="rId5"/>
+              </a:rPr>
+              <a:t>https://mistral.ai/news/codestral-25-08</a:t>
+            </a:r>
+            <a:r>
+              <a:rPr lang="en" sz="900">
+                <a:solidFill>
+                  <a:schemeClr val="dk1"/>
+                </a:solidFill>
+                <a:latin typeface="Calibri"/>
+                <a:ea typeface="Calibri"/>
+                <a:cs typeface="Calibri"/>
+                <a:sym typeface="Calibri"/>
+              </a:rPr>
+              <a:t> </a:t>
+            </a:r>
+            <a:endParaRPr sz="900">
+              <a:solidFill>
+                <a:schemeClr val="dk1"/>
+              </a:solidFill>
+              <a:latin typeface="Calibri"/>
+              <a:ea typeface="Calibri"/>
+              <a:cs typeface="Calibri"/>
+              <a:sym typeface="Calibri"/>
+            </a:endParaRPr>
+          </a:p>
+        </p:txBody>
+      </p:sp>
+      <p:pic>
+        <p:nvPicPr>
+          <p:cNvPr id="231" name="Google Shape;231;p26"/>
+          <p:cNvPicPr preferRelativeResize="0"/>
+          <p:nvPr/>
+        </p:nvPicPr>
+        <p:blipFill>
+          <a:blip r:embed="rId6" cstate="email">
+            <a:alphaModFix/>
+            <a:extLst>
+              <a:ext uri="{28A0092B-C50C-407E-A947-70E740481C1C}">
+                <a14:useLocalDpi xmlns:a14="http://schemas.microsoft.com/office/drawing/2010/main"/>
+              </a:ext>
+            </a:extLst>
+          </a:blip>
+          <a:stretch>
+            <a:fillRect/>
+          </a:stretch>
+        </p:blipFill>
+        <p:spPr>
+          <a:xfrm>
+            <a:off x="5964200" y="132622"/>
+            <a:ext cx="2566574" cy="2162101"/>
+          </a:xfrm>
+          <a:prstGeom prst="rect">
+            <a:avLst/>
+          </a:prstGeom>
+          <a:noFill/>
+          <a:ln w="9525" cap="flat" cmpd="sng">
+            <a:solidFill>
+              <a:srgbClr val="FF0000"/>
+            </a:solidFill>
+            <a:prstDash val="solid"/>
+            <a:round/>
+            <a:headEnd type="none" w="sm" len="sm"/>
+            <a:tailEnd type="none" w="sm" len="sm"/>
+          </a:ln>
+        </p:spPr>
+      </p:pic>
+    </p:spTree>
+  </p:cSld>
+  <p:clrMapOvr>
+    <a:masterClrMapping/>
+  </p:clrMapOvr>
+</p:sld>
+</file>
+
+<file path=ppt/slides/slide13.xml><?xml version="1.0" encoding="utf-8"?>
+<p:sld xmlns:a="http://schemas.openxmlformats.org/drawingml/2006/main" xmlns:r="http://schemas.openxmlformats.org/officeDocument/2006/relationships" xmlns:p="http://schemas.openxmlformats.org/presentationml/2006/main">
+  <p:cSld>
+    <p:spTree>
+      <p:nvGrpSpPr>
+        <p:cNvPr id="1" name="Shape 235"/>
+        <p:cNvGrpSpPr/>
+        <p:nvPr/>
+      </p:nvGrpSpPr>
+      <p:grpSpPr>
+        <a:xfrm>
+          <a:off x="0" y="0"/>
+          <a:ext cx="0" cy="0"/>
+          <a:chOff x="0" y="0"/>
+          <a:chExt cx="0" cy="0"/>
+        </a:xfrm>
+      </p:grpSpPr>
+      <p:sp>
+        <p:nvSpPr>
+          <p:cNvPr id="236" name="Google Shape;236;p27"/>
           <p:cNvSpPr txBox="1"/>
           <p:nvPr/>
         </p:nvSpPr>
@@ -14974,7 +17194,7 @@
       </p:sp>
       <p:sp>
         <p:nvSpPr>
-          <p:cNvPr id="214" name="Google Shape;214;p25"/>
+          <p:cNvPr id="237" name="Google Shape;237;p27"/>
           <p:cNvSpPr txBox="1"/>
           <p:nvPr/>
         </p:nvSpPr>
@@ -15373,7 +17593,7 @@
       </p:sp>
       <p:pic>
         <p:nvPicPr>
-          <p:cNvPr id="215" name="Google Shape;215;p25"/>
+          <p:cNvPr id="238" name="Google Shape;238;p27"/>
           <p:cNvPicPr preferRelativeResize="0"/>
           <p:nvPr/>
         </p:nvPicPr>
@@ -15418,12 +17638,12 @@
 </p:sld>
 </file>
 
-<file path=ppt/slides/slide12.xml><?xml version="1.0" encoding="utf-8"?>
+<file path=ppt/slides/slide14.xml><?xml version="1.0" encoding="utf-8"?>
 <p:sld xmlns:a="http://schemas.openxmlformats.org/drawingml/2006/main" xmlns:r="http://schemas.openxmlformats.org/officeDocument/2006/relationships" xmlns:p="http://schemas.openxmlformats.org/presentationml/2006/main">
   <p:cSld>
     <p:spTree>
       <p:nvGrpSpPr>
-        <p:cNvPr id="1" name="Shape 219"/>
+        <p:cNvPr id="1" name="Shape 242"/>
         <p:cNvGrpSpPr/>
         <p:nvPr/>
       </p:nvGrpSpPr>
@@ -15437,7 +17657,7 @@
       </p:grpSpPr>
       <p:sp>
         <p:nvSpPr>
-          <p:cNvPr id="220" name="Google Shape;220;p26"/>
+          <p:cNvPr id="243" name="Google Shape;243;p28"/>
           <p:cNvSpPr txBox="1"/>
           <p:nvPr/>
         </p:nvSpPr>
@@ -15503,7 +17723,7 @@
       </p:sp>
       <p:sp>
         <p:nvSpPr>
-          <p:cNvPr id="221" name="Google Shape;221;p26"/>
+          <p:cNvPr id="244" name="Google Shape;244;p28"/>
           <p:cNvSpPr txBox="1"/>
           <p:nvPr/>
         </p:nvSpPr>
@@ -15870,7 +18090,7 @@
       </p:sp>
       <p:pic>
         <p:nvPicPr>
-          <p:cNvPr id="222" name="Google Shape;222;p26"/>
+          <p:cNvPr id="245" name="Google Shape;245;p28"/>
           <p:cNvPicPr preferRelativeResize="0"/>
           <p:nvPr/>
         </p:nvPicPr>
@@ -15909,7 +18129,7 @@
       </p:pic>
       <p:sp>
         <p:nvSpPr>
-          <p:cNvPr id="223" name="Google Shape;223;p26"/>
+          <p:cNvPr id="246" name="Google Shape;246;p28"/>
           <p:cNvSpPr txBox="1"/>
           <p:nvPr/>
         </p:nvSpPr>
@@ -16223,7 +18443,7 @@
       </p:sp>
       <p:pic>
         <p:nvPicPr>
-          <p:cNvPr id="224" name="Google Shape;224;p26"/>
+          <p:cNvPr id="247" name="Google Shape;247;p28"/>
           <p:cNvPicPr preferRelativeResize="0"/>
           <p:nvPr/>
         </p:nvPicPr>
@@ -16268,12 +18488,12 @@
 </p:sld>
 </file>
 
-<file path=ppt/slides/slide13.xml><?xml version="1.0" encoding="utf-8"?>
+<file path=ppt/slides/slide15.xml><?xml version="1.0" encoding="utf-8"?>
 <p:sld xmlns:a="http://schemas.openxmlformats.org/drawingml/2006/main" xmlns:r="http://schemas.openxmlformats.org/officeDocument/2006/relationships" xmlns:p="http://schemas.openxmlformats.org/presentationml/2006/main">
   <p:cSld>
     <p:spTree>
       <p:nvGrpSpPr>
-        <p:cNvPr id="1" name="Shape 228"/>
+        <p:cNvPr id="1" name="Shape 251"/>
         <p:cNvGrpSpPr/>
         <p:nvPr/>
       </p:nvGrpSpPr>
@@ -16287,7 +18507,7 @@
       </p:grpSpPr>
       <p:sp>
         <p:nvSpPr>
-          <p:cNvPr id="229" name="Google Shape;229;p27"/>
+          <p:cNvPr id="252" name="Google Shape;252;p29"/>
           <p:cNvSpPr txBox="1"/>
           <p:nvPr/>
         </p:nvSpPr>
@@ -16353,7 +18573,7 @@
       </p:sp>
       <p:sp>
         <p:nvSpPr>
-          <p:cNvPr id="230" name="Google Shape;230;p27"/>
+          <p:cNvPr id="253" name="Google Shape;253;p29"/>
           <p:cNvSpPr txBox="1"/>
           <p:nvPr/>
         </p:nvSpPr>
@@ -16884,7 +19104,7 @@
       </p:sp>
       <p:sp>
         <p:nvSpPr>
-          <p:cNvPr id="231" name="Google Shape;231;p27"/>
+          <p:cNvPr id="254" name="Google Shape;254;p29"/>
           <p:cNvSpPr txBox="1"/>
           <p:nvPr/>
         </p:nvSpPr>
@@ -16989,7 +19209,7 @@
       </p:sp>
       <p:sp>
         <p:nvSpPr>
-          <p:cNvPr id="232" name="Google Shape;232;p27"/>
+          <p:cNvPr id="255" name="Google Shape;255;p29"/>
           <p:cNvSpPr txBox="1"/>
           <p:nvPr/>
         </p:nvSpPr>
@@ -17317,12 +19537,12 @@
 </p:sld>
 </file>
 
-<file path=ppt/slides/slide14.xml><?xml version="1.0" encoding="utf-8"?>
+<file path=ppt/slides/slide16.xml><?xml version="1.0" encoding="utf-8"?>
 <p:sld xmlns:a="http://schemas.openxmlformats.org/drawingml/2006/main" xmlns:r="http://schemas.openxmlformats.org/officeDocument/2006/relationships" xmlns:p="http://schemas.openxmlformats.org/presentationml/2006/main">
   <p:cSld>
     <p:spTree>
       <p:nvGrpSpPr>
-        <p:cNvPr id="1" name="Shape 236"/>
+        <p:cNvPr id="1" name="Shape 259"/>
         <p:cNvGrpSpPr/>
         <p:nvPr/>
       </p:nvGrpSpPr>
@@ -17336,7 +19556,7 @@
       </p:grpSpPr>
       <p:sp>
         <p:nvSpPr>
-          <p:cNvPr id="237" name="Google Shape;237;p28"/>
+          <p:cNvPr id="260" name="Google Shape;260;p30"/>
           <p:cNvSpPr txBox="1"/>
           <p:nvPr/>
         </p:nvSpPr>
@@ -17402,7 +19622,7 @@
       </p:sp>
       <p:sp>
         <p:nvSpPr>
-          <p:cNvPr id="238" name="Google Shape;238;p28"/>
+          <p:cNvPr id="261" name="Google Shape;261;p30"/>
           <p:cNvSpPr txBox="1"/>
           <p:nvPr/>
         </p:nvSpPr>
@@ -17918,7 +20138,7 @@
       </p:sp>
       <p:graphicFrame>
         <p:nvGraphicFramePr>
-          <p:cNvPr id="239" name="Google Shape;239;p28"/>
+          <p:cNvPr id="262" name="Google Shape;262;p30"/>
           <p:cNvGraphicFramePr/>
           <p:nvPr/>
         </p:nvGraphicFramePr>
@@ -17931,7 +20151,7 @@
             <a:tbl>
               <a:tblPr>
                 <a:noFill/>
-                <a:tableStyleId>{0738F759-1A2C-43BB-91E1-CE79FA166F98}</a:tableStyleId>
+                <a:tableStyleId>{185075C4-5965-4748-800E-8A7E312C58D9}</a:tableStyleId>
               </a:tblPr>
               <a:tblGrid>
                 <a:gridCol w="1056200">
@@ -18630,7 +20850,7 @@
       </p:graphicFrame>
       <p:pic>
         <p:nvPicPr>
-          <p:cNvPr id="240" name="Google Shape;240;p28"/>
+          <p:cNvPr id="263" name="Google Shape;263;p30"/>
           <p:cNvPicPr preferRelativeResize="0"/>
           <p:nvPr/>
         </p:nvPicPr>
@@ -18663,7 +20883,7 @@
       </p:pic>
       <p:pic>
         <p:nvPicPr>
-          <p:cNvPr id="241" name="Google Shape;241;p28"/>
+          <p:cNvPr id="264" name="Google Shape;264;p30"/>
           <p:cNvPicPr preferRelativeResize="0"/>
           <p:nvPr/>
         </p:nvPicPr>
@@ -18695,7 +20915,7 @@
       </p:pic>
       <p:sp>
         <p:nvSpPr>
-          <p:cNvPr id="242" name="Google Shape;242;p28"/>
+          <p:cNvPr id="265" name="Google Shape;265;p30"/>
           <p:cNvSpPr txBox="1"/>
           <p:nvPr/>
         </p:nvSpPr>
@@ -18777,7 +20997,7 @@
       </p:sp>
       <p:sp>
         <p:nvSpPr>
-          <p:cNvPr id="243" name="Google Shape;243;p28"/>
+          <p:cNvPr id="266" name="Google Shape;266;p30"/>
           <p:cNvSpPr txBox="1"/>
           <p:nvPr/>
         </p:nvSpPr>
@@ -18865,12 +21085,12 @@
 </p:sld>
 </file>
 
-<file path=ppt/slides/slide15.xml><?xml version="1.0" encoding="utf-8"?>
+<file path=ppt/slides/slide17.xml><?xml version="1.0" encoding="utf-8"?>
 <p:sld xmlns:a="http://schemas.openxmlformats.org/drawingml/2006/main" xmlns:r="http://schemas.openxmlformats.org/officeDocument/2006/relationships" xmlns:p="http://schemas.openxmlformats.org/presentationml/2006/main">
   <p:cSld>
     <p:spTree>
       <p:nvGrpSpPr>
-        <p:cNvPr id="1" name="Shape 247"/>
+        <p:cNvPr id="1" name="Shape 270"/>
         <p:cNvGrpSpPr/>
         <p:nvPr/>
       </p:nvGrpSpPr>
@@ -18884,7 +21104,7 @@
       </p:grpSpPr>
       <p:sp>
         <p:nvSpPr>
-          <p:cNvPr id="248" name="Google Shape;248;p29"/>
+          <p:cNvPr id="271" name="Google Shape;271;p31"/>
           <p:cNvSpPr txBox="1"/>
           <p:nvPr/>
         </p:nvSpPr>
@@ -18950,7 +21170,7 @@
       </p:sp>
       <p:sp>
         <p:nvSpPr>
-          <p:cNvPr id="249" name="Google Shape;249;p29"/>
+          <p:cNvPr id="272" name="Google Shape;272;p31"/>
           <p:cNvSpPr txBox="1"/>
           <p:nvPr/>
         </p:nvSpPr>
@@ -19249,7 +21469,7 @@
       </p:sp>
       <p:pic>
         <p:nvPicPr>
-          <p:cNvPr id="250" name="Google Shape;250;p29"/>
+          <p:cNvPr id="273" name="Google Shape;273;p31"/>
           <p:cNvPicPr preferRelativeResize="0"/>
           <p:nvPr/>
         </p:nvPicPr>
@@ -19288,7 +21508,7 @@
       </p:pic>
       <p:sp>
         <p:nvSpPr>
-          <p:cNvPr id="251" name="Google Shape;251;p29"/>
+          <p:cNvPr id="274" name="Google Shape;274;p31"/>
           <p:cNvSpPr txBox="1"/>
           <p:nvPr/>
         </p:nvSpPr>
@@ -19557,12 +21777,12 @@
 </p:sld>
 </file>
 
-<file path=ppt/slides/slide16.xml><?xml version="1.0" encoding="utf-8"?>
+<file path=ppt/slides/slide18.xml><?xml version="1.0" encoding="utf-8"?>
 <p:sld xmlns:a="http://schemas.openxmlformats.org/drawingml/2006/main" xmlns:r="http://schemas.openxmlformats.org/officeDocument/2006/relationships" xmlns:p="http://schemas.openxmlformats.org/presentationml/2006/main">
   <p:cSld>
     <p:spTree>
       <p:nvGrpSpPr>
-        <p:cNvPr id="1" name="Shape 255"/>
+        <p:cNvPr id="1" name="Shape 278"/>
         <p:cNvGrpSpPr/>
         <p:nvPr/>
       </p:nvGrpSpPr>
@@ -19576,7 +21796,7 @@
       </p:grpSpPr>
       <p:sp>
         <p:nvSpPr>
-          <p:cNvPr id="256" name="Google Shape;256;p30"/>
+          <p:cNvPr id="279" name="Google Shape;279;p32"/>
           <p:cNvSpPr txBox="1"/>
           <p:nvPr/>
         </p:nvSpPr>
@@ -19642,7 +21862,7 @@
       </p:sp>
       <p:sp>
         <p:nvSpPr>
-          <p:cNvPr id="257" name="Google Shape;257;p30"/>
+          <p:cNvPr id="280" name="Google Shape;280;p32"/>
           <p:cNvSpPr txBox="1"/>
           <p:nvPr/>
         </p:nvSpPr>
@@ -20073,7 +22293,7 @@
       </p:sp>
       <p:sp>
         <p:nvSpPr>
-          <p:cNvPr id="258" name="Google Shape;258;p30"/>
+          <p:cNvPr id="281" name="Google Shape;281;p32"/>
           <p:cNvSpPr txBox="1"/>
           <p:nvPr/>
         </p:nvSpPr>
@@ -20493,12 +22713,12 @@
 </p:sld>
 </file>
 
-<file path=ppt/slides/slide17.xml><?xml version="1.0" encoding="utf-8"?>
+<file path=ppt/slides/slide19.xml><?xml version="1.0" encoding="utf-8"?>
 <p:sld xmlns:a="http://schemas.openxmlformats.org/drawingml/2006/main" xmlns:r="http://schemas.openxmlformats.org/officeDocument/2006/relationships" xmlns:p="http://schemas.openxmlformats.org/presentationml/2006/main">
   <p:cSld>
     <p:spTree>
       <p:nvGrpSpPr>
-        <p:cNvPr id="1" name="Shape 262"/>
+        <p:cNvPr id="1" name="Shape 285"/>
         <p:cNvGrpSpPr/>
         <p:nvPr/>
       </p:nvGrpSpPr>
@@ -20512,14 +22732,14 @@
       </p:grpSpPr>
       <p:sp>
         <p:nvSpPr>
-          <p:cNvPr id="263" name="Google Shape;263;p31"/>
+          <p:cNvPr id="286" name="Google Shape;286;p33"/>
           <p:cNvSpPr txBox="1"/>
           <p:nvPr/>
         </p:nvSpPr>
         <p:spPr>
           <a:xfrm>
-            <a:off x="67350" y="52750"/>
-            <a:ext cx="3179400" cy="326400"/>
+            <a:off x="55075" y="-9225"/>
+            <a:ext cx="4451400" cy="326400"/>
           </a:xfrm>
           <a:prstGeom prst="rect">
             <a:avLst/>
@@ -20553,7 +22773,7 @@
               <a:buNone/>
             </a:pPr>
             <a:r>
-              <a:rPr lang="en" sz="2000" b="1" i="0" u="none" strike="noStrike" cap="none">
+              <a:rPr lang="en" sz="2000" b="1">
                 <a:solidFill>
                   <a:schemeClr val="dk1"/>
                 </a:solidFill>
@@ -20562,7 +22782,7 @@
                 <a:cs typeface="Calibri"/>
                 <a:sym typeface="Calibri"/>
               </a:rPr>
-              <a:t>Jobs</a:t>
+              <a:t>Firecracker MicroVM</a:t>
             </a:r>
             <a:endParaRPr sz="2000" b="1" i="0" u="none" strike="noStrike" cap="none">
               <a:solidFill>
@@ -20578,14 +22798,14 @@
       </p:sp>
       <p:sp>
         <p:nvSpPr>
-          <p:cNvPr id="264" name="Google Shape;264;p31"/>
+          <p:cNvPr id="287" name="Google Shape;287;p33"/>
           <p:cNvSpPr txBox="1"/>
           <p:nvPr/>
         </p:nvSpPr>
         <p:spPr>
           <a:xfrm>
-            <a:off x="2102050" y="77475"/>
-            <a:ext cx="1800600" cy="387900"/>
+            <a:off x="55075" y="395850"/>
+            <a:ext cx="4451400" cy="1173000"/>
           </a:xfrm>
           <a:prstGeom prst="rect">
             <a:avLst/>
@@ -20619,82 +22839,28 @@
               <a:spcAft>
                 <a:spcPts val="0"/>
               </a:spcAft>
+              <a:buClr>
+                <a:schemeClr val="dk1"/>
+              </a:buClr>
               <a:buSzPts val="1200"/>
               <a:buFont typeface="Calibri"/>
               <a:buChar char="●"/>
             </a:pPr>
             <a:r>
-              <a:rPr lang="en" sz="1200" b="0" i="0" u="sng" strike="noStrike" cap="none">
-                <a:solidFill>
-                  <a:schemeClr val="hlink"/>
-                </a:solidFill>
-                <a:latin typeface="Calibri"/>
-                <a:ea typeface="Calibri"/>
-                <a:cs typeface="Calibri"/>
-                <a:sym typeface="Calibri"/>
-                <a:hlinkClick r:id="rId3"/>
-              </a:rPr>
-              <a:t>https://layoffs.fyi</a:t>
+              <a:rPr lang="en" sz="1200">
+                <a:solidFill>
+                  <a:schemeClr val="dk1"/>
+                </a:solidFill>
+                <a:latin typeface="Calibri"/>
+                <a:ea typeface="Calibri"/>
+                <a:cs typeface="Calibri"/>
+                <a:sym typeface="Calibri"/>
+              </a:rPr>
+              <a:t>Firecracker</a:t>
             </a:r>
             <a:endParaRPr sz="1200">
-              <a:latin typeface="Calibri"/>
-              <a:ea typeface="Calibri"/>
-              <a:cs typeface="Calibri"/>
-              <a:sym typeface="Calibri"/>
-            </a:endParaRPr>
-          </a:p>
-          <a:p>
-            <a:pPr marL="171450" marR="0" lvl="0" indent="-133350" algn="l" rtl="0">
-              <a:lnSpc>
-                <a:spcPct val="100000"/>
-              </a:lnSpc>
-              <a:spcBef>
-                <a:spcPts val="0"/>
-              </a:spcBef>
-              <a:spcAft>
-                <a:spcPts val="0"/>
-              </a:spcAft>
-              <a:buSzPts val="1200"/>
-              <a:buFont typeface="Calibri"/>
-              <a:buChar char="●"/>
-            </a:pPr>
-            <a:r>
-              <a:rPr lang="en" sz="1200" u="sng">
-                <a:solidFill>
-                  <a:schemeClr val="hlink"/>
-                </a:solidFill>
-                <a:latin typeface="Calibri"/>
-                <a:ea typeface="Calibri"/>
-                <a:cs typeface="Calibri"/>
-                <a:sym typeface="Calibri"/>
-                <a:hlinkClick r:id="rId4"/>
-              </a:rPr>
-              <a:t>https://trueup.io/layoffs</a:t>
-            </a:r>
-            <a:r>
-              <a:rPr lang="en" sz="1200">
-                <a:latin typeface="Calibri"/>
-                <a:ea typeface="Calibri"/>
-                <a:cs typeface="Calibri"/>
-                <a:sym typeface="Calibri"/>
-              </a:rPr>
-              <a:t> </a:t>
-            </a:r>
-            <a:r>
-              <a:rPr lang="en" sz="1200" b="0" i="0" u="none" strike="noStrike" cap="none">
-                <a:solidFill>
-                  <a:srgbClr val="000000"/>
-                </a:solidFill>
-                <a:latin typeface="Calibri"/>
-                <a:ea typeface="Calibri"/>
-                <a:cs typeface="Calibri"/>
-                <a:sym typeface="Calibri"/>
-              </a:rPr>
-              <a:t> </a:t>
-            </a:r>
-            <a:endParaRPr sz="1200" b="0" i="0" u="none" strike="noStrike" cap="none">
               <a:solidFill>
-                <a:srgbClr val="000000"/>
+                <a:schemeClr val="dk1"/>
               </a:solidFill>
               <a:latin typeface="Calibri"/>
               <a:ea typeface="Calibri"/>
@@ -20702,18 +22868,209 @@
               <a:sym typeface="Calibri"/>
             </a:endParaRPr>
           </a:p>
+          <a:p>
+            <a:pPr marL="171450" marR="0" lvl="0" indent="-133350" algn="l" rtl="0">
+              <a:lnSpc>
+                <a:spcPct val="100000"/>
+              </a:lnSpc>
+              <a:spcBef>
+                <a:spcPts val="0"/>
+              </a:spcBef>
+              <a:spcAft>
+                <a:spcPts val="0"/>
+              </a:spcAft>
+              <a:buClr>
+                <a:schemeClr val="dk1"/>
+              </a:buClr>
+              <a:buSzPts val="1200"/>
+              <a:buFont typeface="Calibri"/>
+              <a:buChar char="●"/>
+            </a:pPr>
+            <a:r>
+              <a:rPr lang="en" sz="1200">
+                <a:solidFill>
+                  <a:schemeClr val="dk1"/>
+                </a:solidFill>
+                <a:latin typeface="Calibri"/>
+                <a:ea typeface="Calibri"/>
+                <a:cs typeface="Calibri"/>
+                <a:sym typeface="Calibri"/>
+              </a:rPr>
+              <a:t>In 2018, AWS open-sourced Firecracker. It is written in Rust, provides speed and security, starts in under 125 ms. This is what AWS is using to run their </a:t>
+            </a:r>
+            <a:r>
+              <a:rPr lang="en" sz="1200" b="1">
+                <a:solidFill>
+                  <a:srgbClr val="3C78D8"/>
+                </a:solidFill>
+                <a:latin typeface="Calibri"/>
+                <a:ea typeface="Calibri"/>
+                <a:cs typeface="Calibri"/>
+                <a:sym typeface="Calibri"/>
+              </a:rPr>
+              <a:t>Lambda functions and Fargate servers</a:t>
+            </a:r>
+            <a:r>
+              <a:rPr lang="en" sz="1200">
+                <a:solidFill>
+                  <a:schemeClr val="dk1"/>
+                </a:solidFill>
+                <a:latin typeface="Calibri"/>
+                <a:ea typeface="Calibri"/>
+                <a:cs typeface="Calibri"/>
+                <a:sym typeface="Calibri"/>
+              </a:rPr>
+              <a:t>. </a:t>
+            </a:r>
+            <a:endParaRPr sz="900">
+              <a:solidFill>
+                <a:schemeClr val="dk1"/>
+              </a:solidFill>
+              <a:latin typeface="Calibri"/>
+              <a:ea typeface="Calibri"/>
+              <a:cs typeface="Calibri"/>
+              <a:sym typeface="Calibri"/>
+            </a:endParaRPr>
+          </a:p>
+          <a:p>
+            <a:pPr marL="171450" marR="0" lvl="0" indent="-114300" algn="l" rtl="0">
+              <a:lnSpc>
+                <a:spcPct val="100000"/>
+              </a:lnSpc>
+              <a:spcBef>
+                <a:spcPts val="0"/>
+              </a:spcBef>
+              <a:spcAft>
+                <a:spcPts val="0"/>
+              </a:spcAft>
+              <a:buClr>
+                <a:schemeClr val="dk1"/>
+              </a:buClr>
+              <a:buSzPts val="900"/>
+              <a:buFont typeface="Calibri"/>
+              <a:buChar char="●"/>
+            </a:pPr>
+            <a:r>
+              <a:rPr lang="en" sz="900" u="sng">
+                <a:solidFill>
+                  <a:schemeClr val="hlink"/>
+                </a:solidFill>
+                <a:latin typeface="Calibri"/>
+                <a:ea typeface="Calibri"/>
+                <a:cs typeface="Calibri"/>
+                <a:sym typeface="Calibri"/>
+                <a:hlinkClick r:id="rId3"/>
+              </a:rPr>
+              <a:t>https://techpreneurr.medium.com/why-amazon-built-firecracker-and-changed-the-future-of-serverless-5a27910fe4cd</a:t>
+            </a:r>
+            <a:endParaRPr sz="900">
+              <a:solidFill>
+                <a:schemeClr val="dk1"/>
+              </a:solidFill>
+              <a:latin typeface="Calibri"/>
+              <a:ea typeface="Calibri"/>
+              <a:cs typeface="Calibri"/>
+              <a:sym typeface="Calibri"/>
+            </a:endParaRPr>
+          </a:p>
+          <a:p>
+            <a:pPr marL="171450" marR="0" lvl="0" indent="-114300" algn="l" rtl="0">
+              <a:lnSpc>
+                <a:spcPct val="100000"/>
+              </a:lnSpc>
+              <a:spcBef>
+                <a:spcPts val="0"/>
+              </a:spcBef>
+              <a:spcAft>
+                <a:spcPts val="0"/>
+              </a:spcAft>
+              <a:buClr>
+                <a:schemeClr val="dk1"/>
+              </a:buClr>
+              <a:buSzPts val="900"/>
+              <a:buFont typeface="Calibri"/>
+              <a:buChar char="●"/>
+            </a:pPr>
+            <a:r>
+              <a:rPr lang="en" sz="900" u="sng">
+                <a:solidFill>
+                  <a:schemeClr val="hlink"/>
+                </a:solidFill>
+                <a:latin typeface="Calibri"/>
+                <a:ea typeface="Calibri"/>
+                <a:cs typeface="Calibri"/>
+                <a:sym typeface="Calibri"/>
+                <a:hlinkClick r:id="rId4"/>
+              </a:rPr>
+              <a:t>https://github.com/firecracker-microvm/firecracker</a:t>
+            </a:r>
+            <a:r>
+              <a:rPr lang="en" sz="900">
+                <a:solidFill>
+                  <a:schemeClr val="dk1"/>
+                </a:solidFill>
+                <a:latin typeface="Calibri"/>
+                <a:ea typeface="Calibri"/>
+                <a:cs typeface="Calibri"/>
+                <a:sym typeface="Calibri"/>
+              </a:rPr>
+              <a:t>  </a:t>
+            </a:r>
+            <a:endParaRPr sz="900">
+              <a:solidFill>
+                <a:schemeClr val="dk1"/>
+              </a:solidFill>
+              <a:latin typeface="Calibri"/>
+              <a:ea typeface="Calibri"/>
+              <a:cs typeface="Calibri"/>
+              <a:sym typeface="Calibri"/>
+            </a:endParaRPr>
+          </a:p>
         </p:txBody>
       </p:sp>
+      <p:pic>
+        <p:nvPicPr>
+          <p:cNvPr id="288" name="Google Shape;288;p33"/>
+          <p:cNvPicPr preferRelativeResize="0"/>
+          <p:nvPr/>
+        </p:nvPicPr>
+        <p:blipFill>
+          <a:blip r:embed="rId5" cstate="email">
+            <a:alphaModFix/>
+            <a:extLst>
+              <a:ext uri="{28A0092B-C50C-407E-A947-70E740481C1C}">
+                <a14:useLocalDpi xmlns:a14="http://schemas.microsoft.com/office/drawing/2010/main"/>
+              </a:ext>
+            </a:extLst>
+          </a:blip>
+          <a:stretch>
+            <a:fillRect/>
+          </a:stretch>
+        </p:blipFill>
+        <p:spPr>
+          <a:xfrm>
+            <a:off x="4628975" y="909000"/>
+            <a:ext cx="4451400" cy="1534698"/>
+          </a:xfrm>
+          <a:prstGeom prst="rect">
+            <a:avLst/>
+          </a:prstGeom>
+          <a:noFill/>
+          <a:ln>
+            <a:noFill/>
+          </a:ln>
+        </p:spPr>
+      </p:pic>
       <p:sp>
         <p:nvSpPr>
-          <p:cNvPr id="265" name="Google Shape;265;p31"/>
+          <p:cNvPr id="289" name="Google Shape;289;p33"/>
           <p:cNvSpPr txBox="1"/>
           <p:nvPr/>
         </p:nvSpPr>
         <p:spPr>
           <a:xfrm>
-            <a:off x="5743175" y="77475"/>
-            <a:ext cx="2607300" cy="757200"/>
+            <a:off x="55075" y="1714550"/>
+            <a:ext cx="4451400" cy="3343200"/>
           </a:xfrm>
           <a:prstGeom prst="rect">
             <a:avLst/>
@@ -20737,34 +23094,38 @@
           </a:bodyPr>
           <a:lstStyle/>
           <a:p>
-            <a:pPr marL="171450" marR="0" lvl="0" indent="-133350" algn="l" rtl="0">
-              <a:lnSpc>
-                <a:spcPct val="100000"/>
-              </a:lnSpc>
-              <a:spcBef>
-                <a:spcPts val="0"/>
-              </a:spcBef>
-              <a:spcAft>
-                <a:spcPts val="0"/>
-              </a:spcAft>
-              <a:buSzPts val="1200"/>
-              <a:buFont typeface="Calibri"/>
-              <a:buChar char="●"/>
+            <a:pPr marL="0" marR="0" lvl="0" indent="0" algn="l" rtl="0">
+              <a:lnSpc>
+                <a:spcPct val="100000"/>
+              </a:lnSpc>
+              <a:spcBef>
+                <a:spcPts val="0"/>
+              </a:spcBef>
+              <a:spcAft>
+                <a:spcPts val="0"/>
+              </a:spcAft>
+              <a:buNone/>
             </a:pPr>
             <a:r>
-              <a:rPr lang="en" sz="1200">
-                <a:latin typeface="Calibri"/>
-                <a:ea typeface="Calibri"/>
-                <a:cs typeface="Calibri"/>
-                <a:sym typeface="Calibri"/>
-              </a:rPr>
-              <a:t>Tech Layoffs in 2025: 80,150  people</a:t>
-            </a:r>
-            <a:endParaRPr sz="1200">
-              <a:latin typeface="Calibri"/>
-              <a:ea typeface="Calibri"/>
-              <a:cs typeface="Calibri"/>
-              <a:sym typeface="Calibri"/>
+              <a:rPr lang="en" sz="800">
+                <a:solidFill>
+                  <a:schemeClr val="dk1"/>
+                </a:solidFill>
+                <a:latin typeface="Roboto Mono"/>
+                <a:ea typeface="Roboto Mono"/>
+                <a:cs typeface="Roboto Mono"/>
+                <a:sym typeface="Roboto Mono"/>
+              </a:rPr>
+              <a:t># Launch Firecracker with a custom kernel and rootfs</a:t>
+            </a:r>
+            <a:endParaRPr sz="800">
+              <a:solidFill>
+                <a:schemeClr val="dk1"/>
+              </a:solidFill>
+              <a:latin typeface="Roboto Mono"/>
+              <a:ea typeface="Roboto Mono"/>
+              <a:cs typeface="Roboto Mono"/>
+              <a:sym typeface="Roboto Mono"/>
             </a:endParaRPr>
           </a:p>
           <a:p>
@@ -20780,475 +23141,860 @@
               </a:spcAft>
               <a:buNone/>
             </a:pPr>
-            <a:r>
-              <a:rPr lang="en" sz="1200">
-                <a:latin typeface="Calibri"/>
-                <a:ea typeface="Calibri"/>
-                <a:cs typeface="Calibri"/>
-                <a:sym typeface="Calibri"/>
-              </a:rPr>
-              <a:t>     (as of July 24, 2025)</a:t>
-            </a:r>
-            <a:endParaRPr sz="1200">
-              <a:latin typeface="Calibri"/>
-              <a:ea typeface="Calibri"/>
-              <a:cs typeface="Calibri"/>
-              <a:sym typeface="Calibri"/>
+            <a:endParaRPr sz="800">
+              <a:solidFill>
+                <a:schemeClr val="dk1"/>
+              </a:solidFill>
+              <a:latin typeface="Roboto Mono"/>
+              <a:ea typeface="Roboto Mono"/>
+              <a:cs typeface="Roboto Mono"/>
+              <a:sym typeface="Roboto Mono"/>
             </a:endParaRPr>
           </a:p>
           <a:p>
-            <a:pPr marL="171450" marR="0" lvl="0" indent="-133350" algn="l" rtl="0">
-              <a:lnSpc>
-                <a:spcPct val="100000"/>
-              </a:lnSpc>
-              <a:spcBef>
-                <a:spcPts val="0"/>
-              </a:spcBef>
-              <a:spcAft>
-                <a:spcPts val="0"/>
-              </a:spcAft>
-              <a:buSzPts val="1200"/>
-              <a:buFont typeface="Calibri"/>
-              <a:buChar char="●"/>
+            <a:pPr marL="0" marR="0" lvl="0" indent="0" algn="l" rtl="0">
+              <a:lnSpc>
+                <a:spcPct val="100000"/>
+              </a:lnSpc>
+              <a:spcBef>
+                <a:spcPts val="0"/>
+              </a:spcBef>
+              <a:spcAft>
+                <a:spcPts val="0"/>
+              </a:spcAft>
+              <a:buNone/>
             </a:pPr>
             <a:r>
-              <a:rPr lang="en" sz="1200">
-                <a:latin typeface="Calibri"/>
-                <a:ea typeface="Calibri"/>
-                <a:cs typeface="Calibri"/>
-                <a:sym typeface="Calibri"/>
-              </a:rPr>
-              <a:t>Compared to 2024: 152,922 people</a:t>
-            </a:r>
-            <a:endParaRPr sz="1200">
-              <a:latin typeface="Calibri"/>
-              <a:ea typeface="Calibri"/>
-              <a:cs typeface="Calibri"/>
-              <a:sym typeface="Calibri"/>
+              <a:rPr lang="en" sz="800" b="1">
+                <a:solidFill>
+                  <a:srgbClr val="3C78D8"/>
+                </a:solidFill>
+                <a:latin typeface="Roboto Mono"/>
+                <a:ea typeface="Roboto Mono"/>
+                <a:cs typeface="Roboto Mono"/>
+                <a:sym typeface="Roboto Mono"/>
+              </a:rPr>
+              <a:t>firecracker --api-sock /tmp/firecracker.socket \</a:t>
+            </a:r>
+            <a:endParaRPr sz="800" b="1">
+              <a:solidFill>
+                <a:srgbClr val="3C78D8"/>
+              </a:solidFill>
+              <a:latin typeface="Roboto Mono"/>
+              <a:ea typeface="Roboto Mono"/>
+              <a:cs typeface="Roboto Mono"/>
+              <a:sym typeface="Roboto Mono"/>
             </a:endParaRPr>
           </a:p>
           <a:p>
-            <a:pPr marL="171450" marR="0" lvl="0" indent="-133350" algn="l" rtl="0">
-              <a:lnSpc>
-                <a:spcPct val="100000"/>
-              </a:lnSpc>
-              <a:spcBef>
-                <a:spcPts val="0"/>
-              </a:spcBef>
-              <a:spcAft>
-                <a:spcPts val="0"/>
-              </a:spcAft>
-              <a:buSzPts val="1200"/>
-              <a:buFont typeface="Calibri"/>
-              <a:buChar char="●"/>
+            <a:pPr marL="0" marR="0" lvl="0" indent="0" algn="l" rtl="0">
+              <a:lnSpc>
+                <a:spcPct val="100000"/>
+              </a:lnSpc>
+              <a:spcBef>
+                <a:spcPts val="0"/>
+              </a:spcBef>
+              <a:spcAft>
+                <a:spcPts val="0"/>
+              </a:spcAft>
+              <a:buNone/>
             </a:pPr>
             <a:r>
-              <a:rPr lang="en" sz="1200" i="0" u="sng" strike="noStrike" cap="none">
-                <a:solidFill>
-                  <a:schemeClr val="hlink"/>
-                </a:solidFill>
-                <a:latin typeface="Calibri"/>
-                <a:ea typeface="Calibri"/>
-                <a:cs typeface="Calibri"/>
-                <a:sym typeface="Calibri"/>
-                <a:hlinkClick r:id="rId3"/>
-              </a:rPr>
-              <a:t>https://layoffs</a:t>
-            </a:r>
-            <a:endParaRPr sz="1200" i="0" u="none" strike="noStrike" cap="none">
+              <a:rPr lang="en" sz="800" b="1">
+                <a:solidFill>
+                  <a:srgbClr val="3C78D8"/>
+                </a:solidFill>
+                <a:latin typeface="Roboto Mono"/>
+                <a:ea typeface="Roboto Mono"/>
+                <a:cs typeface="Roboto Mono"/>
+                <a:sym typeface="Roboto Mono"/>
+              </a:rPr>
+              <a:t>  --config-file /srv/microvm-config.json</a:t>
+            </a:r>
+            <a:endParaRPr sz="800" b="1">
               <a:solidFill>
-                <a:srgbClr val="000000"/>
+                <a:srgbClr val="3C78D8"/>
               </a:solidFill>
-              <a:latin typeface="Calibri"/>
-              <a:ea typeface="Calibri"/>
-              <a:cs typeface="Calibri"/>
-              <a:sym typeface="Calibri"/>
+              <a:latin typeface="Roboto Mono"/>
+              <a:ea typeface="Roboto Mono"/>
+              <a:cs typeface="Roboto Mono"/>
+              <a:sym typeface="Roboto Mono"/>
+            </a:endParaRPr>
+          </a:p>
+          <a:p>
+            <a:pPr marL="0" marR="0" lvl="0" indent="0" algn="l" rtl="0">
+              <a:lnSpc>
+                <a:spcPct val="100000"/>
+              </a:lnSpc>
+              <a:spcBef>
+                <a:spcPts val="0"/>
+              </a:spcBef>
+              <a:spcAft>
+                <a:spcPts val="0"/>
+              </a:spcAft>
+              <a:buNone/>
+            </a:pPr>
+            <a:endParaRPr sz="800">
+              <a:solidFill>
+                <a:schemeClr val="dk1"/>
+              </a:solidFill>
+              <a:latin typeface="Roboto Mono"/>
+              <a:ea typeface="Roboto Mono"/>
+              <a:cs typeface="Roboto Mono"/>
+              <a:sym typeface="Roboto Mono"/>
+            </a:endParaRPr>
+          </a:p>
+          <a:p>
+            <a:pPr marL="0" marR="0" lvl="0" indent="0" algn="l" rtl="0">
+              <a:lnSpc>
+                <a:spcPct val="100000"/>
+              </a:lnSpc>
+              <a:spcBef>
+                <a:spcPts val="0"/>
+              </a:spcBef>
+              <a:spcAft>
+                <a:spcPts val="0"/>
+              </a:spcAft>
+              <a:buNone/>
+            </a:pPr>
+            <a:endParaRPr sz="800">
+              <a:solidFill>
+                <a:schemeClr val="dk1"/>
+              </a:solidFill>
+              <a:latin typeface="Roboto Mono"/>
+              <a:ea typeface="Roboto Mono"/>
+              <a:cs typeface="Roboto Mono"/>
+              <a:sym typeface="Roboto Mono"/>
+            </a:endParaRPr>
+          </a:p>
+          <a:p>
+            <a:pPr marL="0" marR="0" lvl="0" indent="0" algn="l" rtl="0">
+              <a:lnSpc>
+                <a:spcPct val="100000"/>
+              </a:lnSpc>
+              <a:spcBef>
+                <a:spcPts val="0"/>
+              </a:spcBef>
+              <a:spcAft>
+                <a:spcPts val="0"/>
+              </a:spcAft>
+              <a:buNone/>
+            </a:pPr>
+            <a:endParaRPr sz="800">
+              <a:solidFill>
+                <a:schemeClr val="dk1"/>
+              </a:solidFill>
+              <a:latin typeface="Roboto Mono"/>
+              <a:ea typeface="Roboto Mono"/>
+              <a:cs typeface="Roboto Mono"/>
+              <a:sym typeface="Roboto Mono"/>
+            </a:endParaRPr>
+          </a:p>
+          <a:p>
+            <a:pPr marL="0" marR="0" lvl="0" indent="0" algn="l" rtl="0">
+              <a:lnSpc>
+                <a:spcPct val="100000"/>
+              </a:lnSpc>
+              <a:spcBef>
+                <a:spcPts val="0"/>
+              </a:spcBef>
+              <a:spcAft>
+                <a:spcPts val="0"/>
+              </a:spcAft>
+              <a:buNone/>
+            </a:pPr>
+            <a:r>
+              <a:rPr lang="en" sz="800">
+                <a:solidFill>
+                  <a:schemeClr val="dk1"/>
+                </a:solidFill>
+                <a:latin typeface="Roboto Mono"/>
+                <a:ea typeface="Roboto Mono"/>
+                <a:cs typeface="Roboto Mono"/>
+                <a:sym typeface="Roboto Mono"/>
+              </a:rPr>
+              <a:t>// microvm-config.json</a:t>
+            </a:r>
+            <a:endParaRPr sz="800">
+              <a:solidFill>
+                <a:schemeClr val="dk1"/>
+              </a:solidFill>
+              <a:latin typeface="Roboto Mono"/>
+              <a:ea typeface="Roboto Mono"/>
+              <a:cs typeface="Roboto Mono"/>
+              <a:sym typeface="Roboto Mono"/>
+            </a:endParaRPr>
+          </a:p>
+          <a:p>
+            <a:pPr marL="0" marR="0" lvl="0" indent="0" algn="l" rtl="0">
+              <a:lnSpc>
+                <a:spcPct val="100000"/>
+              </a:lnSpc>
+              <a:spcBef>
+                <a:spcPts val="0"/>
+              </a:spcBef>
+              <a:spcAft>
+                <a:spcPts val="0"/>
+              </a:spcAft>
+              <a:buNone/>
+            </a:pPr>
+            <a:r>
+              <a:rPr lang="en" sz="800">
+                <a:solidFill>
+                  <a:srgbClr val="6AA84F"/>
+                </a:solidFill>
+                <a:latin typeface="Roboto Mono"/>
+                <a:ea typeface="Roboto Mono"/>
+                <a:cs typeface="Roboto Mono"/>
+                <a:sym typeface="Roboto Mono"/>
+              </a:rPr>
+              <a:t>{</a:t>
+            </a:r>
+            <a:endParaRPr sz="800">
+              <a:solidFill>
+                <a:srgbClr val="6AA84F"/>
+              </a:solidFill>
+              <a:latin typeface="Roboto Mono"/>
+              <a:ea typeface="Roboto Mono"/>
+              <a:cs typeface="Roboto Mono"/>
+              <a:sym typeface="Roboto Mono"/>
+            </a:endParaRPr>
+          </a:p>
+          <a:p>
+            <a:pPr marL="0" marR="0" lvl="0" indent="0" algn="l" rtl="0">
+              <a:lnSpc>
+                <a:spcPct val="100000"/>
+              </a:lnSpc>
+              <a:spcBef>
+                <a:spcPts val="0"/>
+              </a:spcBef>
+              <a:spcAft>
+                <a:spcPts val="0"/>
+              </a:spcAft>
+              <a:buNone/>
+            </a:pPr>
+            <a:r>
+              <a:rPr lang="en" sz="800">
+                <a:solidFill>
+                  <a:srgbClr val="6AA84F"/>
+                </a:solidFill>
+                <a:latin typeface="Roboto Mono"/>
+                <a:ea typeface="Roboto Mono"/>
+                <a:cs typeface="Roboto Mono"/>
+                <a:sym typeface="Roboto Mono"/>
+              </a:rPr>
+              <a:t>  "boot-source": {</a:t>
+            </a:r>
+            <a:endParaRPr sz="800">
+              <a:solidFill>
+                <a:srgbClr val="6AA84F"/>
+              </a:solidFill>
+              <a:latin typeface="Roboto Mono"/>
+              <a:ea typeface="Roboto Mono"/>
+              <a:cs typeface="Roboto Mono"/>
+              <a:sym typeface="Roboto Mono"/>
+            </a:endParaRPr>
+          </a:p>
+          <a:p>
+            <a:pPr marL="0" marR="0" lvl="0" indent="0" algn="l" rtl="0">
+              <a:lnSpc>
+                <a:spcPct val="100000"/>
+              </a:lnSpc>
+              <a:spcBef>
+                <a:spcPts val="0"/>
+              </a:spcBef>
+              <a:spcAft>
+                <a:spcPts val="0"/>
+              </a:spcAft>
+              <a:buNone/>
+            </a:pPr>
+            <a:r>
+              <a:rPr lang="en" sz="800">
+                <a:solidFill>
+                  <a:srgbClr val="6AA84F"/>
+                </a:solidFill>
+                <a:latin typeface="Roboto Mono"/>
+                <a:ea typeface="Roboto Mono"/>
+                <a:cs typeface="Roboto Mono"/>
+                <a:sym typeface="Roboto Mono"/>
+              </a:rPr>
+              <a:t>    "kernel_image_path": "/srv/vmlinux.bin",</a:t>
+            </a:r>
+            <a:endParaRPr sz="800">
+              <a:solidFill>
+                <a:srgbClr val="6AA84F"/>
+              </a:solidFill>
+              <a:latin typeface="Roboto Mono"/>
+              <a:ea typeface="Roboto Mono"/>
+              <a:cs typeface="Roboto Mono"/>
+              <a:sym typeface="Roboto Mono"/>
+            </a:endParaRPr>
+          </a:p>
+          <a:p>
+            <a:pPr marL="0" marR="0" lvl="0" indent="0" algn="l" rtl="0">
+              <a:lnSpc>
+                <a:spcPct val="100000"/>
+              </a:lnSpc>
+              <a:spcBef>
+                <a:spcPts val="0"/>
+              </a:spcBef>
+              <a:spcAft>
+                <a:spcPts val="0"/>
+              </a:spcAft>
+              <a:buNone/>
+            </a:pPr>
+            <a:r>
+              <a:rPr lang="en" sz="800">
+                <a:solidFill>
+                  <a:srgbClr val="6AA84F"/>
+                </a:solidFill>
+                <a:latin typeface="Roboto Mono"/>
+                <a:ea typeface="Roboto Mono"/>
+                <a:cs typeface="Roboto Mono"/>
+                <a:sym typeface="Roboto Mono"/>
+              </a:rPr>
+              <a:t>    "boot_args": "console=ttyS0 reboot=k panic=1"</a:t>
+            </a:r>
+            <a:endParaRPr sz="800">
+              <a:solidFill>
+                <a:srgbClr val="6AA84F"/>
+              </a:solidFill>
+              <a:latin typeface="Roboto Mono"/>
+              <a:ea typeface="Roboto Mono"/>
+              <a:cs typeface="Roboto Mono"/>
+              <a:sym typeface="Roboto Mono"/>
+            </a:endParaRPr>
+          </a:p>
+          <a:p>
+            <a:pPr marL="0" marR="0" lvl="0" indent="0" algn="l" rtl="0">
+              <a:lnSpc>
+                <a:spcPct val="100000"/>
+              </a:lnSpc>
+              <a:spcBef>
+                <a:spcPts val="0"/>
+              </a:spcBef>
+              <a:spcAft>
+                <a:spcPts val="0"/>
+              </a:spcAft>
+              <a:buNone/>
+            </a:pPr>
+            <a:r>
+              <a:rPr lang="en" sz="800">
+                <a:solidFill>
+                  <a:srgbClr val="6AA84F"/>
+                </a:solidFill>
+                <a:latin typeface="Roboto Mono"/>
+                <a:ea typeface="Roboto Mono"/>
+                <a:cs typeface="Roboto Mono"/>
+                <a:sym typeface="Roboto Mono"/>
+              </a:rPr>
+              <a:t>  },</a:t>
+            </a:r>
+            <a:endParaRPr sz="800">
+              <a:solidFill>
+                <a:srgbClr val="6AA84F"/>
+              </a:solidFill>
+              <a:latin typeface="Roboto Mono"/>
+              <a:ea typeface="Roboto Mono"/>
+              <a:cs typeface="Roboto Mono"/>
+              <a:sym typeface="Roboto Mono"/>
+            </a:endParaRPr>
+          </a:p>
+          <a:p>
+            <a:pPr marL="0" marR="0" lvl="0" indent="0" algn="l" rtl="0">
+              <a:lnSpc>
+                <a:spcPct val="100000"/>
+              </a:lnSpc>
+              <a:spcBef>
+                <a:spcPts val="0"/>
+              </a:spcBef>
+              <a:spcAft>
+                <a:spcPts val="0"/>
+              </a:spcAft>
+              <a:buNone/>
+            </a:pPr>
+            <a:r>
+              <a:rPr lang="en" sz="800">
+                <a:solidFill>
+                  <a:srgbClr val="6AA84F"/>
+                </a:solidFill>
+                <a:latin typeface="Roboto Mono"/>
+                <a:ea typeface="Roboto Mono"/>
+                <a:cs typeface="Roboto Mono"/>
+                <a:sym typeface="Roboto Mono"/>
+              </a:rPr>
+              <a:t>  "drives": [</a:t>
+            </a:r>
+            <a:endParaRPr sz="800">
+              <a:solidFill>
+                <a:srgbClr val="6AA84F"/>
+              </a:solidFill>
+              <a:latin typeface="Roboto Mono"/>
+              <a:ea typeface="Roboto Mono"/>
+              <a:cs typeface="Roboto Mono"/>
+              <a:sym typeface="Roboto Mono"/>
+            </a:endParaRPr>
+          </a:p>
+          <a:p>
+            <a:pPr marL="0" marR="0" lvl="0" indent="0" algn="l" rtl="0">
+              <a:lnSpc>
+                <a:spcPct val="100000"/>
+              </a:lnSpc>
+              <a:spcBef>
+                <a:spcPts val="0"/>
+              </a:spcBef>
+              <a:spcAft>
+                <a:spcPts val="0"/>
+              </a:spcAft>
+              <a:buNone/>
+            </a:pPr>
+            <a:r>
+              <a:rPr lang="en" sz="800">
+                <a:solidFill>
+                  <a:srgbClr val="6AA84F"/>
+                </a:solidFill>
+                <a:latin typeface="Roboto Mono"/>
+                <a:ea typeface="Roboto Mono"/>
+                <a:cs typeface="Roboto Mono"/>
+                <a:sym typeface="Roboto Mono"/>
+              </a:rPr>
+              <a:t>    {</a:t>
+            </a:r>
+            <a:endParaRPr sz="800">
+              <a:solidFill>
+                <a:srgbClr val="6AA84F"/>
+              </a:solidFill>
+              <a:latin typeface="Roboto Mono"/>
+              <a:ea typeface="Roboto Mono"/>
+              <a:cs typeface="Roboto Mono"/>
+              <a:sym typeface="Roboto Mono"/>
+            </a:endParaRPr>
+          </a:p>
+          <a:p>
+            <a:pPr marL="0" marR="0" lvl="0" indent="0" algn="l" rtl="0">
+              <a:lnSpc>
+                <a:spcPct val="100000"/>
+              </a:lnSpc>
+              <a:spcBef>
+                <a:spcPts val="0"/>
+              </a:spcBef>
+              <a:spcAft>
+                <a:spcPts val="0"/>
+              </a:spcAft>
+              <a:buNone/>
+            </a:pPr>
+            <a:r>
+              <a:rPr lang="en" sz="800">
+                <a:solidFill>
+                  <a:srgbClr val="6AA84F"/>
+                </a:solidFill>
+                <a:latin typeface="Roboto Mono"/>
+                <a:ea typeface="Roboto Mono"/>
+                <a:cs typeface="Roboto Mono"/>
+                <a:sym typeface="Roboto Mono"/>
+              </a:rPr>
+              <a:t>      "drive_id": "rootfs",</a:t>
+            </a:r>
+            <a:endParaRPr sz="800">
+              <a:solidFill>
+                <a:srgbClr val="6AA84F"/>
+              </a:solidFill>
+              <a:latin typeface="Roboto Mono"/>
+              <a:ea typeface="Roboto Mono"/>
+              <a:cs typeface="Roboto Mono"/>
+              <a:sym typeface="Roboto Mono"/>
+            </a:endParaRPr>
+          </a:p>
+          <a:p>
+            <a:pPr marL="0" marR="0" lvl="0" indent="0" algn="l" rtl="0">
+              <a:lnSpc>
+                <a:spcPct val="100000"/>
+              </a:lnSpc>
+              <a:spcBef>
+                <a:spcPts val="0"/>
+              </a:spcBef>
+              <a:spcAft>
+                <a:spcPts val="0"/>
+              </a:spcAft>
+              <a:buNone/>
+            </a:pPr>
+            <a:r>
+              <a:rPr lang="en" sz="800">
+                <a:solidFill>
+                  <a:srgbClr val="6AA84F"/>
+                </a:solidFill>
+                <a:latin typeface="Roboto Mono"/>
+                <a:ea typeface="Roboto Mono"/>
+                <a:cs typeface="Roboto Mono"/>
+                <a:sym typeface="Roboto Mono"/>
+              </a:rPr>
+              <a:t>      "path_on_host": "/srv/rootfs.ext4",</a:t>
+            </a:r>
+            <a:endParaRPr sz="800">
+              <a:solidFill>
+                <a:srgbClr val="6AA84F"/>
+              </a:solidFill>
+              <a:latin typeface="Roboto Mono"/>
+              <a:ea typeface="Roboto Mono"/>
+              <a:cs typeface="Roboto Mono"/>
+              <a:sym typeface="Roboto Mono"/>
+            </a:endParaRPr>
+          </a:p>
+          <a:p>
+            <a:pPr marL="0" marR="0" lvl="0" indent="0" algn="l" rtl="0">
+              <a:lnSpc>
+                <a:spcPct val="100000"/>
+              </a:lnSpc>
+              <a:spcBef>
+                <a:spcPts val="0"/>
+              </a:spcBef>
+              <a:spcAft>
+                <a:spcPts val="0"/>
+              </a:spcAft>
+              <a:buNone/>
+            </a:pPr>
+            <a:r>
+              <a:rPr lang="en" sz="800">
+                <a:solidFill>
+                  <a:srgbClr val="6AA84F"/>
+                </a:solidFill>
+                <a:latin typeface="Roboto Mono"/>
+                <a:ea typeface="Roboto Mono"/>
+                <a:cs typeface="Roboto Mono"/>
+                <a:sym typeface="Roboto Mono"/>
+              </a:rPr>
+              <a:t>      "is_root_device": true,</a:t>
+            </a:r>
+            <a:endParaRPr sz="800">
+              <a:solidFill>
+                <a:srgbClr val="6AA84F"/>
+              </a:solidFill>
+              <a:latin typeface="Roboto Mono"/>
+              <a:ea typeface="Roboto Mono"/>
+              <a:cs typeface="Roboto Mono"/>
+              <a:sym typeface="Roboto Mono"/>
+            </a:endParaRPr>
+          </a:p>
+          <a:p>
+            <a:pPr marL="0" marR="0" lvl="0" indent="0" algn="l" rtl="0">
+              <a:lnSpc>
+                <a:spcPct val="100000"/>
+              </a:lnSpc>
+              <a:spcBef>
+                <a:spcPts val="0"/>
+              </a:spcBef>
+              <a:spcAft>
+                <a:spcPts val="0"/>
+              </a:spcAft>
+              <a:buNone/>
+            </a:pPr>
+            <a:r>
+              <a:rPr lang="en" sz="800">
+                <a:solidFill>
+                  <a:srgbClr val="6AA84F"/>
+                </a:solidFill>
+                <a:latin typeface="Roboto Mono"/>
+                <a:ea typeface="Roboto Mono"/>
+                <a:cs typeface="Roboto Mono"/>
+                <a:sym typeface="Roboto Mono"/>
+              </a:rPr>
+              <a:t>      "is_read_only": false</a:t>
+            </a:r>
+            <a:endParaRPr sz="800">
+              <a:solidFill>
+                <a:srgbClr val="6AA84F"/>
+              </a:solidFill>
+              <a:latin typeface="Roboto Mono"/>
+              <a:ea typeface="Roboto Mono"/>
+              <a:cs typeface="Roboto Mono"/>
+              <a:sym typeface="Roboto Mono"/>
+            </a:endParaRPr>
+          </a:p>
+          <a:p>
+            <a:pPr marL="0" marR="0" lvl="0" indent="0" algn="l" rtl="0">
+              <a:lnSpc>
+                <a:spcPct val="100000"/>
+              </a:lnSpc>
+              <a:spcBef>
+                <a:spcPts val="0"/>
+              </a:spcBef>
+              <a:spcAft>
+                <a:spcPts val="0"/>
+              </a:spcAft>
+              <a:buNone/>
+            </a:pPr>
+            <a:r>
+              <a:rPr lang="en" sz="800">
+                <a:solidFill>
+                  <a:srgbClr val="6AA84F"/>
+                </a:solidFill>
+                <a:latin typeface="Roboto Mono"/>
+                <a:ea typeface="Roboto Mono"/>
+                <a:cs typeface="Roboto Mono"/>
+                <a:sym typeface="Roboto Mono"/>
+              </a:rPr>
+              <a:t>    }</a:t>
+            </a:r>
+            <a:endParaRPr sz="800">
+              <a:solidFill>
+                <a:srgbClr val="6AA84F"/>
+              </a:solidFill>
+              <a:latin typeface="Roboto Mono"/>
+              <a:ea typeface="Roboto Mono"/>
+              <a:cs typeface="Roboto Mono"/>
+              <a:sym typeface="Roboto Mono"/>
+            </a:endParaRPr>
+          </a:p>
+          <a:p>
+            <a:pPr marL="0" marR="0" lvl="0" indent="0" algn="l" rtl="0">
+              <a:lnSpc>
+                <a:spcPct val="100000"/>
+              </a:lnSpc>
+              <a:spcBef>
+                <a:spcPts val="0"/>
+              </a:spcBef>
+              <a:spcAft>
+                <a:spcPts val="0"/>
+              </a:spcAft>
+              <a:buNone/>
+            </a:pPr>
+            <a:r>
+              <a:rPr lang="en" sz="800">
+                <a:solidFill>
+                  <a:srgbClr val="6AA84F"/>
+                </a:solidFill>
+                <a:latin typeface="Roboto Mono"/>
+                <a:ea typeface="Roboto Mono"/>
+                <a:cs typeface="Roboto Mono"/>
+                <a:sym typeface="Roboto Mono"/>
+              </a:rPr>
+              <a:t>  ],</a:t>
+            </a:r>
+            <a:endParaRPr sz="800">
+              <a:solidFill>
+                <a:srgbClr val="6AA84F"/>
+              </a:solidFill>
+              <a:latin typeface="Roboto Mono"/>
+              <a:ea typeface="Roboto Mono"/>
+              <a:cs typeface="Roboto Mono"/>
+              <a:sym typeface="Roboto Mono"/>
+            </a:endParaRPr>
+          </a:p>
+          <a:p>
+            <a:pPr marL="0" marR="0" lvl="0" indent="0" algn="l" rtl="0">
+              <a:lnSpc>
+                <a:spcPct val="100000"/>
+              </a:lnSpc>
+              <a:spcBef>
+                <a:spcPts val="0"/>
+              </a:spcBef>
+              <a:spcAft>
+                <a:spcPts val="0"/>
+              </a:spcAft>
+              <a:buNone/>
+            </a:pPr>
+            <a:r>
+              <a:rPr lang="en" sz="800">
+                <a:solidFill>
+                  <a:srgbClr val="6AA84F"/>
+                </a:solidFill>
+                <a:latin typeface="Roboto Mono"/>
+                <a:ea typeface="Roboto Mono"/>
+                <a:cs typeface="Roboto Mono"/>
+                <a:sym typeface="Roboto Mono"/>
+              </a:rPr>
+              <a:t>  "machine-config": {</a:t>
+            </a:r>
+            <a:endParaRPr sz="800">
+              <a:solidFill>
+                <a:srgbClr val="6AA84F"/>
+              </a:solidFill>
+              <a:latin typeface="Roboto Mono"/>
+              <a:ea typeface="Roboto Mono"/>
+              <a:cs typeface="Roboto Mono"/>
+              <a:sym typeface="Roboto Mono"/>
+            </a:endParaRPr>
+          </a:p>
+          <a:p>
+            <a:pPr marL="0" marR="0" lvl="0" indent="0" algn="l" rtl="0">
+              <a:lnSpc>
+                <a:spcPct val="100000"/>
+              </a:lnSpc>
+              <a:spcBef>
+                <a:spcPts val="0"/>
+              </a:spcBef>
+              <a:spcAft>
+                <a:spcPts val="0"/>
+              </a:spcAft>
+              <a:buNone/>
+            </a:pPr>
+            <a:r>
+              <a:rPr lang="en" sz="800">
+                <a:solidFill>
+                  <a:srgbClr val="6AA84F"/>
+                </a:solidFill>
+                <a:latin typeface="Roboto Mono"/>
+                <a:ea typeface="Roboto Mono"/>
+                <a:cs typeface="Roboto Mono"/>
+                <a:sym typeface="Roboto Mono"/>
+              </a:rPr>
+              <a:t>    "vcpu_count": 1,</a:t>
+            </a:r>
+            <a:endParaRPr sz="800">
+              <a:solidFill>
+                <a:srgbClr val="6AA84F"/>
+              </a:solidFill>
+              <a:latin typeface="Roboto Mono"/>
+              <a:ea typeface="Roboto Mono"/>
+              <a:cs typeface="Roboto Mono"/>
+              <a:sym typeface="Roboto Mono"/>
+            </a:endParaRPr>
+          </a:p>
+          <a:p>
+            <a:pPr marL="0" marR="0" lvl="0" indent="0" algn="l" rtl="0">
+              <a:lnSpc>
+                <a:spcPct val="100000"/>
+              </a:lnSpc>
+              <a:spcBef>
+                <a:spcPts val="0"/>
+              </a:spcBef>
+              <a:spcAft>
+                <a:spcPts val="0"/>
+              </a:spcAft>
+              <a:buNone/>
+            </a:pPr>
+            <a:r>
+              <a:rPr lang="en" sz="800">
+                <a:solidFill>
+                  <a:srgbClr val="6AA84F"/>
+                </a:solidFill>
+                <a:latin typeface="Roboto Mono"/>
+                <a:ea typeface="Roboto Mono"/>
+                <a:cs typeface="Roboto Mono"/>
+                <a:sym typeface="Roboto Mono"/>
+              </a:rPr>
+              <a:t>    "mem_size_mib": 128,</a:t>
+            </a:r>
+            <a:endParaRPr sz="800">
+              <a:solidFill>
+                <a:srgbClr val="6AA84F"/>
+              </a:solidFill>
+              <a:latin typeface="Roboto Mono"/>
+              <a:ea typeface="Roboto Mono"/>
+              <a:cs typeface="Roboto Mono"/>
+              <a:sym typeface="Roboto Mono"/>
+            </a:endParaRPr>
+          </a:p>
+          <a:p>
+            <a:pPr marL="0" marR="0" lvl="0" indent="0" algn="l" rtl="0">
+              <a:lnSpc>
+                <a:spcPct val="100000"/>
+              </a:lnSpc>
+              <a:spcBef>
+                <a:spcPts val="0"/>
+              </a:spcBef>
+              <a:spcAft>
+                <a:spcPts val="0"/>
+              </a:spcAft>
+              <a:buNone/>
+            </a:pPr>
+            <a:r>
+              <a:rPr lang="en" sz="800">
+                <a:solidFill>
+                  <a:srgbClr val="6AA84F"/>
+                </a:solidFill>
+                <a:latin typeface="Roboto Mono"/>
+                <a:ea typeface="Roboto Mono"/>
+                <a:cs typeface="Roboto Mono"/>
+                <a:sym typeface="Roboto Mono"/>
+              </a:rPr>
+              <a:t>    "ht_enabled": false</a:t>
+            </a:r>
+            <a:endParaRPr sz="800">
+              <a:solidFill>
+                <a:srgbClr val="6AA84F"/>
+              </a:solidFill>
+              <a:latin typeface="Roboto Mono"/>
+              <a:ea typeface="Roboto Mono"/>
+              <a:cs typeface="Roboto Mono"/>
+              <a:sym typeface="Roboto Mono"/>
+            </a:endParaRPr>
+          </a:p>
+          <a:p>
+            <a:pPr marL="0" marR="0" lvl="0" indent="0" algn="l" rtl="0">
+              <a:lnSpc>
+                <a:spcPct val="100000"/>
+              </a:lnSpc>
+              <a:spcBef>
+                <a:spcPts val="0"/>
+              </a:spcBef>
+              <a:spcAft>
+                <a:spcPts val="0"/>
+              </a:spcAft>
+              <a:buNone/>
+            </a:pPr>
+            <a:r>
+              <a:rPr lang="en" sz="800">
+                <a:solidFill>
+                  <a:srgbClr val="6AA84F"/>
+                </a:solidFill>
+                <a:latin typeface="Roboto Mono"/>
+                <a:ea typeface="Roboto Mono"/>
+                <a:cs typeface="Roboto Mono"/>
+                <a:sym typeface="Roboto Mono"/>
+              </a:rPr>
+              <a:t>  }</a:t>
+            </a:r>
+            <a:endParaRPr sz="800">
+              <a:solidFill>
+                <a:srgbClr val="6AA84F"/>
+              </a:solidFill>
+              <a:latin typeface="Roboto Mono"/>
+              <a:ea typeface="Roboto Mono"/>
+              <a:cs typeface="Roboto Mono"/>
+              <a:sym typeface="Roboto Mono"/>
+            </a:endParaRPr>
+          </a:p>
+          <a:p>
+            <a:pPr marL="0" marR="0" lvl="0" indent="0" algn="l" rtl="0">
+              <a:lnSpc>
+                <a:spcPct val="100000"/>
+              </a:lnSpc>
+              <a:spcBef>
+                <a:spcPts val="0"/>
+              </a:spcBef>
+              <a:spcAft>
+                <a:spcPts val="0"/>
+              </a:spcAft>
+              <a:buNone/>
+            </a:pPr>
+            <a:r>
+              <a:rPr lang="en" sz="800">
+                <a:solidFill>
+                  <a:srgbClr val="6AA84F"/>
+                </a:solidFill>
+                <a:latin typeface="Roboto Mono"/>
+                <a:ea typeface="Roboto Mono"/>
+                <a:cs typeface="Roboto Mono"/>
+                <a:sym typeface="Roboto Mono"/>
+              </a:rPr>
+              <a:t>}</a:t>
+            </a:r>
+            <a:endParaRPr sz="800">
+              <a:solidFill>
+                <a:srgbClr val="6AA84F"/>
+              </a:solidFill>
+              <a:latin typeface="Roboto Mono"/>
+              <a:ea typeface="Roboto Mono"/>
+              <a:cs typeface="Roboto Mono"/>
+              <a:sym typeface="Roboto Mono"/>
             </a:endParaRPr>
           </a:p>
         </p:txBody>
       </p:sp>
       <p:pic>
         <p:nvPicPr>
-          <p:cNvPr id="266" name="Google Shape;266;p31"/>
-          <p:cNvPicPr preferRelativeResize="0"/>
-          <p:nvPr/>
-        </p:nvPicPr>
-        <p:blipFill>
-          <a:blip r:embed="rId5" cstate="email">
-            <a:alphaModFix/>
-            <a:extLst>
-              <a:ext uri="{28A0092B-C50C-407E-A947-70E740481C1C}">
-                <a14:useLocalDpi xmlns:a14="http://schemas.microsoft.com/office/drawing/2010/main"/>
-              </a:ext>
-            </a:extLst>
-          </a:blip>
-          <a:stretch>
-            <a:fillRect/>
-          </a:stretch>
-        </p:blipFill>
-        <p:spPr>
-          <a:xfrm>
-            <a:off x="152400" y="505780"/>
-            <a:ext cx="5322102" cy="1976621"/>
-          </a:xfrm>
-          <a:prstGeom prst="rect">
-            <a:avLst/>
-          </a:prstGeom>
-          <a:noFill/>
-          <a:ln w="9525" cap="flat" cmpd="sng">
-            <a:solidFill>
-              <a:srgbClr val="FF0000"/>
-            </a:solidFill>
-            <a:prstDash val="solid"/>
-            <a:round/>
-            <a:headEnd type="none" w="sm" len="sm"/>
-            <a:tailEnd type="none" w="sm" len="sm"/>
-          </a:ln>
-        </p:spPr>
-      </p:pic>
-      <p:sp>
-        <p:nvSpPr>
-          <p:cNvPr id="267" name="Google Shape;267;p31"/>
-          <p:cNvSpPr txBox="1"/>
-          <p:nvPr/>
-        </p:nvSpPr>
-        <p:spPr>
-          <a:xfrm>
-            <a:off x="5639650" y="1413225"/>
-            <a:ext cx="3426600" cy="2973900"/>
-          </a:xfrm>
-          <a:prstGeom prst="rect">
-            <a:avLst/>
-          </a:prstGeom>
-          <a:solidFill>
-            <a:srgbClr val="FCE5CD"/>
-          </a:solidFill>
-          <a:ln w="9525" cap="flat" cmpd="sng">
-            <a:solidFill>
-              <a:srgbClr val="FF0000"/>
-            </a:solidFill>
-            <a:prstDash val="solid"/>
-            <a:round/>
-            <a:headEnd type="none" w="sm" len="sm"/>
-            <a:tailEnd type="none" w="sm" len="sm"/>
-          </a:ln>
-        </p:spPr>
-        <p:txBody>
-          <a:bodyPr spcFirstLastPara="1" wrap="square" lIns="9125" tIns="9125" rIns="9125" bIns="9125" anchor="t" anchorCtr="0">
-            <a:spAutoFit/>
-          </a:bodyPr>
-          <a:lstStyle/>
-          <a:p>
-            <a:pPr marL="0" marR="0" lvl="0" indent="0" algn="l" rtl="0">
-              <a:lnSpc>
-                <a:spcPct val="100000"/>
-              </a:lnSpc>
-              <a:spcBef>
-                <a:spcPts val="0"/>
-              </a:spcBef>
-              <a:spcAft>
-                <a:spcPts val="0"/>
-              </a:spcAft>
-              <a:buNone/>
-            </a:pPr>
-            <a:r>
-              <a:rPr lang="en" sz="1200">
-                <a:latin typeface="Calibri"/>
-                <a:ea typeface="Calibri"/>
-                <a:cs typeface="Calibri"/>
-                <a:sym typeface="Calibri"/>
-              </a:rPr>
-              <a:t>From Peter Diamandis:</a:t>
-            </a:r>
-            <a:endParaRPr sz="1200">
-              <a:latin typeface="Calibri"/>
-              <a:ea typeface="Calibri"/>
-              <a:cs typeface="Calibri"/>
-              <a:sym typeface="Calibri"/>
-            </a:endParaRPr>
-          </a:p>
-          <a:p>
-            <a:pPr marL="171450" marR="0" lvl="0" indent="-133350" algn="l" rtl="0">
-              <a:lnSpc>
-                <a:spcPct val="100000"/>
-              </a:lnSpc>
-              <a:spcBef>
-                <a:spcPts val="0"/>
-              </a:spcBef>
-              <a:spcAft>
-                <a:spcPts val="0"/>
-              </a:spcAft>
-              <a:buSzPts val="1200"/>
-              <a:buFont typeface="Calibri"/>
-              <a:buChar char="●"/>
-            </a:pPr>
-            <a:r>
-              <a:rPr lang="en" sz="1200">
-                <a:latin typeface="Calibri"/>
-                <a:ea typeface="Calibri"/>
-                <a:cs typeface="Calibri"/>
-                <a:sym typeface="Calibri"/>
-              </a:rPr>
-              <a:t>White-collar job postings fell 12.7% from 2024 to 2025, with demand for business analysts and developers dropping twice as fast. </a:t>
-            </a:r>
-            <a:endParaRPr sz="1200">
-              <a:latin typeface="Calibri"/>
-              <a:ea typeface="Calibri"/>
-              <a:cs typeface="Calibri"/>
-              <a:sym typeface="Calibri"/>
-            </a:endParaRPr>
-          </a:p>
-          <a:p>
-            <a:pPr marL="171450" marR="0" lvl="0" indent="-133350" algn="l" rtl="0">
-              <a:lnSpc>
-                <a:spcPct val="100000"/>
-              </a:lnSpc>
-              <a:spcBef>
-                <a:spcPts val="0"/>
-              </a:spcBef>
-              <a:spcAft>
-                <a:spcPts val="0"/>
-              </a:spcAft>
-              <a:buSzPts val="1200"/>
-              <a:buFont typeface="Calibri"/>
-              <a:buChar char="●"/>
-            </a:pPr>
-            <a:r>
-              <a:rPr lang="en" sz="1200">
-                <a:latin typeface="Calibri"/>
-                <a:ea typeface="Calibri"/>
-                <a:cs typeface="Calibri"/>
-                <a:sym typeface="Calibri"/>
-              </a:rPr>
-              <a:t>Meanwhile, Anthropic's CEO </a:t>
-            </a:r>
-            <a:r>
-              <a:rPr lang="en" sz="1200">
-                <a:solidFill>
-                  <a:schemeClr val="dk1"/>
-                </a:solidFill>
-                <a:latin typeface="Calibri"/>
-                <a:ea typeface="Calibri"/>
-                <a:cs typeface="Calibri"/>
-                <a:sym typeface="Calibri"/>
-              </a:rPr>
-              <a:t>Dario Amodei </a:t>
-            </a:r>
-            <a:r>
-              <a:rPr lang="en" sz="1200">
-                <a:latin typeface="Calibri"/>
-                <a:ea typeface="Calibri"/>
-                <a:cs typeface="Calibri"/>
-                <a:sym typeface="Calibri"/>
-              </a:rPr>
-              <a:t>predicts that within 5 years, 50% of all entry-level </a:t>
-            </a:r>
-            <a:r>
-              <a:rPr lang="en" sz="1200">
-                <a:solidFill>
-                  <a:schemeClr val="dk1"/>
-                </a:solidFill>
-                <a:latin typeface="Calibri"/>
-                <a:ea typeface="Calibri"/>
-                <a:cs typeface="Calibri"/>
-                <a:sym typeface="Calibri"/>
-              </a:rPr>
-              <a:t>white-collar jobs</a:t>
-            </a:r>
-            <a:r>
-              <a:rPr lang="en" sz="1200">
-                <a:latin typeface="Calibri"/>
-                <a:ea typeface="Calibri"/>
-                <a:cs typeface="Calibri"/>
-                <a:sym typeface="Calibri"/>
-              </a:rPr>
-              <a:t> will be fully automated, potentially spiking unemployment to 10-20%</a:t>
-            </a:r>
-            <a:endParaRPr sz="1200">
-              <a:latin typeface="Calibri"/>
-              <a:ea typeface="Calibri"/>
-              <a:cs typeface="Calibri"/>
-              <a:sym typeface="Calibri"/>
-            </a:endParaRPr>
-          </a:p>
-          <a:p>
-            <a:pPr marL="0" marR="0" lvl="0" indent="0" algn="l" rtl="0">
-              <a:lnSpc>
-                <a:spcPct val="100000"/>
-              </a:lnSpc>
-              <a:spcBef>
-                <a:spcPts val="0"/>
-              </a:spcBef>
-              <a:spcAft>
-                <a:spcPts val="0"/>
-              </a:spcAft>
-              <a:buNone/>
-            </a:pPr>
-            <a:endParaRPr sz="1200">
-              <a:latin typeface="Calibri"/>
-              <a:ea typeface="Calibri"/>
-              <a:cs typeface="Calibri"/>
-              <a:sym typeface="Calibri"/>
-            </a:endParaRPr>
-          </a:p>
-          <a:p>
-            <a:pPr marL="0" marR="0" lvl="0" indent="0" algn="l" rtl="0">
-              <a:lnSpc>
-                <a:spcPct val="100000"/>
-              </a:lnSpc>
-              <a:spcBef>
-                <a:spcPts val="0"/>
-              </a:spcBef>
-              <a:spcAft>
-                <a:spcPts val="0"/>
-              </a:spcAft>
-              <a:buNone/>
-            </a:pPr>
-            <a:r>
-              <a:rPr lang="en" sz="1200">
-                <a:latin typeface="Calibri"/>
-                <a:ea typeface="Calibri"/>
-                <a:cs typeface="Calibri"/>
-                <a:sym typeface="Calibri"/>
-              </a:rPr>
-              <a:t>What to do:</a:t>
-            </a:r>
-            <a:endParaRPr sz="1200">
-              <a:latin typeface="Calibri"/>
-              <a:ea typeface="Calibri"/>
-              <a:cs typeface="Calibri"/>
-              <a:sym typeface="Calibri"/>
-            </a:endParaRPr>
-          </a:p>
-          <a:p>
-            <a:pPr marL="228600" marR="0" lvl="0" indent="-133350" algn="l" rtl="0">
-              <a:lnSpc>
-                <a:spcPct val="100000"/>
-              </a:lnSpc>
-              <a:spcBef>
-                <a:spcPts val="0"/>
-              </a:spcBef>
-              <a:spcAft>
-                <a:spcPts val="0"/>
-              </a:spcAft>
-              <a:buSzPts val="1200"/>
-              <a:buFont typeface="Calibri"/>
-              <a:buAutoNum type="arabicPeriod"/>
-            </a:pPr>
-            <a:r>
-              <a:rPr lang="en" sz="1200">
-                <a:latin typeface="Calibri"/>
-                <a:ea typeface="Calibri"/>
-                <a:cs typeface="Calibri"/>
-                <a:sym typeface="Calibri"/>
-              </a:rPr>
-              <a:t>Shift From Job Applicant to Entrepreneur's Mindset</a:t>
-            </a:r>
-            <a:endParaRPr sz="1200">
-              <a:latin typeface="Calibri"/>
-              <a:ea typeface="Calibri"/>
-              <a:cs typeface="Calibri"/>
-              <a:sym typeface="Calibri"/>
-            </a:endParaRPr>
-          </a:p>
-          <a:p>
-            <a:pPr marL="228600" marR="0" lvl="0" indent="-133350" algn="l" rtl="0">
-              <a:lnSpc>
-                <a:spcPct val="100000"/>
-              </a:lnSpc>
-              <a:spcBef>
-                <a:spcPts val="0"/>
-              </a:spcBef>
-              <a:spcAft>
-                <a:spcPts val="0"/>
-              </a:spcAft>
-              <a:buSzPts val="1200"/>
-              <a:buFont typeface="Calibri"/>
-              <a:buAutoNum type="arabicPeriod"/>
-            </a:pPr>
-            <a:r>
-              <a:rPr lang="en" sz="1200">
-                <a:latin typeface="Calibri"/>
-                <a:ea typeface="Calibri"/>
-                <a:cs typeface="Calibri"/>
-                <a:sym typeface="Calibri"/>
-              </a:rPr>
-              <a:t>Develop Curiosity and Adaptability</a:t>
-            </a:r>
-            <a:endParaRPr sz="1200">
-              <a:latin typeface="Calibri"/>
-              <a:ea typeface="Calibri"/>
-              <a:cs typeface="Calibri"/>
-              <a:sym typeface="Calibri"/>
-            </a:endParaRPr>
-          </a:p>
-          <a:p>
-            <a:pPr marL="228600" marR="0" lvl="0" indent="-133350" algn="l" rtl="0">
-              <a:lnSpc>
-                <a:spcPct val="100000"/>
-              </a:lnSpc>
-              <a:spcBef>
-                <a:spcPts val="0"/>
-              </a:spcBef>
-              <a:spcAft>
-                <a:spcPts val="0"/>
-              </a:spcAft>
-              <a:buSzPts val="1200"/>
-              <a:buFont typeface="Calibri"/>
-              <a:buAutoNum type="arabicPeriod"/>
-            </a:pPr>
-            <a:r>
-              <a:rPr lang="en" sz="1200">
-                <a:latin typeface="Calibri"/>
-                <a:ea typeface="Calibri"/>
-                <a:cs typeface="Calibri"/>
-                <a:sym typeface="Calibri"/>
-              </a:rPr>
-              <a:t>Execute the "Singularity Sprint" (before AI erodes human leverage entirely)</a:t>
-            </a:r>
-            <a:endParaRPr sz="1200">
-              <a:latin typeface="Calibri"/>
-              <a:ea typeface="Calibri"/>
-              <a:cs typeface="Calibri"/>
-              <a:sym typeface="Calibri"/>
-            </a:endParaRPr>
-          </a:p>
-          <a:p>
-            <a:pPr marL="228600" marR="0" lvl="0" indent="-133350" algn="l" rtl="0">
-              <a:lnSpc>
-                <a:spcPct val="100000"/>
-              </a:lnSpc>
-              <a:spcBef>
-                <a:spcPts val="0"/>
-              </a:spcBef>
-              <a:spcAft>
-                <a:spcPts val="0"/>
-              </a:spcAft>
-              <a:buSzPts val="1200"/>
-              <a:buFont typeface="Calibri"/>
-              <a:buAutoNum type="arabicPeriod"/>
-            </a:pPr>
-            <a:r>
-              <a:rPr lang="en" sz="1200">
-                <a:latin typeface="Calibri"/>
-                <a:ea typeface="Calibri"/>
-                <a:cs typeface="Calibri"/>
-                <a:sym typeface="Calibri"/>
-              </a:rPr>
-              <a:t>Expect Short-term Pain Before Long-term Abundance</a:t>
-            </a:r>
-            <a:endParaRPr sz="1200">
-              <a:latin typeface="Calibri"/>
-              <a:ea typeface="Calibri"/>
-              <a:cs typeface="Calibri"/>
-              <a:sym typeface="Calibri"/>
-            </a:endParaRPr>
-          </a:p>
-        </p:txBody>
-      </p:sp>
-      <p:pic>
-        <p:nvPicPr>
-          <p:cNvPr id="268" name="Google Shape;268;p31"/>
+          <p:cNvPr id="290" name="Google Shape;290;p33"/>
           <p:cNvPicPr preferRelativeResize="0"/>
           <p:nvPr/>
         </p:nvPicPr>
@@ -21267,71 +24013,8 @@
         </p:blipFill>
         <p:spPr>
           <a:xfrm>
-            <a:off x="152400" y="2634800"/>
-            <a:ext cx="5322101" cy="2456770"/>
-          </a:xfrm>
-          <a:prstGeom prst="rect">
-            <a:avLst/>
-          </a:prstGeom>
-          <a:noFill/>
-          <a:ln w="9525" cap="flat" cmpd="sng">
-            <a:solidFill>
-              <a:srgbClr val="FF0000"/>
-            </a:solidFill>
-            <a:prstDash val="solid"/>
-            <a:round/>
-            <a:headEnd type="none" w="sm" len="sm"/>
-            <a:tailEnd type="none" w="sm" len="sm"/>
-          </a:ln>
-        </p:spPr>
-      </p:pic>
-    </p:spTree>
-  </p:cSld>
-  <p:clrMapOvr>
-    <a:masterClrMapping/>
-  </p:clrMapOvr>
-</p:sld>
-</file>
-
-<file path=ppt/slides/slide18.xml><?xml version="1.0" encoding="utf-8"?>
-<p:sld xmlns:a="http://schemas.openxmlformats.org/drawingml/2006/main" xmlns:r="http://schemas.openxmlformats.org/officeDocument/2006/relationships" xmlns:p="http://schemas.openxmlformats.org/presentationml/2006/main">
-  <p:cSld>
-    <p:spTree>
-      <p:nvGrpSpPr>
-        <p:cNvPr id="1" name="Shape 272"/>
-        <p:cNvGrpSpPr/>
-        <p:nvPr/>
-      </p:nvGrpSpPr>
-      <p:grpSpPr>
-        <a:xfrm>
-          <a:off x="0" y="0"/>
-          <a:ext cx="0" cy="0"/>
-          <a:chOff x="0" y="0"/>
-          <a:chExt cx="0" cy="0"/>
-        </a:xfrm>
-      </p:grpSpPr>
-      <p:pic>
-        <p:nvPicPr>
-          <p:cNvPr id="273" name="Google Shape;273;p32"/>
-          <p:cNvPicPr preferRelativeResize="0"/>
-          <p:nvPr/>
-        </p:nvPicPr>
-        <p:blipFill rotWithShape="1">
-          <a:blip r:embed="rId3" cstate="email">
-            <a:alphaModFix/>
-            <a:extLst>
-              <a:ext uri="{28A0092B-C50C-407E-A947-70E740481C1C}">
-                <a14:useLocalDpi xmlns:a14="http://schemas.microsoft.com/office/drawing/2010/main"/>
-              </a:ext>
-            </a:extLst>
-          </a:blip>
-          <a:srcRect/>
-          <a:stretch/>
-        </p:blipFill>
-        <p:spPr>
-          <a:xfrm>
-            <a:off x="605238" y="1203525"/>
-            <a:ext cx="1570556" cy="1570556"/>
+            <a:off x="5344127" y="136607"/>
+            <a:ext cx="2732800" cy="672525"/>
           </a:xfrm>
           <a:prstGeom prst="rect">
             <a:avLst/>
@@ -21342,510 +24025,14 @@
           </a:ln>
         </p:spPr>
       </p:pic>
-      <p:sp>
-        <p:nvSpPr>
-          <p:cNvPr id="274" name="Google Shape;274;p32"/>
-          <p:cNvSpPr txBox="1"/>
-          <p:nvPr/>
-        </p:nvSpPr>
-        <p:spPr>
-          <a:xfrm>
-            <a:off x="-25625" y="-14775"/>
-            <a:ext cx="3355800" cy="569400"/>
-          </a:xfrm>
-          <a:prstGeom prst="rect">
-            <a:avLst/>
-          </a:prstGeom>
-          <a:noFill/>
-          <a:ln>
-            <a:noFill/>
-          </a:ln>
-        </p:spPr>
-        <p:txBody>
-          <a:bodyPr spcFirstLastPara="1" wrap="square" lIns="91425" tIns="91425" rIns="91425" bIns="91425" anchor="t" anchorCtr="0">
-            <a:spAutoFit/>
-          </a:bodyPr>
-          <a:lstStyle/>
-          <a:p>
-            <a:pPr marL="0" marR="0" lvl="0" indent="0" algn="l" rtl="0">
-              <a:lnSpc>
-                <a:spcPct val="100000"/>
-              </a:lnSpc>
-              <a:spcBef>
-                <a:spcPts val="0"/>
-              </a:spcBef>
-              <a:spcAft>
-                <a:spcPts val="0"/>
-              </a:spcAft>
-              <a:buClr>
-                <a:srgbClr val="000000"/>
-              </a:buClr>
-              <a:buSzPts val="2500"/>
-              <a:buFont typeface="Arial"/>
-              <a:buNone/>
-            </a:pPr>
-            <a:r>
-              <a:rPr lang="en" sz="2500" b="1" i="0" u="none" strike="noStrike" cap="none">
-                <a:solidFill>
-                  <a:srgbClr val="000000"/>
-                </a:solidFill>
-                <a:latin typeface="Calibri"/>
-                <a:ea typeface="Calibri"/>
-                <a:cs typeface="Calibri"/>
-                <a:sym typeface="Calibri"/>
-              </a:rPr>
-              <a:t>About the Speaker</a:t>
-            </a:r>
-            <a:endParaRPr sz="2500" b="1" i="0" u="none" strike="noStrike" cap="none">
-              <a:solidFill>
-                <a:srgbClr val="000000"/>
-              </a:solidFill>
-              <a:latin typeface="Calibri"/>
-              <a:ea typeface="Calibri"/>
-              <a:cs typeface="Calibri"/>
-              <a:sym typeface="Calibri"/>
-            </a:endParaRPr>
-          </a:p>
-        </p:txBody>
-      </p:sp>
-      <p:sp>
-        <p:nvSpPr>
-          <p:cNvPr id="275" name="Google Shape;275;p32"/>
-          <p:cNvSpPr txBox="1"/>
-          <p:nvPr/>
-        </p:nvSpPr>
-        <p:spPr>
-          <a:xfrm>
-            <a:off x="3330175" y="878750"/>
-            <a:ext cx="5621700" cy="3309300"/>
-          </a:xfrm>
-          <a:prstGeom prst="rect">
-            <a:avLst/>
-          </a:prstGeom>
-          <a:noFill/>
-          <a:ln>
-            <a:noFill/>
-          </a:ln>
-        </p:spPr>
-        <p:txBody>
-          <a:bodyPr spcFirstLastPara="1" wrap="square" lIns="91425" tIns="91425" rIns="91425" bIns="91425" anchor="t" anchorCtr="0">
-            <a:spAutoFit/>
-          </a:bodyPr>
-          <a:lstStyle/>
-          <a:p>
-            <a:pPr marL="0" marR="0" lvl="0" indent="0" algn="l" rtl="0">
-              <a:lnSpc>
-                <a:spcPct val="100000"/>
-              </a:lnSpc>
-              <a:spcBef>
-                <a:spcPts val="0"/>
-              </a:spcBef>
-              <a:spcAft>
-                <a:spcPts val="0"/>
-              </a:spcAft>
-              <a:buClr>
-                <a:schemeClr val="dk1"/>
-              </a:buClr>
-              <a:buSzPts val="1100"/>
-              <a:buFont typeface="Arial"/>
-              <a:buNone/>
-            </a:pPr>
-            <a:r>
-              <a:rPr lang="en" sz="2500" b="1" i="0" u="none" strike="noStrike" cap="none">
-                <a:solidFill>
-                  <a:srgbClr val="000000"/>
-                </a:solidFill>
-                <a:latin typeface="Calibri"/>
-                <a:ea typeface="Calibri"/>
-                <a:cs typeface="Calibri"/>
-                <a:sym typeface="Calibri"/>
-              </a:rPr>
-              <a:t>Lev Selector, Ph.D.</a:t>
-            </a:r>
-            <a:endParaRPr sz="2500" b="1" i="0" u="none" strike="noStrike" cap="none">
-              <a:solidFill>
-                <a:srgbClr val="000000"/>
-              </a:solidFill>
-              <a:latin typeface="Calibri"/>
-              <a:ea typeface="Calibri"/>
-              <a:cs typeface="Calibri"/>
-              <a:sym typeface="Calibri"/>
-            </a:endParaRPr>
-          </a:p>
-          <a:p>
-            <a:pPr marL="0" marR="0" lvl="0" indent="0" algn="l" rtl="0">
-              <a:lnSpc>
-                <a:spcPct val="100000"/>
-              </a:lnSpc>
-              <a:spcBef>
-                <a:spcPts val="0"/>
-              </a:spcBef>
-              <a:spcAft>
-                <a:spcPts val="0"/>
-              </a:spcAft>
-              <a:buClr>
-                <a:schemeClr val="dk1"/>
-              </a:buClr>
-              <a:buSzPts val="1100"/>
-              <a:buFont typeface="Arial"/>
-              <a:buNone/>
-            </a:pPr>
-            <a:endParaRPr sz="1800" b="0" i="0" u="none" strike="noStrike" cap="none">
-              <a:solidFill>
-                <a:srgbClr val="000000"/>
-              </a:solidFill>
-              <a:latin typeface="Calibri"/>
-              <a:ea typeface="Calibri"/>
-              <a:cs typeface="Calibri"/>
-              <a:sym typeface="Calibri"/>
-            </a:endParaRPr>
-          </a:p>
-          <a:p>
-            <a:pPr marL="457200" marR="0" lvl="0" indent="-330200" algn="l" rtl="0">
-              <a:lnSpc>
-                <a:spcPct val="100000"/>
-              </a:lnSpc>
-              <a:spcBef>
-                <a:spcPts val="0"/>
-              </a:spcBef>
-              <a:spcAft>
-                <a:spcPts val="0"/>
-              </a:spcAft>
-              <a:buClr>
-                <a:srgbClr val="000000"/>
-              </a:buClr>
-              <a:buSzPts val="1600"/>
-              <a:buFont typeface="Calibri"/>
-              <a:buChar char="●"/>
-            </a:pPr>
-            <a:r>
-              <a:rPr lang="en" sz="1600" b="0" i="0" u="none" strike="noStrike" cap="none">
-                <a:solidFill>
-                  <a:schemeClr val="dk1"/>
-                </a:solidFill>
-                <a:latin typeface="Calibri"/>
-                <a:ea typeface="Calibri"/>
-                <a:cs typeface="Calibri"/>
-                <a:sym typeface="Calibri"/>
-              </a:rPr>
-              <a:t>40+ years of software engineering, data science, and building teams (hiring, training, and managing)</a:t>
-            </a:r>
-            <a:endParaRPr sz="1600" b="0" i="0" u="none" strike="noStrike" cap="none">
-              <a:solidFill>
-                <a:schemeClr val="dk1"/>
-              </a:solidFill>
-              <a:latin typeface="Calibri"/>
-              <a:ea typeface="Calibri"/>
-              <a:cs typeface="Calibri"/>
-              <a:sym typeface="Calibri"/>
-            </a:endParaRPr>
-          </a:p>
-          <a:p>
-            <a:pPr marL="457200" marR="0" lvl="0" indent="-330200" algn="l" rtl="0">
-              <a:lnSpc>
-                <a:spcPct val="100000"/>
-              </a:lnSpc>
-              <a:spcBef>
-                <a:spcPts val="0"/>
-              </a:spcBef>
-              <a:spcAft>
-                <a:spcPts val="0"/>
-              </a:spcAft>
-              <a:buClr>
-                <a:srgbClr val="000000"/>
-              </a:buClr>
-              <a:buSzPts val="1600"/>
-              <a:buFont typeface="Calibri"/>
-              <a:buChar char="●"/>
-            </a:pPr>
-            <a:r>
-              <a:rPr lang="en" sz="1600" b="0" i="0" u="none" strike="noStrike" cap="none">
-                <a:solidFill>
-                  <a:schemeClr val="dk1"/>
-                </a:solidFill>
-                <a:latin typeface="Calibri"/>
-                <a:ea typeface="Calibri"/>
-                <a:cs typeface="Calibri"/>
-                <a:sym typeface="Calibri"/>
-              </a:rPr>
-              <a:t>Ph.D. in mathematical modeling and computer simulations</a:t>
-            </a:r>
-            <a:endParaRPr sz="1600" b="0" i="0" u="none" strike="noStrike" cap="none">
-              <a:solidFill>
-                <a:srgbClr val="000000"/>
-              </a:solidFill>
-              <a:latin typeface="Calibri"/>
-              <a:ea typeface="Calibri"/>
-              <a:cs typeface="Calibri"/>
-              <a:sym typeface="Calibri"/>
-            </a:endParaRPr>
-          </a:p>
-          <a:p>
-            <a:pPr marL="0" marR="0" lvl="0" indent="0" algn="l" rtl="0">
-              <a:lnSpc>
-                <a:spcPct val="100000"/>
-              </a:lnSpc>
-              <a:spcBef>
-                <a:spcPts val="0"/>
-              </a:spcBef>
-              <a:spcAft>
-                <a:spcPts val="0"/>
-              </a:spcAft>
-              <a:buClr>
-                <a:schemeClr val="dk1"/>
-              </a:buClr>
-              <a:buSzPts val="1100"/>
-              <a:buFont typeface="Arial"/>
-              <a:buNone/>
-            </a:pPr>
-            <a:endParaRPr sz="1600" b="0" i="0" u="none" strike="noStrike" cap="none">
-              <a:solidFill>
-                <a:srgbClr val="000000"/>
-              </a:solidFill>
-              <a:latin typeface="Calibri"/>
-              <a:ea typeface="Calibri"/>
-              <a:cs typeface="Calibri"/>
-              <a:sym typeface="Calibri"/>
-            </a:endParaRPr>
-          </a:p>
-          <a:p>
-            <a:pPr marL="0" marR="0" lvl="0" indent="0" algn="l" rtl="0">
-              <a:lnSpc>
-                <a:spcPct val="100000"/>
-              </a:lnSpc>
-              <a:spcBef>
-                <a:spcPts val="0"/>
-              </a:spcBef>
-              <a:spcAft>
-                <a:spcPts val="0"/>
-              </a:spcAft>
-              <a:buClr>
-                <a:srgbClr val="000000"/>
-              </a:buClr>
-              <a:buSzPts val="1600"/>
-              <a:buFont typeface="Arial"/>
-              <a:buNone/>
-            </a:pPr>
-            <a:r>
-              <a:rPr lang="en" sz="1600" b="0" i="0" u="none" strike="noStrike" cap="none">
-                <a:solidFill>
-                  <a:srgbClr val="000000"/>
-                </a:solidFill>
-                <a:latin typeface="Calibri"/>
-                <a:ea typeface="Calibri"/>
-                <a:cs typeface="Calibri"/>
-                <a:sym typeface="Calibri"/>
-              </a:rPr>
-              <a:t>Interests: </a:t>
-            </a:r>
-            <a:endParaRPr sz="1600" b="0" i="0" u="none" strike="noStrike" cap="none">
-              <a:solidFill>
-                <a:srgbClr val="000000"/>
-              </a:solidFill>
-              <a:latin typeface="Calibri"/>
-              <a:ea typeface="Calibri"/>
-              <a:cs typeface="Calibri"/>
-              <a:sym typeface="Calibri"/>
-            </a:endParaRPr>
-          </a:p>
-          <a:p>
-            <a:pPr marL="457200" marR="0" lvl="0" indent="-330200" algn="l" rtl="0">
-              <a:lnSpc>
-                <a:spcPct val="100000"/>
-              </a:lnSpc>
-              <a:spcBef>
-                <a:spcPts val="0"/>
-              </a:spcBef>
-              <a:spcAft>
-                <a:spcPts val="0"/>
-              </a:spcAft>
-              <a:buClr>
-                <a:srgbClr val="000000"/>
-              </a:buClr>
-              <a:buSzPts val="1600"/>
-              <a:buFont typeface="Calibri"/>
-              <a:buChar char="●"/>
-            </a:pPr>
-            <a:r>
-              <a:rPr lang="en" sz="1600" b="0" i="0" u="none" strike="noStrike" cap="none">
-                <a:solidFill>
-                  <a:schemeClr val="dk1"/>
-                </a:solidFill>
-                <a:latin typeface="Calibri"/>
-                <a:ea typeface="Calibri"/>
-                <a:cs typeface="Calibri"/>
-                <a:sym typeface="Calibri"/>
-              </a:rPr>
-              <a:t>Generative AI, Using LLM with your data</a:t>
-            </a:r>
-            <a:endParaRPr sz="1600" b="0" i="0" u="none" strike="noStrike" cap="none">
-              <a:solidFill>
-                <a:schemeClr val="dk1"/>
-              </a:solidFill>
-              <a:latin typeface="Calibri"/>
-              <a:ea typeface="Calibri"/>
-              <a:cs typeface="Calibri"/>
-              <a:sym typeface="Calibri"/>
-            </a:endParaRPr>
-          </a:p>
-          <a:p>
-            <a:pPr marL="457200" marR="0" lvl="0" indent="-330200" algn="l" rtl="0">
-              <a:lnSpc>
-                <a:spcPct val="100000"/>
-              </a:lnSpc>
-              <a:spcBef>
-                <a:spcPts val="0"/>
-              </a:spcBef>
-              <a:spcAft>
-                <a:spcPts val="0"/>
-              </a:spcAft>
-              <a:buClr>
-                <a:schemeClr val="dk1"/>
-              </a:buClr>
-              <a:buSzPts val="1600"/>
-              <a:buFont typeface="Calibri"/>
-              <a:buChar char="●"/>
-            </a:pPr>
-            <a:r>
-              <a:rPr lang="en" sz="1600" b="0" i="0" u="none" strike="noStrike" cap="none">
-                <a:solidFill>
-                  <a:schemeClr val="dk1"/>
-                </a:solidFill>
-                <a:latin typeface="Calibri"/>
-                <a:ea typeface="Calibri"/>
-                <a:cs typeface="Calibri"/>
-                <a:sym typeface="Calibri"/>
-              </a:rPr>
-              <a:t>Local AI for Local Private Data</a:t>
-            </a:r>
-            <a:endParaRPr sz="1600" b="0" i="0" u="none" strike="noStrike" cap="none">
-              <a:solidFill>
-                <a:schemeClr val="dk1"/>
-              </a:solidFill>
-              <a:latin typeface="Calibri"/>
-              <a:ea typeface="Calibri"/>
-              <a:cs typeface="Calibri"/>
-              <a:sym typeface="Calibri"/>
-            </a:endParaRPr>
-          </a:p>
-          <a:p>
-            <a:pPr marL="457200" marR="0" lvl="0" indent="-330200" algn="l" rtl="0">
-              <a:lnSpc>
-                <a:spcPct val="100000"/>
-              </a:lnSpc>
-              <a:spcBef>
-                <a:spcPts val="0"/>
-              </a:spcBef>
-              <a:spcAft>
-                <a:spcPts val="0"/>
-              </a:spcAft>
-              <a:buClr>
-                <a:srgbClr val="000000"/>
-              </a:buClr>
-              <a:buSzPts val="1600"/>
-              <a:buFont typeface="Calibri"/>
-              <a:buChar char="●"/>
-            </a:pPr>
-            <a:r>
-              <a:rPr lang="en" sz="1600" b="0" i="0" u="none" strike="noStrike" cap="none">
-                <a:solidFill>
-                  <a:srgbClr val="000000"/>
-                </a:solidFill>
-                <a:latin typeface="Calibri"/>
-                <a:ea typeface="Calibri"/>
-                <a:cs typeface="Calibri"/>
-                <a:sym typeface="Calibri"/>
-              </a:rPr>
-              <a:t>Cloud architecture, fin-tech, application security</a:t>
-            </a:r>
-            <a:endParaRPr sz="1600" b="0" i="0" u="none" strike="noStrike" cap="none">
-              <a:solidFill>
-                <a:srgbClr val="000000"/>
-              </a:solidFill>
-              <a:latin typeface="Calibri"/>
-              <a:ea typeface="Calibri"/>
-              <a:cs typeface="Calibri"/>
-              <a:sym typeface="Calibri"/>
-            </a:endParaRPr>
-          </a:p>
-          <a:p>
-            <a:pPr marL="0" marR="0" lvl="0" indent="0" algn="l" rtl="0">
-              <a:lnSpc>
-                <a:spcPct val="100000"/>
-              </a:lnSpc>
-              <a:spcBef>
-                <a:spcPts val="0"/>
-              </a:spcBef>
-              <a:spcAft>
-                <a:spcPts val="0"/>
-              </a:spcAft>
-              <a:buClr>
-                <a:srgbClr val="000000"/>
-              </a:buClr>
-              <a:buSzPts val="1600"/>
-              <a:buFont typeface="Arial"/>
-              <a:buNone/>
-            </a:pPr>
-            <a:endParaRPr sz="1600" b="0" i="0" u="none" strike="noStrike" cap="none">
-              <a:solidFill>
-                <a:srgbClr val="000000"/>
-              </a:solidFill>
-              <a:latin typeface="Calibri"/>
-              <a:ea typeface="Calibri"/>
-              <a:cs typeface="Calibri"/>
-              <a:sym typeface="Calibri"/>
-            </a:endParaRPr>
-          </a:p>
-          <a:p>
-            <a:pPr marL="0" marR="0" lvl="0" indent="0" algn="l" rtl="0">
-              <a:lnSpc>
-                <a:spcPct val="100000"/>
-              </a:lnSpc>
-              <a:spcBef>
-                <a:spcPts val="0"/>
-              </a:spcBef>
-              <a:spcAft>
-                <a:spcPts val="0"/>
-              </a:spcAft>
-              <a:buClr>
-                <a:srgbClr val="000000"/>
-              </a:buClr>
-              <a:buSzPts val="1600"/>
-              <a:buFont typeface="Arial"/>
-              <a:buNone/>
-            </a:pPr>
-            <a:r>
-              <a:rPr lang="en" sz="1600" b="0" i="0" u="none" strike="noStrike" cap="none">
-                <a:solidFill>
-                  <a:srgbClr val="000000"/>
-                </a:solidFill>
-                <a:latin typeface="Calibri"/>
-                <a:ea typeface="Calibri"/>
-                <a:cs typeface="Calibri"/>
-                <a:sym typeface="Calibri"/>
-              </a:rPr>
-              <a:t>Find/connect: Linkedin, GitHub, YouTube, Google</a:t>
-            </a:r>
-            <a:endParaRPr sz="1600" b="0" i="0" u="none" strike="noStrike" cap="none">
-              <a:solidFill>
-                <a:srgbClr val="000000"/>
-              </a:solidFill>
-              <a:latin typeface="Calibri"/>
-              <a:ea typeface="Calibri"/>
-              <a:cs typeface="Calibri"/>
-              <a:sym typeface="Calibri"/>
-            </a:endParaRPr>
-          </a:p>
-        </p:txBody>
-      </p:sp>
       <p:pic>
         <p:nvPicPr>
-          <p:cNvPr id="276" name="Google Shape;276;p32"/>
+          <p:cNvPr id="291" name="Google Shape;291;p33"/>
           <p:cNvPicPr preferRelativeResize="0"/>
           <p:nvPr/>
         </p:nvPicPr>
-        <p:blipFill rotWithShape="1">
-          <a:blip r:embed="rId4" cstate="email">
+        <p:blipFill>
+          <a:blip r:embed="rId7" cstate="email">
             <a:alphaModFix/>
             <a:extLst>
               <a:ext uri="{28A0092B-C50C-407E-A947-70E740481C1C}">
@@ -21853,13 +24040,14 @@
               </a:ext>
             </a:extLst>
           </a:blip>
-          <a:srcRect/>
-          <a:stretch/>
+          <a:stretch>
+            <a:fillRect/>
+          </a:stretch>
         </p:blipFill>
         <p:spPr>
           <a:xfrm>
-            <a:off x="782341" y="3664175"/>
-            <a:ext cx="858450" cy="311906"/>
+            <a:off x="6150951" y="2543575"/>
+            <a:ext cx="1431450" cy="991750"/>
           </a:xfrm>
           <a:prstGeom prst="rect">
             <a:avLst/>
@@ -21870,16 +24058,29 @@
           </a:ln>
         </p:spPr>
       </p:pic>
-      <p:sp>
-        <p:nvSpPr>
-          <p:cNvPr id="277" name="Google Shape;277;p32"/>
-          <p:cNvSpPr txBox="1"/>
+      <p:pic>
+        <p:nvPicPr>
+          <p:cNvPr id="292" name="Google Shape;292;p33"/>
+          <p:cNvPicPr preferRelativeResize="0"/>
           <p:nvPr/>
-        </p:nvSpPr>
+        </p:nvPicPr>
+        <p:blipFill>
+          <a:blip r:embed="rId8" cstate="email">
+            <a:alphaModFix/>
+            <a:extLst>
+              <a:ext uri="{28A0092B-C50C-407E-A947-70E740481C1C}">
+                <a14:useLocalDpi xmlns:a14="http://schemas.microsoft.com/office/drawing/2010/main"/>
+              </a:ext>
+            </a:extLst>
+          </a:blip>
+          <a:stretch>
+            <a:fillRect/>
+          </a:stretch>
+        </p:blipFill>
         <p:spPr>
           <a:xfrm>
-            <a:off x="683777" y="4005903"/>
-            <a:ext cx="1391400" cy="431100"/>
+            <a:off x="5045394" y="3921294"/>
+            <a:ext cx="1285425" cy="855400"/>
           </a:xfrm>
           <a:prstGeom prst="rect">
             <a:avLst/>
@@ -21889,76 +24090,30 @@
             <a:noFill/>
           </a:ln>
         </p:spPr>
-        <p:txBody>
-          <a:bodyPr spcFirstLastPara="1" wrap="square" lIns="91425" tIns="91425" rIns="91425" bIns="91425" anchor="t" anchorCtr="0">
-            <a:spAutoFit/>
-          </a:bodyPr>
-          <a:lstStyle/>
-          <a:p>
-            <a:pPr marL="0" marR="0" lvl="0" indent="0" algn="l" rtl="0">
-              <a:lnSpc>
-                <a:spcPct val="100000"/>
-              </a:lnSpc>
-              <a:spcBef>
-                <a:spcPts val="0"/>
-              </a:spcBef>
-              <a:spcAft>
-                <a:spcPts val="0"/>
-              </a:spcAft>
-              <a:buClr>
-                <a:srgbClr val="000000"/>
-              </a:buClr>
-              <a:buSzPts val="1600"/>
-              <a:buFont typeface="Arial"/>
-              <a:buNone/>
-            </a:pPr>
-            <a:r>
-              <a:rPr lang="en" sz="1600" b="0" i="0" u="sng" strike="noStrike" cap="none">
-                <a:solidFill>
-                  <a:schemeClr val="hlink"/>
-                </a:solidFill>
-                <a:latin typeface="Calibri"/>
-                <a:ea typeface="Calibri"/>
-                <a:cs typeface="Calibri"/>
-                <a:sym typeface="Calibri"/>
-                <a:hlinkClick r:id="rId5"/>
-              </a:rPr>
-              <a:t>https://eais.ai</a:t>
-            </a:r>
-            <a:r>
-              <a:rPr lang="en" sz="1600" b="0" i="0" u="none" strike="noStrike" cap="none">
-                <a:solidFill>
-                  <a:srgbClr val="000000"/>
-                </a:solidFill>
-                <a:latin typeface="Calibri"/>
-                <a:ea typeface="Calibri"/>
-                <a:cs typeface="Calibri"/>
-                <a:sym typeface="Calibri"/>
-              </a:rPr>
-              <a:t> </a:t>
-            </a:r>
-            <a:endParaRPr sz="1600" b="0" i="0" u="none" strike="noStrike" cap="none">
-              <a:solidFill>
-                <a:srgbClr val="000000"/>
-              </a:solidFill>
-              <a:latin typeface="Calibri"/>
-              <a:ea typeface="Calibri"/>
-              <a:cs typeface="Calibri"/>
-              <a:sym typeface="Calibri"/>
-            </a:endParaRPr>
-          </a:p>
-        </p:txBody>
-      </p:sp>
-      <p:sp>
-        <p:nvSpPr>
-          <p:cNvPr id="278" name="Google Shape;278;p32"/>
-          <p:cNvSpPr txBox="1"/>
+      </p:pic>
+      <p:pic>
+        <p:nvPicPr>
+          <p:cNvPr id="293" name="Google Shape;293;p33"/>
+          <p:cNvPicPr preferRelativeResize="0"/>
           <p:nvPr/>
-        </p:nvSpPr>
+        </p:nvPicPr>
+        <p:blipFill>
+          <a:blip r:embed="rId9" cstate="email">
+            <a:alphaModFix/>
+            <a:extLst>
+              <a:ext uri="{28A0092B-C50C-407E-A947-70E740481C1C}">
+                <a14:useLocalDpi xmlns:a14="http://schemas.microsoft.com/office/drawing/2010/main"/>
+              </a:ext>
+            </a:extLst>
+          </a:blip>
+          <a:stretch>
+            <a:fillRect/>
+          </a:stretch>
+        </p:blipFill>
         <p:spPr>
           <a:xfrm>
-            <a:off x="307603" y="4360974"/>
-            <a:ext cx="2094000" cy="431100"/>
+            <a:off x="6589497" y="3784950"/>
+            <a:ext cx="2410503" cy="991750"/>
           </a:xfrm>
           <a:prstGeom prst="rect">
             <a:avLst/>
@@ -21968,144 +24123,7 @@
             <a:noFill/>
           </a:ln>
         </p:spPr>
-        <p:txBody>
-          <a:bodyPr spcFirstLastPara="1" wrap="square" lIns="91425" tIns="91425" rIns="91425" bIns="91425" anchor="t" anchorCtr="0">
-            <a:spAutoFit/>
-          </a:bodyPr>
-          <a:lstStyle/>
-          <a:p>
-            <a:pPr marL="0" marR="0" lvl="0" indent="0" algn="ctr" rtl="0">
-              <a:lnSpc>
-                <a:spcPct val="100000"/>
-              </a:lnSpc>
-              <a:spcBef>
-                <a:spcPts val="0"/>
-              </a:spcBef>
-              <a:spcAft>
-                <a:spcPts val="0"/>
-              </a:spcAft>
-              <a:buClr>
-                <a:schemeClr val="dk1"/>
-              </a:buClr>
-              <a:buSzPts val="1100"/>
-              <a:buFont typeface="Arial"/>
-              <a:buNone/>
-            </a:pPr>
-            <a:r>
-              <a:rPr lang="en" sz="1600" b="0" i="0" u="none" strike="noStrike" cap="none">
-                <a:solidFill>
-                  <a:srgbClr val="000000"/>
-                </a:solidFill>
-                <a:latin typeface="Calibri"/>
-                <a:ea typeface="Calibri"/>
-                <a:cs typeface="Calibri"/>
-                <a:sym typeface="Calibri"/>
-              </a:rPr>
-              <a:t>Enterprise AI Systems</a:t>
-            </a:r>
-            <a:endParaRPr sz="1600" b="0" i="0" u="none" strike="noStrike" cap="none">
-              <a:solidFill>
-                <a:srgbClr val="000000"/>
-              </a:solidFill>
-              <a:latin typeface="Calibri"/>
-              <a:ea typeface="Calibri"/>
-              <a:cs typeface="Calibri"/>
-              <a:sym typeface="Calibri"/>
-            </a:endParaRPr>
-          </a:p>
-        </p:txBody>
-      </p:sp>
-    </p:spTree>
-  </p:cSld>
-  <p:clrMapOvr>
-    <a:masterClrMapping/>
-  </p:clrMapOvr>
-</p:sld>
-</file>
-
-<file path=ppt/slides/slide19.xml><?xml version="1.0" encoding="utf-8"?>
-<p:sld xmlns:a="http://schemas.openxmlformats.org/drawingml/2006/main" xmlns:r="http://schemas.openxmlformats.org/officeDocument/2006/relationships" xmlns:p="http://schemas.openxmlformats.org/presentationml/2006/main">
-  <p:cSld>
-    <p:spTree>
-      <p:nvGrpSpPr>
-        <p:cNvPr id="1" name="Shape 282"/>
-        <p:cNvGrpSpPr/>
-        <p:nvPr/>
-      </p:nvGrpSpPr>
-      <p:grpSpPr>
-        <a:xfrm>
-          <a:off x="0" y="0"/>
-          <a:ext cx="0" cy="0"/>
-          <a:chOff x="0" y="0"/>
-          <a:chExt cx="0" cy="0"/>
-        </a:xfrm>
-      </p:grpSpPr>
-      <p:sp>
-        <p:nvSpPr>
-          <p:cNvPr id="283" name="Google Shape;283;p33"/>
-          <p:cNvSpPr txBox="1"/>
-          <p:nvPr/>
-        </p:nvSpPr>
-        <p:spPr>
-          <a:xfrm>
-            <a:off x="2151375" y="1533150"/>
-            <a:ext cx="4632600" cy="1262100"/>
-          </a:xfrm>
-          <a:prstGeom prst="rect">
-            <a:avLst/>
-          </a:prstGeom>
-          <a:noFill/>
-          <a:ln>
-            <a:noFill/>
-          </a:ln>
-        </p:spPr>
-        <p:txBody>
-          <a:bodyPr spcFirstLastPara="1" wrap="square" lIns="91425" tIns="91425" rIns="91425" bIns="91425" anchor="t" anchorCtr="0">
-            <a:spAutoFit/>
-          </a:bodyPr>
-          <a:lstStyle/>
-          <a:p>
-            <a:pPr marL="0" marR="0" lvl="0" indent="0" algn="ctr" rtl="0">
-              <a:lnSpc>
-                <a:spcPct val="100000"/>
-              </a:lnSpc>
-              <a:spcBef>
-                <a:spcPts val="0"/>
-              </a:spcBef>
-              <a:spcAft>
-                <a:spcPts val="0"/>
-              </a:spcAft>
-              <a:buClr>
-                <a:srgbClr val="000000"/>
-              </a:buClr>
-              <a:buSzPts val="7000"/>
-              <a:buFont typeface="Arial"/>
-              <a:buNone/>
-            </a:pPr>
-            <a:r>
-              <a:rPr lang="en" sz="7000" b="1" i="0" u="none" strike="noStrike" cap="none">
-                <a:solidFill>
-                  <a:srgbClr val="3C78D8"/>
-                </a:solidFill>
-                <a:latin typeface="Calibri"/>
-                <a:ea typeface="Calibri"/>
-                <a:cs typeface="Calibri"/>
-                <a:sym typeface="Calibri"/>
-              </a:rPr>
-              <a:t>Thank You!</a:t>
-            </a:r>
-            <a:endParaRPr sz="7000" b="1" i="0" u="none" strike="noStrike" cap="none">
-              <a:solidFill>
-                <a:srgbClr val="3C78D8"/>
-              </a:solidFill>
-              <a:latin typeface="Calibri"/>
-              <a:ea typeface="Calibri"/>
-              <a:cs typeface="Calibri"/>
-              <a:sym typeface="Calibri"/>
-            </a:endParaRPr>
-          </a:p>
-        </p:txBody>
-      </p:sp>
+      </p:pic>
     </p:spTree>
   </p:cSld>
   <p:clrMapOvr>
@@ -26232,7 +28250,7 @@
             <a:tbl>
               <a:tblPr>
                 <a:noFill/>
-                <a:tableStyleId>{1CC81F89-A67A-455B-93E2-C00796972269}</a:tableStyleId>
+                <a:tableStyleId>{F37E95AA-4546-418D-B601-3EF486D005B3}</a:tableStyleId>
               </a:tblPr>
               <a:tblGrid>
                 <a:gridCol w="2018175">
@@ -29988,7 +32006,7 @@
             <a:tbl>
               <a:tblPr>
                 <a:noFill/>
-                <a:tableStyleId>{1CC81F89-A67A-455B-93E2-C00796972269}</a:tableStyleId>
+                <a:tableStyleId>{F37E95AA-4546-418D-B601-3EF486D005B3}</a:tableStyleId>
               </a:tblPr>
               <a:tblGrid>
                 <a:gridCol w="2149075">
@@ -34491,6 +36509,1627 @@
 </p:sld>
 </file>
 
+<file path=ppt/slides/slide20.xml><?xml version="1.0" encoding="utf-8"?>
+<p:sld xmlns:a="http://schemas.openxmlformats.org/drawingml/2006/main" xmlns:r="http://schemas.openxmlformats.org/officeDocument/2006/relationships" xmlns:p="http://schemas.openxmlformats.org/presentationml/2006/main">
+  <p:cSld>
+    <p:spTree>
+      <p:nvGrpSpPr>
+        <p:cNvPr id="1" name="Shape 297"/>
+        <p:cNvGrpSpPr/>
+        <p:nvPr/>
+      </p:nvGrpSpPr>
+      <p:grpSpPr>
+        <a:xfrm>
+          <a:off x="0" y="0"/>
+          <a:ext cx="0" cy="0"/>
+          <a:chOff x="0" y="0"/>
+          <a:chExt cx="0" cy="0"/>
+        </a:xfrm>
+      </p:grpSpPr>
+      <p:sp>
+        <p:nvSpPr>
+          <p:cNvPr id="298" name="Google Shape;298;p34"/>
+          <p:cNvSpPr txBox="1"/>
+          <p:nvPr/>
+        </p:nvSpPr>
+        <p:spPr>
+          <a:xfrm>
+            <a:off x="67350" y="52750"/>
+            <a:ext cx="3179400" cy="326400"/>
+          </a:xfrm>
+          <a:prstGeom prst="rect">
+            <a:avLst/>
+          </a:prstGeom>
+          <a:noFill/>
+          <a:ln>
+            <a:noFill/>
+          </a:ln>
+        </p:spPr>
+        <p:txBody>
+          <a:bodyPr spcFirstLastPara="1" wrap="square" lIns="9125" tIns="9125" rIns="9125" bIns="9125" anchor="t" anchorCtr="0">
+            <a:spAutoFit/>
+          </a:bodyPr>
+          <a:lstStyle/>
+          <a:p>
+            <a:pPr marL="0" marR="0" lvl="0" indent="0" algn="l" rtl="0">
+              <a:lnSpc>
+                <a:spcPct val="100000"/>
+              </a:lnSpc>
+              <a:spcBef>
+                <a:spcPts val="0"/>
+              </a:spcBef>
+              <a:spcAft>
+                <a:spcPts val="0"/>
+              </a:spcAft>
+              <a:buClr>
+                <a:schemeClr val="dk1"/>
+              </a:buClr>
+              <a:buSzPts val="1100"/>
+              <a:buFont typeface="Arial"/>
+              <a:buNone/>
+            </a:pPr>
+            <a:r>
+              <a:rPr lang="en" sz="2000" b="1" i="0" u="none" strike="noStrike" cap="none">
+                <a:solidFill>
+                  <a:schemeClr val="dk1"/>
+                </a:solidFill>
+                <a:latin typeface="Calibri"/>
+                <a:ea typeface="Calibri"/>
+                <a:cs typeface="Calibri"/>
+                <a:sym typeface="Calibri"/>
+              </a:rPr>
+              <a:t>Jobs</a:t>
+            </a:r>
+            <a:endParaRPr sz="2000" b="1" i="0" u="none" strike="noStrike" cap="none">
+              <a:solidFill>
+                <a:schemeClr val="dk1"/>
+              </a:solidFill>
+              <a:latin typeface="Calibri"/>
+              <a:ea typeface="Calibri"/>
+              <a:cs typeface="Calibri"/>
+              <a:sym typeface="Calibri"/>
+            </a:endParaRPr>
+          </a:p>
+        </p:txBody>
+      </p:sp>
+      <p:sp>
+        <p:nvSpPr>
+          <p:cNvPr id="299" name="Google Shape;299;p34"/>
+          <p:cNvSpPr txBox="1"/>
+          <p:nvPr/>
+        </p:nvSpPr>
+        <p:spPr>
+          <a:xfrm>
+            <a:off x="2102050" y="77475"/>
+            <a:ext cx="1800600" cy="387900"/>
+          </a:xfrm>
+          <a:prstGeom prst="rect">
+            <a:avLst/>
+          </a:prstGeom>
+          <a:solidFill>
+            <a:srgbClr val="FFF2CC"/>
+          </a:solidFill>
+          <a:ln w="9525" cap="flat" cmpd="sng">
+            <a:solidFill>
+              <a:srgbClr val="FF0000"/>
+            </a:solidFill>
+            <a:prstDash val="solid"/>
+            <a:round/>
+            <a:headEnd type="none" w="sm" len="sm"/>
+            <a:tailEnd type="none" w="sm" len="sm"/>
+          </a:ln>
+        </p:spPr>
+        <p:txBody>
+          <a:bodyPr spcFirstLastPara="1" wrap="square" lIns="9125" tIns="9125" rIns="9125" bIns="9125" anchor="t" anchorCtr="0">
+            <a:spAutoFit/>
+          </a:bodyPr>
+          <a:lstStyle/>
+          <a:p>
+            <a:pPr marL="171450" marR="0" lvl="0" indent="-133350" algn="l" rtl="0">
+              <a:lnSpc>
+                <a:spcPct val="100000"/>
+              </a:lnSpc>
+              <a:spcBef>
+                <a:spcPts val="0"/>
+              </a:spcBef>
+              <a:spcAft>
+                <a:spcPts val="0"/>
+              </a:spcAft>
+              <a:buSzPts val="1200"/>
+              <a:buFont typeface="Calibri"/>
+              <a:buChar char="●"/>
+            </a:pPr>
+            <a:r>
+              <a:rPr lang="en" sz="1200" b="0" i="0" u="sng" strike="noStrike" cap="none">
+                <a:solidFill>
+                  <a:schemeClr val="hlink"/>
+                </a:solidFill>
+                <a:latin typeface="Calibri"/>
+                <a:ea typeface="Calibri"/>
+                <a:cs typeface="Calibri"/>
+                <a:sym typeface="Calibri"/>
+                <a:hlinkClick r:id="rId3"/>
+              </a:rPr>
+              <a:t>https://layoffs.fyi</a:t>
+            </a:r>
+            <a:endParaRPr sz="1200">
+              <a:latin typeface="Calibri"/>
+              <a:ea typeface="Calibri"/>
+              <a:cs typeface="Calibri"/>
+              <a:sym typeface="Calibri"/>
+            </a:endParaRPr>
+          </a:p>
+          <a:p>
+            <a:pPr marL="171450" marR="0" lvl="0" indent="-133350" algn="l" rtl="0">
+              <a:lnSpc>
+                <a:spcPct val="100000"/>
+              </a:lnSpc>
+              <a:spcBef>
+                <a:spcPts val="0"/>
+              </a:spcBef>
+              <a:spcAft>
+                <a:spcPts val="0"/>
+              </a:spcAft>
+              <a:buSzPts val="1200"/>
+              <a:buFont typeface="Calibri"/>
+              <a:buChar char="●"/>
+            </a:pPr>
+            <a:r>
+              <a:rPr lang="en" sz="1200" u="sng">
+                <a:solidFill>
+                  <a:schemeClr val="hlink"/>
+                </a:solidFill>
+                <a:latin typeface="Calibri"/>
+                <a:ea typeface="Calibri"/>
+                <a:cs typeface="Calibri"/>
+                <a:sym typeface="Calibri"/>
+                <a:hlinkClick r:id="rId4"/>
+              </a:rPr>
+              <a:t>https://trueup.io/layoffs</a:t>
+            </a:r>
+            <a:r>
+              <a:rPr lang="en" sz="1200">
+                <a:latin typeface="Calibri"/>
+                <a:ea typeface="Calibri"/>
+                <a:cs typeface="Calibri"/>
+                <a:sym typeface="Calibri"/>
+              </a:rPr>
+              <a:t> </a:t>
+            </a:r>
+            <a:r>
+              <a:rPr lang="en" sz="1200" b="0" i="0" u="none" strike="noStrike" cap="none">
+                <a:solidFill>
+                  <a:srgbClr val="000000"/>
+                </a:solidFill>
+                <a:latin typeface="Calibri"/>
+                <a:ea typeface="Calibri"/>
+                <a:cs typeface="Calibri"/>
+                <a:sym typeface="Calibri"/>
+              </a:rPr>
+              <a:t> </a:t>
+            </a:r>
+            <a:endParaRPr sz="1200" b="0" i="0" u="none" strike="noStrike" cap="none">
+              <a:solidFill>
+                <a:srgbClr val="000000"/>
+              </a:solidFill>
+              <a:latin typeface="Calibri"/>
+              <a:ea typeface="Calibri"/>
+              <a:cs typeface="Calibri"/>
+              <a:sym typeface="Calibri"/>
+            </a:endParaRPr>
+          </a:p>
+        </p:txBody>
+      </p:sp>
+      <p:sp>
+        <p:nvSpPr>
+          <p:cNvPr id="300" name="Google Shape;300;p34"/>
+          <p:cNvSpPr txBox="1"/>
+          <p:nvPr/>
+        </p:nvSpPr>
+        <p:spPr>
+          <a:xfrm>
+            <a:off x="5743175" y="77475"/>
+            <a:ext cx="2607300" cy="757200"/>
+          </a:xfrm>
+          <a:prstGeom prst="rect">
+            <a:avLst/>
+          </a:prstGeom>
+          <a:solidFill>
+            <a:srgbClr val="FFF2CC"/>
+          </a:solidFill>
+          <a:ln w="9525" cap="flat" cmpd="sng">
+            <a:solidFill>
+              <a:srgbClr val="FF0000"/>
+            </a:solidFill>
+            <a:prstDash val="solid"/>
+            <a:round/>
+            <a:headEnd type="none" w="sm" len="sm"/>
+            <a:tailEnd type="none" w="sm" len="sm"/>
+          </a:ln>
+        </p:spPr>
+        <p:txBody>
+          <a:bodyPr spcFirstLastPara="1" wrap="square" lIns="9125" tIns="9125" rIns="9125" bIns="9125" anchor="t" anchorCtr="0">
+            <a:spAutoFit/>
+          </a:bodyPr>
+          <a:lstStyle/>
+          <a:p>
+            <a:pPr marL="171450" marR="0" lvl="0" indent="-133350" algn="l" rtl="0">
+              <a:lnSpc>
+                <a:spcPct val="100000"/>
+              </a:lnSpc>
+              <a:spcBef>
+                <a:spcPts val="0"/>
+              </a:spcBef>
+              <a:spcAft>
+                <a:spcPts val="0"/>
+              </a:spcAft>
+              <a:buSzPts val="1200"/>
+              <a:buFont typeface="Calibri"/>
+              <a:buChar char="●"/>
+            </a:pPr>
+            <a:r>
+              <a:rPr lang="en" sz="1200">
+                <a:latin typeface="Calibri"/>
+                <a:ea typeface="Calibri"/>
+                <a:cs typeface="Calibri"/>
+                <a:sym typeface="Calibri"/>
+              </a:rPr>
+              <a:t>Tech Layoffs in 2025: 80,150  people</a:t>
+            </a:r>
+            <a:endParaRPr sz="1200">
+              <a:latin typeface="Calibri"/>
+              <a:ea typeface="Calibri"/>
+              <a:cs typeface="Calibri"/>
+              <a:sym typeface="Calibri"/>
+            </a:endParaRPr>
+          </a:p>
+          <a:p>
+            <a:pPr marL="0" marR="0" lvl="0" indent="0" algn="l" rtl="0">
+              <a:lnSpc>
+                <a:spcPct val="100000"/>
+              </a:lnSpc>
+              <a:spcBef>
+                <a:spcPts val="0"/>
+              </a:spcBef>
+              <a:spcAft>
+                <a:spcPts val="0"/>
+              </a:spcAft>
+              <a:buNone/>
+            </a:pPr>
+            <a:r>
+              <a:rPr lang="en" sz="1200">
+                <a:latin typeface="Calibri"/>
+                <a:ea typeface="Calibri"/>
+                <a:cs typeface="Calibri"/>
+                <a:sym typeface="Calibri"/>
+              </a:rPr>
+              <a:t>     (as of July 24, 2025)</a:t>
+            </a:r>
+            <a:endParaRPr sz="1200">
+              <a:latin typeface="Calibri"/>
+              <a:ea typeface="Calibri"/>
+              <a:cs typeface="Calibri"/>
+              <a:sym typeface="Calibri"/>
+            </a:endParaRPr>
+          </a:p>
+          <a:p>
+            <a:pPr marL="171450" marR="0" lvl="0" indent="-133350" algn="l" rtl="0">
+              <a:lnSpc>
+                <a:spcPct val="100000"/>
+              </a:lnSpc>
+              <a:spcBef>
+                <a:spcPts val="0"/>
+              </a:spcBef>
+              <a:spcAft>
+                <a:spcPts val="0"/>
+              </a:spcAft>
+              <a:buSzPts val="1200"/>
+              <a:buFont typeface="Calibri"/>
+              <a:buChar char="●"/>
+            </a:pPr>
+            <a:r>
+              <a:rPr lang="en" sz="1200">
+                <a:latin typeface="Calibri"/>
+                <a:ea typeface="Calibri"/>
+                <a:cs typeface="Calibri"/>
+                <a:sym typeface="Calibri"/>
+              </a:rPr>
+              <a:t>Compared to 2024: 152,922 people</a:t>
+            </a:r>
+            <a:endParaRPr sz="1200">
+              <a:latin typeface="Calibri"/>
+              <a:ea typeface="Calibri"/>
+              <a:cs typeface="Calibri"/>
+              <a:sym typeface="Calibri"/>
+            </a:endParaRPr>
+          </a:p>
+          <a:p>
+            <a:pPr marL="171450" marR="0" lvl="0" indent="-133350" algn="l" rtl="0">
+              <a:lnSpc>
+                <a:spcPct val="100000"/>
+              </a:lnSpc>
+              <a:spcBef>
+                <a:spcPts val="0"/>
+              </a:spcBef>
+              <a:spcAft>
+                <a:spcPts val="0"/>
+              </a:spcAft>
+              <a:buSzPts val="1200"/>
+              <a:buFont typeface="Calibri"/>
+              <a:buChar char="●"/>
+            </a:pPr>
+            <a:r>
+              <a:rPr lang="en" sz="1200" i="0" u="sng" strike="noStrike" cap="none">
+                <a:solidFill>
+                  <a:schemeClr val="hlink"/>
+                </a:solidFill>
+                <a:latin typeface="Calibri"/>
+                <a:ea typeface="Calibri"/>
+                <a:cs typeface="Calibri"/>
+                <a:sym typeface="Calibri"/>
+                <a:hlinkClick r:id="rId3"/>
+              </a:rPr>
+              <a:t>https://layoffs</a:t>
+            </a:r>
+            <a:endParaRPr sz="1200" i="0" u="none" strike="noStrike" cap="none">
+              <a:solidFill>
+                <a:srgbClr val="000000"/>
+              </a:solidFill>
+              <a:latin typeface="Calibri"/>
+              <a:ea typeface="Calibri"/>
+              <a:cs typeface="Calibri"/>
+              <a:sym typeface="Calibri"/>
+            </a:endParaRPr>
+          </a:p>
+        </p:txBody>
+      </p:sp>
+      <p:pic>
+        <p:nvPicPr>
+          <p:cNvPr id="301" name="Google Shape;301;p34"/>
+          <p:cNvPicPr preferRelativeResize="0"/>
+          <p:nvPr/>
+        </p:nvPicPr>
+        <p:blipFill>
+          <a:blip r:embed="rId5" cstate="email">
+            <a:alphaModFix/>
+            <a:extLst>
+              <a:ext uri="{28A0092B-C50C-407E-A947-70E740481C1C}">
+                <a14:useLocalDpi xmlns:a14="http://schemas.microsoft.com/office/drawing/2010/main"/>
+              </a:ext>
+            </a:extLst>
+          </a:blip>
+          <a:stretch>
+            <a:fillRect/>
+          </a:stretch>
+        </p:blipFill>
+        <p:spPr>
+          <a:xfrm>
+            <a:off x="152400" y="505780"/>
+            <a:ext cx="5322102" cy="1976621"/>
+          </a:xfrm>
+          <a:prstGeom prst="rect">
+            <a:avLst/>
+          </a:prstGeom>
+          <a:noFill/>
+          <a:ln w="9525" cap="flat" cmpd="sng">
+            <a:solidFill>
+              <a:srgbClr val="FF0000"/>
+            </a:solidFill>
+            <a:prstDash val="solid"/>
+            <a:round/>
+            <a:headEnd type="none" w="sm" len="sm"/>
+            <a:tailEnd type="none" w="sm" len="sm"/>
+          </a:ln>
+        </p:spPr>
+      </p:pic>
+      <p:sp>
+        <p:nvSpPr>
+          <p:cNvPr id="302" name="Google Shape;302;p34"/>
+          <p:cNvSpPr txBox="1"/>
+          <p:nvPr/>
+        </p:nvSpPr>
+        <p:spPr>
+          <a:xfrm>
+            <a:off x="5639650" y="1413225"/>
+            <a:ext cx="3426600" cy="2973900"/>
+          </a:xfrm>
+          <a:prstGeom prst="rect">
+            <a:avLst/>
+          </a:prstGeom>
+          <a:solidFill>
+            <a:srgbClr val="FCE5CD"/>
+          </a:solidFill>
+          <a:ln w="9525" cap="flat" cmpd="sng">
+            <a:solidFill>
+              <a:srgbClr val="FF0000"/>
+            </a:solidFill>
+            <a:prstDash val="solid"/>
+            <a:round/>
+            <a:headEnd type="none" w="sm" len="sm"/>
+            <a:tailEnd type="none" w="sm" len="sm"/>
+          </a:ln>
+        </p:spPr>
+        <p:txBody>
+          <a:bodyPr spcFirstLastPara="1" wrap="square" lIns="9125" tIns="9125" rIns="9125" bIns="9125" anchor="t" anchorCtr="0">
+            <a:spAutoFit/>
+          </a:bodyPr>
+          <a:lstStyle/>
+          <a:p>
+            <a:pPr marL="0" marR="0" lvl="0" indent="0" algn="l" rtl="0">
+              <a:lnSpc>
+                <a:spcPct val="100000"/>
+              </a:lnSpc>
+              <a:spcBef>
+                <a:spcPts val="0"/>
+              </a:spcBef>
+              <a:spcAft>
+                <a:spcPts val="0"/>
+              </a:spcAft>
+              <a:buNone/>
+            </a:pPr>
+            <a:r>
+              <a:rPr lang="en" sz="1200">
+                <a:latin typeface="Calibri"/>
+                <a:ea typeface="Calibri"/>
+                <a:cs typeface="Calibri"/>
+                <a:sym typeface="Calibri"/>
+              </a:rPr>
+              <a:t>From Peter Diamandis:</a:t>
+            </a:r>
+            <a:endParaRPr sz="1200">
+              <a:latin typeface="Calibri"/>
+              <a:ea typeface="Calibri"/>
+              <a:cs typeface="Calibri"/>
+              <a:sym typeface="Calibri"/>
+            </a:endParaRPr>
+          </a:p>
+          <a:p>
+            <a:pPr marL="171450" marR="0" lvl="0" indent="-133350" algn="l" rtl="0">
+              <a:lnSpc>
+                <a:spcPct val="100000"/>
+              </a:lnSpc>
+              <a:spcBef>
+                <a:spcPts val="0"/>
+              </a:spcBef>
+              <a:spcAft>
+                <a:spcPts val="0"/>
+              </a:spcAft>
+              <a:buSzPts val="1200"/>
+              <a:buFont typeface="Calibri"/>
+              <a:buChar char="●"/>
+            </a:pPr>
+            <a:r>
+              <a:rPr lang="en" sz="1200">
+                <a:latin typeface="Calibri"/>
+                <a:ea typeface="Calibri"/>
+                <a:cs typeface="Calibri"/>
+                <a:sym typeface="Calibri"/>
+              </a:rPr>
+              <a:t>White-collar job postings fell 12.7% from 2024 to 2025, with demand for business analysts and developers dropping twice as fast. </a:t>
+            </a:r>
+            <a:endParaRPr sz="1200">
+              <a:latin typeface="Calibri"/>
+              <a:ea typeface="Calibri"/>
+              <a:cs typeface="Calibri"/>
+              <a:sym typeface="Calibri"/>
+            </a:endParaRPr>
+          </a:p>
+          <a:p>
+            <a:pPr marL="171450" marR="0" lvl="0" indent="-133350" algn="l" rtl="0">
+              <a:lnSpc>
+                <a:spcPct val="100000"/>
+              </a:lnSpc>
+              <a:spcBef>
+                <a:spcPts val="0"/>
+              </a:spcBef>
+              <a:spcAft>
+                <a:spcPts val="0"/>
+              </a:spcAft>
+              <a:buSzPts val="1200"/>
+              <a:buFont typeface="Calibri"/>
+              <a:buChar char="●"/>
+            </a:pPr>
+            <a:r>
+              <a:rPr lang="en" sz="1200">
+                <a:latin typeface="Calibri"/>
+                <a:ea typeface="Calibri"/>
+                <a:cs typeface="Calibri"/>
+                <a:sym typeface="Calibri"/>
+              </a:rPr>
+              <a:t>Meanwhile, Anthropic's CEO </a:t>
+            </a:r>
+            <a:r>
+              <a:rPr lang="en" sz="1200">
+                <a:solidFill>
+                  <a:schemeClr val="dk1"/>
+                </a:solidFill>
+                <a:latin typeface="Calibri"/>
+                <a:ea typeface="Calibri"/>
+                <a:cs typeface="Calibri"/>
+                <a:sym typeface="Calibri"/>
+              </a:rPr>
+              <a:t>Dario Amodei </a:t>
+            </a:r>
+            <a:r>
+              <a:rPr lang="en" sz="1200">
+                <a:latin typeface="Calibri"/>
+                <a:ea typeface="Calibri"/>
+                <a:cs typeface="Calibri"/>
+                <a:sym typeface="Calibri"/>
+              </a:rPr>
+              <a:t>predicts that within 5 years, 50% of all entry-level </a:t>
+            </a:r>
+            <a:r>
+              <a:rPr lang="en" sz="1200">
+                <a:solidFill>
+                  <a:schemeClr val="dk1"/>
+                </a:solidFill>
+                <a:latin typeface="Calibri"/>
+                <a:ea typeface="Calibri"/>
+                <a:cs typeface="Calibri"/>
+                <a:sym typeface="Calibri"/>
+              </a:rPr>
+              <a:t>white-collar jobs</a:t>
+            </a:r>
+            <a:r>
+              <a:rPr lang="en" sz="1200">
+                <a:latin typeface="Calibri"/>
+                <a:ea typeface="Calibri"/>
+                <a:cs typeface="Calibri"/>
+                <a:sym typeface="Calibri"/>
+              </a:rPr>
+              <a:t> will be fully automated, potentially spiking unemployment to 10-20%</a:t>
+            </a:r>
+            <a:endParaRPr sz="1200">
+              <a:latin typeface="Calibri"/>
+              <a:ea typeface="Calibri"/>
+              <a:cs typeface="Calibri"/>
+              <a:sym typeface="Calibri"/>
+            </a:endParaRPr>
+          </a:p>
+          <a:p>
+            <a:pPr marL="0" marR="0" lvl="0" indent="0" algn="l" rtl="0">
+              <a:lnSpc>
+                <a:spcPct val="100000"/>
+              </a:lnSpc>
+              <a:spcBef>
+                <a:spcPts val="0"/>
+              </a:spcBef>
+              <a:spcAft>
+                <a:spcPts val="0"/>
+              </a:spcAft>
+              <a:buNone/>
+            </a:pPr>
+            <a:endParaRPr sz="1200">
+              <a:latin typeface="Calibri"/>
+              <a:ea typeface="Calibri"/>
+              <a:cs typeface="Calibri"/>
+              <a:sym typeface="Calibri"/>
+            </a:endParaRPr>
+          </a:p>
+          <a:p>
+            <a:pPr marL="0" marR="0" lvl="0" indent="0" algn="l" rtl="0">
+              <a:lnSpc>
+                <a:spcPct val="100000"/>
+              </a:lnSpc>
+              <a:spcBef>
+                <a:spcPts val="0"/>
+              </a:spcBef>
+              <a:spcAft>
+                <a:spcPts val="0"/>
+              </a:spcAft>
+              <a:buNone/>
+            </a:pPr>
+            <a:r>
+              <a:rPr lang="en" sz="1200">
+                <a:latin typeface="Calibri"/>
+                <a:ea typeface="Calibri"/>
+                <a:cs typeface="Calibri"/>
+                <a:sym typeface="Calibri"/>
+              </a:rPr>
+              <a:t>What to do:</a:t>
+            </a:r>
+            <a:endParaRPr sz="1200">
+              <a:latin typeface="Calibri"/>
+              <a:ea typeface="Calibri"/>
+              <a:cs typeface="Calibri"/>
+              <a:sym typeface="Calibri"/>
+            </a:endParaRPr>
+          </a:p>
+          <a:p>
+            <a:pPr marL="228600" marR="0" lvl="0" indent="-133350" algn="l" rtl="0">
+              <a:lnSpc>
+                <a:spcPct val="100000"/>
+              </a:lnSpc>
+              <a:spcBef>
+                <a:spcPts val="0"/>
+              </a:spcBef>
+              <a:spcAft>
+                <a:spcPts val="0"/>
+              </a:spcAft>
+              <a:buSzPts val="1200"/>
+              <a:buFont typeface="Calibri"/>
+              <a:buAutoNum type="arabicPeriod"/>
+            </a:pPr>
+            <a:r>
+              <a:rPr lang="en" sz="1200">
+                <a:latin typeface="Calibri"/>
+                <a:ea typeface="Calibri"/>
+                <a:cs typeface="Calibri"/>
+                <a:sym typeface="Calibri"/>
+              </a:rPr>
+              <a:t>Shift From Job Applicant to Entrepreneur's Mindset</a:t>
+            </a:r>
+            <a:endParaRPr sz="1200">
+              <a:latin typeface="Calibri"/>
+              <a:ea typeface="Calibri"/>
+              <a:cs typeface="Calibri"/>
+              <a:sym typeface="Calibri"/>
+            </a:endParaRPr>
+          </a:p>
+          <a:p>
+            <a:pPr marL="228600" marR="0" lvl="0" indent="-133350" algn="l" rtl="0">
+              <a:lnSpc>
+                <a:spcPct val="100000"/>
+              </a:lnSpc>
+              <a:spcBef>
+                <a:spcPts val="0"/>
+              </a:spcBef>
+              <a:spcAft>
+                <a:spcPts val="0"/>
+              </a:spcAft>
+              <a:buSzPts val="1200"/>
+              <a:buFont typeface="Calibri"/>
+              <a:buAutoNum type="arabicPeriod"/>
+            </a:pPr>
+            <a:r>
+              <a:rPr lang="en" sz="1200">
+                <a:latin typeface="Calibri"/>
+                <a:ea typeface="Calibri"/>
+                <a:cs typeface="Calibri"/>
+                <a:sym typeface="Calibri"/>
+              </a:rPr>
+              <a:t>Develop Curiosity and Adaptability</a:t>
+            </a:r>
+            <a:endParaRPr sz="1200">
+              <a:latin typeface="Calibri"/>
+              <a:ea typeface="Calibri"/>
+              <a:cs typeface="Calibri"/>
+              <a:sym typeface="Calibri"/>
+            </a:endParaRPr>
+          </a:p>
+          <a:p>
+            <a:pPr marL="228600" marR="0" lvl="0" indent="-133350" algn="l" rtl="0">
+              <a:lnSpc>
+                <a:spcPct val="100000"/>
+              </a:lnSpc>
+              <a:spcBef>
+                <a:spcPts val="0"/>
+              </a:spcBef>
+              <a:spcAft>
+                <a:spcPts val="0"/>
+              </a:spcAft>
+              <a:buSzPts val="1200"/>
+              <a:buFont typeface="Calibri"/>
+              <a:buAutoNum type="arabicPeriod"/>
+            </a:pPr>
+            <a:r>
+              <a:rPr lang="en" sz="1200">
+                <a:latin typeface="Calibri"/>
+                <a:ea typeface="Calibri"/>
+                <a:cs typeface="Calibri"/>
+                <a:sym typeface="Calibri"/>
+              </a:rPr>
+              <a:t>Execute the "Singularity Sprint" (before AI erodes human leverage entirely)</a:t>
+            </a:r>
+            <a:endParaRPr sz="1200">
+              <a:latin typeface="Calibri"/>
+              <a:ea typeface="Calibri"/>
+              <a:cs typeface="Calibri"/>
+              <a:sym typeface="Calibri"/>
+            </a:endParaRPr>
+          </a:p>
+          <a:p>
+            <a:pPr marL="228600" marR="0" lvl="0" indent="-133350" algn="l" rtl="0">
+              <a:lnSpc>
+                <a:spcPct val="100000"/>
+              </a:lnSpc>
+              <a:spcBef>
+                <a:spcPts val="0"/>
+              </a:spcBef>
+              <a:spcAft>
+                <a:spcPts val="0"/>
+              </a:spcAft>
+              <a:buSzPts val="1200"/>
+              <a:buFont typeface="Calibri"/>
+              <a:buAutoNum type="arabicPeriod"/>
+            </a:pPr>
+            <a:r>
+              <a:rPr lang="en" sz="1200">
+                <a:latin typeface="Calibri"/>
+                <a:ea typeface="Calibri"/>
+                <a:cs typeface="Calibri"/>
+                <a:sym typeface="Calibri"/>
+              </a:rPr>
+              <a:t>Expect Short-term Pain Before Long-term Abundance</a:t>
+            </a:r>
+            <a:endParaRPr sz="1200">
+              <a:latin typeface="Calibri"/>
+              <a:ea typeface="Calibri"/>
+              <a:cs typeface="Calibri"/>
+              <a:sym typeface="Calibri"/>
+            </a:endParaRPr>
+          </a:p>
+        </p:txBody>
+      </p:sp>
+      <p:pic>
+        <p:nvPicPr>
+          <p:cNvPr id="303" name="Google Shape;303;p34"/>
+          <p:cNvPicPr preferRelativeResize="0"/>
+          <p:nvPr/>
+        </p:nvPicPr>
+        <p:blipFill>
+          <a:blip r:embed="rId6" cstate="email">
+            <a:alphaModFix/>
+            <a:extLst>
+              <a:ext uri="{28A0092B-C50C-407E-A947-70E740481C1C}">
+                <a14:useLocalDpi xmlns:a14="http://schemas.microsoft.com/office/drawing/2010/main"/>
+              </a:ext>
+            </a:extLst>
+          </a:blip>
+          <a:stretch>
+            <a:fillRect/>
+          </a:stretch>
+        </p:blipFill>
+        <p:spPr>
+          <a:xfrm>
+            <a:off x="152400" y="2634800"/>
+            <a:ext cx="5322101" cy="2456770"/>
+          </a:xfrm>
+          <a:prstGeom prst="rect">
+            <a:avLst/>
+          </a:prstGeom>
+          <a:noFill/>
+          <a:ln w="9525" cap="flat" cmpd="sng">
+            <a:solidFill>
+              <a:srgbClr val="FF0000"/>
+            </a:solidFill>
+            <a:prstDash val="solid"/>
+            <a:round/>
+            <a:headEnd type="none" w="sm" len="sm"/>
+            <a:tailEnd type="none" w="sm" len="sm"/>
+          </a:ln>
+        </p:spPr>
+      </p:pic>
+    </p:spTree>
+  </p:cSld>
+  <p:clrMapOvr>
+    <a:masterClrMapping/>
+  </p:clrMapOvr>
+</p:sld>
+</file>
+
+<file path=ppt/slides/slide21.xml><?xml version="1.0" encoding="utf-8"?>
+<p:sld xmlns:a="http://schemas.openxmlformats.org/drawingml/2006/main" xmlns:r="http://schemas.openxmlformats.org/officeDocument/2006/relationships" xmlns:p="http://schemas.openxmlformats.org/presentationml/2006/main">
+  <p:cSld>
+    <p:spTree>
+      <p:nvGrpSpPr>
+        <p:cNvPr id="1" name="Shape 307"/>
+        <p:cNvGrpSpPr/>
+        <p:nvPr/>
+      </p:nvGrpSpPr>
+      <p:grpSpPr>
+        <a:xfrm>
+          <a:off x="0" y="0"/>
+          <a:ext cx="0" cy="0"/>
+          <a:chOff x="0" y="0"/>
+          <a:chExt cx="0" cy="0"/>
+        </a:xfrm>
+      </p:grpSpPr>
+      <p:pic>
+        <p:nvPicPr>
+          <p:cNvPr id="308" name="Google Shape;308;p35"/>
+          <p:cNvPicPr preferRelativeResize="0"/>
+          <p:nvPr/>
+        </p:nvPicPr>
+        <p:blipFill rotWithShape="1">
+          <a:blip r:embed="rId3" cstate="email">
+            <a:alphaModFix/>
+            <a:extLst>
+              <a:ext uri="{28A0092B-C50C-407E-A947-70E740481C1C}">
+                <a14:useLocalDpi xmlns:a14="http://schemas.microsoft.com/office/drawing/2010/main"/>
+              </a:ext>
+            </a:extLst>
+          </a:blip>
+          <a:srcRect/>
+          <a:stretch/>
+        </p:blipFill>
+        <p:spPr>
+          <a:xfrm>
+            <a:off x="605238" y="1203525"/>
+            <a:ext cx="1570556" cy="1570556"/>
+          </a:xfrm>
+          <a:prstGeom prst="rect">
+            <a:avLst/>
+          </a:prstGeom>
+          <a:noFill/>
+          <a:ln>
+            <a:noFill/>
+          </a:ln>
+        </p:spPr>
+      </p:pic>
+      <p:sp>
+        <p:nvSpPr>
+          <p:cNvPr id="309" name="Google Shape;309;p35"/>
+          <p:cNvSpPr txBox="1"/>
+          <p:nvPr/>
+        </p:nvSpPr>
+        <p:spPr>
+          <a:xfrm>
+            <a:off x="-25625" y="-14775"/>
+            <a:ext cx="3355800" cy="569400"/>
+          </a:xfrm>
+          <a:prstGeom prst="rect">
+            <a:avLst/>
+          </a:prstGeom>
+          <a:noFill/>
+          <a:ln>
+            <a:noFill/>
+          </a:ln>
+        </p:spPr>
+        <p:txBody>
+          <a:bodyPr spcFirstLastPara="1" wrap="square" lIns="91425" tIns="91425" rIns="91425" bIns="91425" anchor="t" anchorCtr="0">
+            <a:spAutoFit/>
+          </a:bodyPr>
+          <a:lstStyle/>
+          <a:p>
+            <a:pPr marL="0" marR="0" lvl="0" indent="0" algn="l" rtl="0">
+              <a:lnSpc>
+                <a:spcPct val="100000"/>
+              </a:lnSpc>
+              <a:spcBef>
+                <a:spcPts val="0"/>
+              </a:spcBef>
+              <a:spcAft>
+                <a:spcPts val="0"/>
+              </a:spcAft>
+              <a:buClr>
+                <a:srgbClr val="000000"/>
+              </a:buClr>
+              <a:buSzPts val="2500"/>
+              <a:buFont typeface="Arial"/>
+              <a:buNone/>
+            </a:pPr>
+            <a:r>
+              <a:rPr lang="en" sz="2500" b="1" i="0" u="none" strike="noStrike" cap="none">
+                <a:solidFill>
+                  <a:srgbClr val="000000"/>
+                </a:solidFill>
+                <a:latin typeface="Calibri"/>
+                <a:ea typeface="Calibri"/>
+                <a:cs typeface="Calibri"/>
+                <a:sym typeface="Calibri"/>
+              </a:rPr>
+              <a:t>About the Speaker</a:t>
+            </a:r>
+            <a:endParaRPr sz="2500" b="1" i="0" u="none" strike="noStrike" cap="none">
+              <a:solidFill>
+                <a:srgbClr val="000000"/>
+              </a:solidFill>
+              <a:latin typeface="Calibri"/>
+              <a:ea typeface="Calibri"/>
+              <a:cs typeface="Calibri"/>
+              <a:sym typeface="Calibri"/>
+            </a:endParaRPr>
+          </a:p>
+        </p:txBody>
+      </p:sp>
+      <p:sp>
+        <p:nvSpPr>
+          <p:cNvPr id="310" name="Google Shape;310;p35"/>
+          <p:cNvSpPr txBox="1"/>
+          <p:nvPr/>
+        </p:nvSpPr>
+        <p:spPr>
+          <a:xfrm>
+            <a:off x="3330175" y="878750"/>
+            <a:ext cx="5621700" cy="3309300"/>
+          </a:xfrm>
+          <a:prstGeom prst="rect">
+            <a:avLst/>
+          </a:prstGeom>
+          <a:noFill/>
+          <a:ln>
+            <a:noFill/>
+          </a:ln>
+        </p:spPr>
+        <p:txBody>
+          <a:bodyPr spcFirstLastPara="1" wrap="square" lIns="91425" tIns="91425" rIns="91425" bIns="91425" anchor="t" anchorCtr="0">
+            <a:spAutoFit/>
+          </a:bodyPr>
+          <a:lstStyle/>
+          <a:p>
+            <a:pPr marL="0" marR="0" lvl="0" indent="0" algn="l" rtl="0">
+              <a:lnSpc>
+                <a:spcPct val="100000"/>
+              </a:lnSpc>
+              <a:spcBef>
+                <a:spcPts val="0"/>
+              </a:spcBef>
+              <a:spcAft>
+                <a:spcPts val="0"/>
+              </a:spcAft>
+              <a:buClr>
+                <a:schemeClr val="dk1"/>
+              </a:buClr>
+              <a:buSzPts val="1100"/>
+              <a:buFont typeface="Arial"/>
+              <a:buNone/>
+            </a:pPr>
+            <a:r>
+              <a:rPr lang="en" sz="2500" b="1" i="0" u="none" strike="noStrike" cap="none">
+                <a:solidFill>
+                  <a:srgbClr val="000000"/>
+                </a:solidFill>
+                <a:latin typeface="Calibri"/>
+                <a:ea typeface="Calibri"/>
+                <a:cs typeface="Calibri"/>
+                <a:sym typeface="Calibri"/>
+              </a:rPr>
+              <a:t>Lev Selector, Ph.D.</a:t>
+            </a:r>
+            <a:endParaRPr sz="2500" b="1" i="0" u="none" strike="noStrike" cap="none">
+              <a:solidFill>
+                <a:srgbClr val="000000"/>
+              </a:solidFill>
+              <a:latin typeface="Calibri"/>
+              <a:ea typeface="Calibri"/>
+              <a:cs typeface="Calibri"/>
+              <a:sym typeface="Calibri"/>
+            </a:endParaRPr>
+          </a:p>
+          <a:p>
+            <a:pPr marL="0" marR="0" lvl="0" indent="0" algn="l" rtl="0">
+              <a:lnSpc>
+                <a:spcPct val="100000"/>
+              </a:lnSpc>
+              <a:spcBef>
+                <a:spcPts val="0"/>
+              </a:spcBef>
+              <a:spcAft>
+                <a:spcPts val="0"/>
+              </a:spcAft>
+              <a:buClr>
+                <a:schemeClr val="dk1"/>
+              </a:buClr>
+              <a:buSzPts val="1100"/>
+              <a:buFont typeface="Arial"/>
+              <a:buNone/>
+            </a:pPr>
+            <a:endParaRPr sz="1800" b="0" i="0" u="none" strike="noStrike" cap="none">
+              <a:solidFill>
+                <a:srgbClr val="000000"/>
+              </a:solidFill>
+              <a:latin typeface="Calibri"/>
+              <a:ea typeface="Calibri"/>
+              <a:cs typeface="Calibri"/>
+              <a:sym typeface="Calibri"/>
+            </a:endParaRPr>
+          </a:p>
+          <a:p>
+            <a:pPr marL="457200" marR="0" lvl="0" indent="-330200" algn="l" rtl="0">
+              <a:lnSpc>
+                <a:spcPct val="100000"/>
+              </a:lnSpc>
+              <a:spcBef>
+                <a:spcPts val="0"/>
+              </a:spcBef>
+              <a:spcAft>
+                <a:spcPts val="0"/>
+              </a:spcAft>
+              <a:buClr>
+                <a:srgbClr val="000000"/>
+              </a:buClr>
+              <a:buSzPts val="1600"/>
+              <a:buFont typeface="Calibri"/>
+              <a:buChar char="●"/>
+            </a:pPr>
+            <a:r>
+              <a:rPr lang="en" sz="1600" b="0" i="0" u="none" strike="noStrike" cap="none">
+                <a:solidFill>
+                  <a:schemeClr val="dk1"/>
+                </a:solidFill>
+                <a:latin typeface="Calibri"/>
+                <a:ea typeface="Calibri"/>
+                <a:cs typeface="Calibri"/>
+                <a:sym typeface="Calibri"/>
+              </a:rPr>
+              <a:t>40+ years of software engineering, data science, and building teams (hiring, training, and managing)</a:t>
+            </a:r>
+            <a:endParaRPr sz="1600" b="0" i="0" u="none" strike="noStrike" cap="none">
+              <a:solidFill>
+                <a:schemeClr val="dk1"/>
+              </a:solidFill>
+              <a:latin typeface="Calibri"/>
+              <a:ea typeface="Calibri"/>
+              <a:cs typeface="Calibri"/>
+              <a:sym typeface="Calibri"/>
+            </a:endParaRPr>
+          </a:p>
+          <a:p>
+            <a:pPr marL="457200" marR="0" lvl="0" indent="-330200" algn="l" rtl="0">
+              <a:lnSpc>
+                <a:spcPct val="100000"/>
+              </a:lnSpc>
+              <a:spcBef>
+                <a:spcPts val="0"/>
+              </a:spcBef>
+              <a:spcAft>
+                <a:spcPts val="0"/>
+              </a:spcAft>
+              <a:buClr>
+                <a:srgbClr val="000000"/>
+              </a:buClr>
+              <a:buSzPts val="1600"/>
+              <a:buFont typeface="Calibri"/>
+              <a:buChar char="●"/>
+            </a:pPr>
+            <a:r>
+              <a:rPr lang="en" sz="1600" b="0" i="0" u="none" strike="noStrike" cap="none">
+                <a:solidFill>
+                  <a:schemeClr val="dk1"/>
+                </a:solidFill>
+                <a:latin typeface="Calibri"/>
+                <a:ea typeface="Calibri"/>
+                <a:cs typeface="Calibri"/>
+                <a:sym typeface="Calibri"/>
+              </a:rPr>
+              <a:t>Ph.D. in mathematical modeling and computer simulations</a:t>
+            </a:r>
+            <a:endParaRPr sz="1600" b="0" i="0" u="none" strike="noStrike" cap="none">
+              <a:solidFill>
+                <a:srgbClr val="000000"/>
+              </a:solidFill>
+              <a:latin typeface="Calibri"/>
+              <a:ea typeface="Calibri"/>
+              <a:cs typeface="Calibri"/>
+              <a:sym typeface="Calibri"/>
+            </a:endParaRPr>
+          </a:p>
+          <a:p>
+            <a:pPr marL="0" marR="0" lvl="0" indent="0" algn="l" rtl="0">
+              <a:lnSpc>
+                <a:spcPct val="100000"/>
+              </a:lnSpc>
+              <a:spcBef>
+                <a:spcPts val="0"/>
+              </a:spcBef>
+              <a:spcAft>
+                <a:spcPts val="0"/>
+              </a:spcAft>
+              <a:buClr>
+                <a:schemeClr val="dk1"/>
+              </a:buClr>
+              <a:buSzPts val="1100"/>
+              <a:buFont typeface="Arial"/>
+              <a:buNone/>
+            </a:pPr>
+            <a:endParaRPr sz="1600" b="0" i="0" u="none" strike="noStrike" cap="none">
+              <a:solidFill>
+                <a:srgbClr val="000000"/>
+              </a:solidFill>
+              <a:latin typeface="Calibri"/>
+              <a:ea typeface="Calibri"/>
+              <a:cs typeface="Calibri"/>
+              <a:sym typeface="Calibri"/>
+            </a:endParaRPr>
+          </a:p>
+          <a:p>
+            <a:pPr marL="0" marR="0" lvl="0" indent="0" algn="l" rtl="0">
+              <a:lnSpc>
+                <a:spcPct val="100000"/>
+              </a:lnSpc>
+              <a:spcBef>
+                <a:spcPts val="0"/>
+              </a:spcBef>
+              <a:spcAft>
+                <a:spcPts val="0"/>
+              </a:spcAft>
+              <a:buClr>
+                <a:srgbClr val="000000"/>
+              </a:buClr>
+              <a:buSzPts val="1600"/>
+              <a:buFont typeface="Arial"/>
+              <a:buNone/>
+            </a:pPr>
+            <a:r>
+              <a:rPr lang="en" sz="1600" b="0" i="0" u="none" strike="noStrike" cap="none">
+                <a:solidFill>
+                  <a:srgbClr val="000000"/>
+                </a:solidFill>
+                <a:latin typeface="Calibri"/>
+                <a:ea typeface="Calibri"/>
+                <a:cs typeface="Calibri"/>
+                <a:sym typeface="Calibri"/>
+              </a:rPr>
+              <a:t>Interests: </a:t>
+            </a:r>
+            <a:endParaRPr sz="1600" b="0" i="0" u="none" strike="noStrike" cap="none">
+              <a:solidFill>
+                <a:srgbClr val="000000"/>
+              </a:solidFill>
+              <a:latin typeface="Calibri"/>
+              <a:ea typeface="Calibri"/>
+              <a:cs typeface="Calibri"/>
+              <a:sym typeface="Calibri"/>
+            </a:endParaRPr>
+          </a:p>
+          <a:p>
+            <a:pPr marL="457200" marR="0" lvl="0" indent="-330200" algn="l" rtl="0">
+              <a:lnSpc>
+                <a:spcPct val="100000"/>
+              </a:lnSpc>
+              <a:spcBef>
+                <a:spcPts val="0"/>
+              </a:spcBef>
+              <a:spcAft>
+                <a:spcPts val="0"/>
+              </a:spcAft>
+              <a:buClr>
+                <a:srgbClr val="000000"/>
+              </a:buClr>
+              <a:buSzPts val="1600"/>
+              <a:buFont typeface="Calibri"/>
+              <a:buChar char="●"/>
+            </a:pPr>
+            <a:r>
+              <a:rPr lang="en" sz="1600" b="0" i="0" u="none" strike="noStrike" cap="none">
+                <a:solidFill>
+                  <a:schemeClr val="dk1"/>
+                </a:solidFill>
+                <a:latin typeface="Calibri"/>
+                <a:ea typeface="Calibri"/>
+                <a:cs typeface="Calibri"/>
+                <a:sym typeface="Calibri"/>
+              </a:rPr>
+              <a:t>Generative AI, Using LLM with your data</a:t>
+            </a:r>
+            <a:endParaRPr sz="1600" b="0" i="0" u="none" strike="noStrike" cap="none">
+              <a:solidFill>
+                <a:schemeClr val="dk1"/>
+              </a:solidFill>
+              <a:latin typeface="Calibri"/>
+              <a:ea typeface="Calibri"/>
+              <a:cs typeface="Calibri"/>
+              <a:sym typeface="Calibri"/>
+            </a:endParaRPr>
+          </a:p>
+          <a:p>
+            <a:pPr marL="457200" marR="0" lvl="0" indent="-330200" algn="l" rtl="0">
+              <a:lnSpc>
+                <a:spcPct val="100000"/>
+              </a:lnSpc>
+              <a:spcBef>
+                <a:spcPts val="0"/>
+              </a:spcBef>
+              <a:spcAft>
+                <a:spcPts val="0"/>
+              </a:spcAft>
+              <a:buClr>
+                <a:schemeClr val="dk1"/>
+              </a:buClr>
+              <a:buSzPts val="1600"/>
+              <a:buFont typeface="Calibri"/>
+              <a:buChar char="●"/>
+            </a:pPr>
+            <a:r>
+              <a:rPr lang="en" sz="1600" b="0" i="0" u="none" strike="noStrike" cap="none">
+                <a:solidFill>
+                  <a:schemeClr val="dk1"/>
+                </a:solidFill>
+                <a:latin typeface="Calibri"/>
+                <a:ea typeface="Calibri"/>
+                <a:cs typeface="Calibri"/>
+                <a:sym typeface="Calibri"/>
+              </a:rPr>
+              <a:t>Local AI for Local Private Data</a:t>
+            </a:r>
+            <a:endParaRPr sz="1600" b="0" i="0" u="none" strike="noStrike" cap="none">
+              <a:solidFill>
+                <a:schemeClr val="dk1"/>
+              </a:solidFill>
+              <a:latin typeface="Calibri"/>
+              <a:ea typeface="Calibri"/>
+              <a:cs typeface="Calibri"/>
+              <a:sym typeface="Calibri"/>
+            </a:endParaRPr>
+          </a:p>
+          <a:p>
+            <a:pPr marL="457200" marR="0" lvl="0" indent="-330200" algn="l" rtl="0">
+              <a:lnSpc>
+                <a:spcPct val="100000"/>
+              </a:lnSpc>
+              <a:spcBef>
+                <a:spcPts val="0"/>
+              </a:spcBef>
+              <a:spcAft>
+                <a:spcPts val="0"/>
+              </a:spcAft>
+              <a:buClr>
+                <a:srgbClr val="000000"/>
+              </a:buClr>
+              <a:buSzPts val="1600"/>
+              <a:buFont typeface="Calibri"/>
+              <a:buChar char="●"/>
+            </a:pPr>
+            <a:r>
+              <a:rPr lang="en" sz="1600" b="0" i="0" u="none" strike="noStrike" cap="none">
+                <a:solidFill>
+                  <a:srgbClr val="000000"/>
+                </a:solidFill>
+                <a:latin typeface="Calibri"/>
+                <a:ea typeface="Calibri"/>
+                <a:cs typeface="Calibri"/>
+                <a:sym typeface="Calibri"/>
+              </a:rPr>
+              <a:t>Cloud architecture, fin-tech, application security</a:t>
+            </a:r>
+            <a:endParaRPr sz="1600" b="0" i="0" u="none" strike="noStrike" cap="none">
+              <a:solidFill>
+                <a:srgbClr val="000000"/>
+              </a:solidFill>
+              <a:latin typeface="Calibri"/>
+              <a:ea typeface="Calibri"/>
+              <a:cs typeface="Calibri"/>
+              <a:sym typeface="Calibri"/>
+            </a:endParaRPr>
+          </a:p>
+          <a:p>
+            <a:pPr marL="0" marR="0" lvl="0" indent="0" algn="l" rtl="0">
+              <a:lnSpc>
+                <a:spcPct val="100000"/>
+              </a:lnSpc>
+              <a:spcBef>
+                <a:spcPts val="0"/>
+              </a:spcBef>
+              <a:spcAft>
+                <a:spcPts val="0"/>
+              </a:spcAft>
+              <a:buClr>
+                <a:srgbClr val="000000"/>
+              </a:buClr>
+              <a:buSzPts val="1600"/>
+              <a:buFont typeface="Arial"/>
+              <a:buNone/>
+            </a:pPr>
+            <a:endParaRPr sz="1600" b="0" i="0" u="none" strike="noStrike" cap="none">
+              <a:solidFill>
+                <a:srgbClr val="000000"/>
+              </a:solidFill>
+              <a:latin typeface="Calibri"/>
+              <a:ea typeface="Calibri"/>
+              <a:cs typeface="Calibri"/>
+              <a:sym typeface="Calibri"/>
+            </a:endParaRPr>
+          </a:p>
+          <a:p>
+            <a:pPr marL="0" marR="0" lvl="0" indent="0" algn="l" rtl="0">
+              <a:lnSpc>
+                <a:spcPct val="100000"/>
+              </a:lnSpc>
+              <a:spcBef>
+                <a:spcPts val="0"/>
+              </a:spcBef>
+              <a:spcAft>
+                <a:spcPts val="0"/>
+              </a:spcAft>
+              <a:buClr>
+                <a:srgbClr val="000000"/>
+              </a:buClr>
+              <a:buSzPts val="1600"/>
+              <a:buFont typeface="Arial"/>
+              <a:buNone/>
+            </a:pPr>
+            <a:r>
+              <a:rPr lang="en" sz="1600" b="0" i="0" u="none" strike="noStrike" cap="none">
+                <a:solidFill>
+                  <a:srgbClr val="000000"/>
+                </a:solidFill>
+                <a:latin typeface="Calibri"/>
+                <a:ea typeface="Calibri"/>
+                <a:cs typeface="Calibri"/>
+                <a:sym typeface="Calibri"/>
+              </a:rPr>
+              <a:t>Find/connect: Linkedin, GitHub, YouTube, Google</a:t>
+            </a:r>
+            <a:endParaRPr sz="1600" b="0" i="0" u="none" strike="noStrike" cap="none">
+              <a:solidFill>
+                <a:srgbClr val="000000"/>
+              </a:solidFill>
+              <a:latin typeface="Calibri"/>
+              <a:ea typeface="Calibri"/>
+              <a:cs typeface="Calibri"/>
+              <a:sym typeface="Calibri"/>
+            </a:endParaRPr>
+          </a:p>
+        </p:txBody>
+      </p:sp>
+      <p:pic>
+        <p:nvPicPr>
+          <p:cNvPr id="311" name="Google Shape;311;p35"/>
+          <p:cNvPicPr preferRelativeResize="0"/>
+          <p:nvPr/>
+        </p:nvPicPr>
+        <p:blipFill rotWithShape="1">
+          <a:blip r:embed="rId4" cstate="email">
+            <a:alphaModFix/>
+            <a:extLst>
+              <a:ext uri="{28A0092B-C50C-407E-A947-70E740481C1C}">
+                <a14:useLocalDpi xmlns:a14="http://schemas.microsoft.com/office/drawing/2010/main"/>
+              </a:ext>
+            </a:extLst>
+          </a:blip>
+          <a:srcRect/>
+          <a:stretch/>
+        </p:blipFill>
+        <p:spPr>
+          <a:xfrm>
+            <a:off x="782341" y="3664175"/>
+            <a:ext cx="858450" cy="311906"/>
+          </a:xfrm>
+          <a:prstGeom prst="rect">
+            <a:avLst/>
+          </a:prstGeom>
+          <a:noFill/>
+          <a:ln>
+            <a:noFill/>
+          </a:ln>
+        </p:spPr>
+      </p:pic>
+      <p:sp>
+        <p:nvSpPr>
+          <p:cNvPr id="312" name="Google Shape;312;p35"/>
+          <p:cNvSpPr txBox="1"/>
+          <p:nvPr/>
+        </p:nvSpPr>
+        <p:spPr>
+          <a:xfrm>
+            <a:off x="683777" y="4005903"/>
+            <a:ext cx="1391400" cy="431100"/>
+          </a:xfrm>
+          <a:prstGeom prst="rect">
+            <a:avLst/>
+          </a:prstGeom>
+          <a:noFill/>
+          <a:ln>
+            <a:noFill/>
+          </a:ln>
+        </p:spPr>
+        <p:txBody>
+          <a:bodyPr spcFirstLastPara="1" wrap="square" lIns="91425" tIns="91425" rIns="91425" bIns="91425" anchor="t" anchorCtr="0">
+            <a:spAutoFit/>
+          </a:bodyPr>
+          <a:lstStyle/>
+          <a:p>
+            <a:pPr marL="0" marR="0" lvl="0" indent="0" algn="l" rtl="0">
+              <a:lnSpc>
+                <a:spcPct val="100000"/>
+              </a:lnSpc>
+              <a:spcBef>
+                <a:spcPts val="0"/>
+              </a:spcBef>
+              <a:spcAft>
+                <a:spcPts val="0"/>
+              </a:spcAft>
+              <a:buClr>
+                <a:srgbClr val="000000"/>
+              </a:buClr>
+              <a:buSzPts val="1600"/>
+              <a:buFont typeface="Arial"/>
+              <a:buNone/>
+            </a:pPr>
+            <a:r>
+              <a:rPr lang="en" sz="1600" b="0" i="0" u="sng" strike="noStrike" cap="none">
+                <a:solidFill>
+                  <a:schemeClr val="hlink"/>
+                </a:solidFill>
+                <a:latin typeface="Calibri"/>
+                <a:ea typeface="Calibri"/>
+                <a:cs typeface="Calibri"/>
+                <a:sym typeface="Calibri"/>
+                <a:hlinkClick r:id="rId5"/>
+              </a:rPr>
+              <a:t>https://eais.ai</a:t>
+            </a:r>
+            <a:r>
+              <a:rPr lang="en" sz="1600" b="0" i="0" u="none" strike="noStrike" cap="none">
+                <a:solidFill>
+                  <a:srgbClr val="000000"/>
+                </a:solidFill>
+                <a:latin typeface="Calibri"/>
+                <a:ea typeface="Calibri"/>
+                <a:cs typeface="Calibri"/>
+                <a:sym typeface="Calibri"/>
+              </a:rPr>
+              <a:t> </a:t>
+            </a:r>
+            <a:endParaRPr sz="1600" b="0" i="0" u="none" strike="noStrike" cap="none">
+              <a:solidFill>
+                <a:srgbClr val="000000"/>
+              </a:solidFill>
+              <a:latin typeface="Calibri"/>
+              <a:ea typeface="Calibri"/>
+              <a:cs typeface="Calibri"/>
+              <a:sym typeface="Calibri"/>
+            </a:endParaRPr>
+          </a:p>
+        </p:txBody>
+      </p:sp>
+      <p:sp>
+        <p:nvSpPr>
+          <p:cNvPr id="313" name="Google Shape;313;p35"/>
+          <p:cNvSpPr txBox="1"/>
+          <p:nvPr/>
+        </p:nvSpPr>
+        <p:spPr>
+          <a:xfrm>
+            <a:off x="307603" y="4360974"/>
+            <a:ext cx="2094000" cy="431100"/>
+          </a:xfrm>
+          <a:prstGeom prst="rect">
+            <a:avLst/>
+          </a:prstGeom>
+          <a:noFill/>
+          <a:ln>
+            <a:noFill/>
+          </a:ln>
+        </p:spPr>
+        <p:txBody>
+          <a:bodyPr spcFirstLastPara="1" wrap="square" lIns="91425" tIns="91425" rIns="91425" bIns="91425" anchor="t" anchorCtr="0">
+            <a:spAutoFit/>
+          </a:bodyPr>
+          <a:lstStyle/>
+          <a:p>
+            <a:pPr marL="0" marR="0" lvl="0" indent="0" algn="ctr" rtl="0">
+              <a:lnSpc>
+                <a:spcPct val="100000"/>
+              </a:lnSpc>
+              <a:spcBef>
+                <a:spcPts val="0"/>
+              </a:spcBef>
+              <a:spcAft>
+                <a:spcPts val="0"/>
+              </a:spcAft>
+              <a:buClr>
+                <a:schemeClr val="dk1"/>
+              </a:buClr>
+              <a:buSzPts val="1100"/>
+              <a:buFont typeface="Arial"/>
+              <a:buNone/>
+            </a:pPr>
+            <a:r>
+              <a:rPr lang="en" sz="1600" b="0" i="0" u="none" strike="noStrike" cap="none">
+                <a:solidFill>
+                  <a:srgbClr val="000000"/>
+                </a:solidFill>
+                <a:latin typeface="Calibri"/>
+                <a:ea typeface="Calibri"/>
+                <a:cs typeface="Calibri"/>
+                <a:sym typeface="Calibri"/>
+              </a:rPr>
+              <a:t>Enterprise AI Systems</a:t>
+            </a:r>
+            <a:endParaRPr sz="1600" b="0" i="0" u="none" strike="noStrike" cap="none">
+              <a:solidFill>
+                <a:srgbClr val="000000"/>
+              </a:solidFill>
+              <a:latin typeface="Calibri"/>
+              <a:ea typeface="Calibri"/>
+              <a:cs typeface="Calibri"/>
+              <a:sym typeface="Calibri"/>
+            </a:endParaRPr>
+          </a:p>
+        </p:txBody>
+      </p:sp>
+    </p:spTree>
+  </p:cSld>
+  <p:clrMapOvr>
+    <a:masterClrMapping/>
+  </p:clrMapOvr>
+</p:sld>
+</file>
+
+<file path=ppt/slides/slide22.xml><?xml version="1.0" encoding="utf-8"?>
+<p:sld xmlns:a="http://schemas.openxmlformats.org/drawingml/2006/main" xmlns:r="http://schemas.openxmlformats.org/officeDocument/2006/relationships" xmlns:p="http://schemas.openxmlformats.org/presentationml/2006/main">
+  <p:cSld>
+    <p:spTree>
+      <p:nvGrpSpPr>
+        <p:cNvPr id="1" name="Shape 317"/>
+        <p:cNvGrpSpPr/>
+        <p:nvPr/>
+      </p:nvGrpSpPr>
+      <p:grpSpPr>
+        <a:xfrm>
+          <a:off x="0" y="0"/>
+          <a:ext cx="0" cy="0"/>
+          <a:chOff x="0" y="0"/>
+          <a:chExt cx="0" cy="0"/>
+        </a:xfrm>
+      </p:grpSpPr>
+      <p:sp>
+        <p:nvSpPr>
+          <p:cNvPr id="318" name="Google Shape;318;p36"/>
+          <p:cNvSpPr txBox="1"/>
+          <p:nvPr/>
+        </p:nvSpPr>
+        <p:spPr>
+          <a:xfrm>
+            <a:off x="2151375" y="1533150"/>
+            <a:ext cx="4632600" cy="1262100"/>
+          </a:xfrm>
+          <a:prstGeom prst="rect">
+            <a:avLst/>
+          </a:prstGeom>
+          <a:noFill/>
+          <a:ln>
+            <a:noFill/>
+          </a:ln>
+        </p:spPr>
+        <p:txBody>
+          <a:bodyPr spcFirstLastPara="1" wrap="square" lIns="91425" tIns="91425" rIns="91425" bIns="91425" anchor="t" anchorCtr="0">
+            <a:spAutoFit/>
+          </a:bodyPr>
+          <a:lstStyle/>
+          <a:p>
+            <a:pPr marL="0" marR="0" lvl="0" indent="0" algn="ctr" rtl="0">
+              <a:lnSpc>
+                <a:spcPct val="100000"/>
+              </a:lnSpc>
+              <a:spcBef>
+                <a:spcPts val="0"/>
+              </a:spcBef>
+              <a:spcAft>
+                <a:spcPts val="0"/>
+              </a:spcAft>
+              <a:buClr>
+                <a:srgbClr val="000000"/>
+              </a:buClr>
+              <a:buSzPts val="7000"/>
+              <a:buFont typeface="Arial"/>
+              <a:buNone/>
+            </a:pPr>
+            <a:r>
+              <a:rPr lang="en" sz="7000" b="1" i="0" u="none" strike="noStrike" cap="none">
+                <a:solidFill>
+                  <a:srgbClr val="3C78D8"/>
+                </a:solidFill>
+                <a:latin typeface="Calibri"/>
+                <a:ea typeface="Calibri"/>
+                <a:cs typeface="Calibri"/>
+                <a:sym typeface="Calibri"/>
+              </a:rPr>
+              <a:t>Thank You!</a:t>
+            </a:r>
+            <a:endParaRPr sz="7000" b="1" i="0" u="none" strike="noStrike" cap="none">
+              <a:solidFill>
+                <a:srgbClr val="3C78D8"/>
+              </a:solidFill>
+              <a:latin typeface="Calibri"/>
+              <a:ea typeface="Calibri"/>
+              <a:cs typeface="Calibri"/>
+              <a:sym typeface="Calibri"/>
+            </a:endParaRPr>
+          </a:p>
+        </p:txBody>
+      </p:sp>
+    </p:spTree>
+  </p:cSld>
+  <p:clrMapOvr>
+    <a:masterClrMapping/>
+  </p:clrMapOvr>
+</p:sld>
+</file>
+
 <file path=ppt/slides/slide3.xml><?xml version="1.0" encoding="utf-8"?>
 <p:sld xmlns:a="http://schemas.openxmlformats.org/drawingml/2006/main" xmlns:r="http://schemas.openxmlformats.org/officeDocument/2006/relationships" xmlns:p="http://schemas.openxmlformats.org/presentationml/2006/main">
   <p:cSld>
@@ -38781,8 +42420,295 @@
         </p:blipFill>
         <p:spPr>
           <a:xfrm>
-            <a:off x="4773574" y="3851511"/>
+            <a:off x="4626074" y="3903586"/>
             <a:ext cx="1366124" cy="1160676"/>
+          </a:xfrm>
+          <a:prstGeom prst="rect">
+            <a:avLst/>
+          </a:prstGeom>
+          <a:noFill/>
+          <a:ln w="9525" cap="flat" cmpd="sng">
+            <a:solidFill>
+              <a:srgbClr val="FF0000"/>
+            </a:solidFill>
+            <a:prstDash val="solid"/>
+            <a:round/>
+            <a:headEnd type="none" w="sm" len="sm"/>
+            <a:tailEnd type="none" w="sm" len="sm"/>
+          </a:ln>
+        </p:spPr>
+      </p:pic>
+      <p:sp>
+        <p:nvSpPr>
+          <p:cNvPr id="183" name="Google Shape;183;p22"/>
+          <p:cNvSpPr txBox="1"/>
+          <p:nvPr/>
+        </p:nvSpPr>
+        <p:spPr>
+          <a:xfrm>
+            <a:off x="6474975" y="4237900"/>
+            <a:ext cx="2582400" cy="849600"/>
+          </a:xfrm>
+          <a:prstGeom prst="rect">
+            <a:avLst/>
+          </a:prstGeom>
+          <a:solidFill>
+            <a:srgbClr val="FFF2CC"/>
+          </a:solidFill>
+          <a:ln w="9525" cap="flat" cmpd="sng">
+            <a:solidFill>
+              <a:srgbClr val="FF0000"/>
+            </a:solidFill>
+            <a:prstDash val="solid"/>
+            <a:round/>
+            <a:headEnd type="none" w="sm" len="sm"/>
+            <a:tailEnd type="none" w="sm" len="sm"/>
+          </a:ln>
+        </p:spPr>
+        <p:txBody>
+          <a:bodyPr spcFirstLastPara="1" wrap="square" lIns="9125" tIns="9125" rIns="9125" bIns="9125" anchor="t" anchorCtr="0">
+            <a:spAutoFit/>
+          </a:bodyPr>
+          <a:lstStyle/>
+          <a:p>
+            <a:pPr marL="171450" marR="0" lvl="0" indent="-133350" algn="l" rtl="0">
+              <a:lnSpc>
+                <a:spcPct val="100000"/>
+              </a:lnSpc>
+              <a:spcBef>
+                <a:spcPts val="0"/>
+              </a:spcBef>
+              <a:spcAft>
+                <a:spcPts val="0"/>
+              </a:spcAft>
+              <a:buClr>
+                <a:schemeClr val="dk1"/>
+              </a:buClr>
+              <a:buSzPts val="1200"/>
+              <a:buFont typeface="Calibri"/>
+              <a:buChar char="●"/>
+            </a:pPr>
+            <a:r>
+              <a:rPr lang="en" sz="1200">
+                <a:solidFill>
+                  <a:schemeClr val="dk1"/>
+                </a:solidFill>
+                <a:latin typeface="Calibri"/>
+                <a:ea typeface="Calibri"/>
+                <a:cs typeface="Calibri"/>
+                <a:sym typeface="Calibri"/>
+              </a:rPr>
+              <a:t>Mark Zuckerberg</a:t>
+            </a:r>
+            <a:endParaRPr sz="1200">
+              <a:solidFill>
+                <a:schemeClr val="dk1"/>
+              </a:solidFill>
+              <a:latin typeface="Calibri"/>
+              <a:ea typeface="Calibri"/>
+              <a:cs typeface="Calibri"/>
+              <a:sym typeface="Calibri"/>
+            </a:endParaRPr>
+          </a:p>
+          <a:p>
+            <a:pPr marL="171450" marR="0" lvl="0" indent="-133350" algn="l" rtl="0">
+              <a:lnSpc>
+                <a:spcPct val="100000"/>
+              </a:lnSpc>
+              <a:spcBef>
+                <a:spcPts val="0"/>
+              </a:spcBef>
+              <a:spcAft>
+                <a:spcPts val="0"/>
+              </a:spcAft>
+              <a:buClr>
+                <a:srgbClr val="FF0000"/>
+              </a:buClr>
+              <a:buSzPts val="1200"/>
+              <a:buFont typeface="Calibri"/>
+              <a:buChar char="●"/>
+            </a:pPr>
+            <a:r>
+              <a:rPr lang="en" sz="1200" b="1">
+                <a:solidFill>
+                  <a:srgbClr val="FF0000"/>
+                </a:solidFill>
+                <a:latin typeface="Calibri"/>
+                <a:ea typeface="Calibri"/>
+                <a:cs typeface="Calibri"/>
+                <a:sym typeface="Calibri"/>
+              </a:rPr>
+              <a:t>Meta Personal Superintelligence</a:t>
+            </a:r>
+            <a:endParaRPr sz="1200" b="1">
+              <a:solidFill>
+                <a:srgbClr val="FF0000"/>
+              </a:solidFill>
+              <a:latin typeface="Calibri"/>
+              <a:ea typeface="Calibri"/>
+              <a:cs typeface="Calibri"/>
+              <a:sym typeface="Calibri"/>
+            </a:endParaRPr>
+          </a:p>
+          <a:p>
+            <a:pPr marL="171450" marR="0" lvl="0" indent="-133350" algn="l" rtl="0">
+              <a:lnSpc>
+                <a:spcPct val="100000"/>
+              </a:lnSpc>
+              <a:spcBef>
+                <a:spcPts val="0"/>
+              </a:spcBef>
+              <a:spcAft>
+                <a:spcPts val="0"/>
+              </a:spcAft>
+              <a:buClr>
+                <a:schemeClr val="dk1"/>
+              </a:buClr>
+              <a:buSzPts val="1200"/>
+              <a:buFont typeface="Calibri"/>
+              <a:buChar char="●"/>
+            </a:pPr>
+            <a:r>
+              <a:rPr lang="en" sz="1200">
+                <a:solidFill>
+                  <a:schemeClr val="dk1"/>
+                </a:solidFill>
+                <a:latin typeface="Calibri"/>
+                <a:ea typeface="Calibri"/>
+                <a:cs typeface="Calibri"/>
+                <a:sym typeface="Calibri"/>
+              </a:rPr>
+              <a:t>Meta Superintelligence Labs</a:t>
+            </a:r>
+            <a:endParaRPr sz="900">
+              <a:solidFill>
+                <a:schemeClr val="dk1"/>
+              </a:solidFill>
+              <a:latin typeface="Calibri"/>
+              <a:ea typeface="Calibri"/>
+              <a:cs typeface="Calibri"/>
+              <a:sym typeface="Calibri"/>
+            </a:endParaRPr>
+          </a:p>
+          <a:p>
+            <a:pPr marL="171450" marR="0" lvl="0" indent="-114300" algn="l" rtl="0">
+              <a:lnSpc>
+                <a:spcPct val="100000"/>
+              </a:lnSpc>
+              <a:spcBef>
+                <a:spcPts val="0"/>
+              </a:spcBef>
+              <a:spcAft>
+                <a:spcPts val="0"/>
+              </a:spcAft>
+              <a:buClr>
+                <a:schemeClr val="dk1"/>
+              </a:buClr>
+              <a:buSzPts val="900"/>
+              <a:buFont typeface="Calibri"/>
+              <a:buChar char="●"/>
+            </a:pPr>
+            <a:r>
+              <a:rPr lang="en" sz="900" u="sng">
+                <a:solidFill>
+                  <a:schemeClr val="hlink"/>
+                </a:solidFill>
+                <a:latin typeface="Calibri"/>
+                <a:ea typeface="Calibri"/>
+                <a:cs typeface="Calibri"/>
+                <a:sym typeface="Calibri"/>
+                <a:hlinkClick r:id="rId7"/>
+              </a:rPr>
+              <a:t>https://www.youtube.com/shorts/PE1B815XNDc</a:t>
+            </a:r>
+            <a:r>
+              <a:rPr lang="en" sz="900">
+                <a:solidFill>
+                  <a:schemeClr val="dk1"/>
+                </a:solidFill>
+                <a:latin typeface="Calibri"/>
+                <a:ea typeface="Calibri"/>
+                <a:cs typeface="Calibri"/>
+                <a:sym typeface="Calibri"/>
+              </a:rPr>
+              <a:t> </a:t>
+            </a:r>
+            <a:endParaRPr sz="900">
+              <a:solidFill>
+                <a:schemeClr val="dk1"/>
+              </a:solidFill>
+              <a:latin typeface="Calibri"/>
+              <a:ea typeface="Calibri"/>
+              <a:cs typeface="Calibri"/>
+              <a:sym typeface="Calibri"/>
+            </a:endParaRPr>
+          </a:p>
+          <a:p>
+            <a:pPr marL="171450" marR="0" lvl="0" indent="-114300" algn="l" rtl="0">
+              <a:lnSpc>
+                <a:spcPct val="100000"/>
+              </a:lnSpc>
+              <a:spcBef>
+                <a:spcPts val="0"/>
+              </a:spcBef>
+              <a:spcAft>
+                <a:spcPts val="0"/>
+              </a:spcAft>
+              <a:buClr>
+                <a:schemeClr val="dk1"/>
+              </a:buClr>
+              <a:buSzPts val="900"/>
+              <a:buFont typeface="Calibri"/>
+              <a:buChar char="●"/>
+            </a:pPr>
+            <a:r>
+              <a:rPr lang="en" sz="900" u="sng">
+                <a:solidFill>
+                  <a:schemeClr val="hlink"/>
+                </a:solidFill>
+                <a:latin typeface="Calibri"/>
+                <a:ea typeface="Calibri"/>
+                <a:cs typeface="Calibri"/>
+                <a:sym typeface="Calibri"/>
+                <a:hlinkClick r:id="rId8"/>
+              </a:rPr>
+              <a:t>https://www.meta.com/superintelligence/</a:t>
+            </a:r>
+            <a:endParaRPr sz="900">
+              <a:solidFill>
+                <a:schemeClr val="dk1"/>
+              </a:solidFill>
+              <a:latin typeface="Calibri"/>
+              <a:ea typeface="Calibri"/>
+              <a:cs typeface="Calibri"/>
+              <a:sym typeface="Calibri"/>
+            </a:endParaRPr>
+          </a:p>
+        </p:txBody>
+      </p:sp>
+      <p:pic>
+        <p:nvPicPr>
+          <p:cNvPr id="184" name="Google Shape;184;p22"/>
+          <p:cNvPicPr preferRelativeResize="0"/>
+          <p:nvPr/>
+        </p:nvPicPr>
+        <p:blipFill>
+          <a:blip r:embed="rId9" cstate="email">
+            <a:alphaModFix/>
+            <a:extLst>
+              <a:ext uri="{28A0092B-C50C-407E-A947-70E740481C1C}">
+                <a14:useLocalDpi xmlns:a14="http://schemas.microsoft.com/office/drawing/2010/main"/>
+              </a:ext>
+            </a:extLst>
+          </a:blip>
+          <a:stretch>
+            <a:fillRect/>
+          </a:stretch>
+        </p:blipFill>
+        <p:spPr>
+          <a:xfrm>
+            <a:off x="7254731" y="2513075"/>
+            <a:ext cx="1022899" cy="1630325"/>
           </a:xfrm>
           <a:prstGeom prst="rect">
             <a:avLst/>
@@ -38812,7 +42738,7 @@
   <p:cSld>
     <p:spTree>
       <p:nvGrpSpPr>
-        <p:cNvPr id="1" name="Shape 186"/>
+        <p:cNvPr id="1" name="Shape 188"/>
         <p:cNvGrpSpPr/>
         <p:nvPr/>
       </p:nvGrpSpPr>
@@ -38826,7 +42752,7 @@
       </p:grpSpPr>
       <p:sp>
         <p:nvSpPr>
-          <p:cNvPr id="187" name="Google Shape;187;p23"/>
+          <p:cNvPr id="189" name="Google Shape;189;p23"/>
           <p:cNvSpPr txBox="1"/>
           <p:nvPr/>
         </p:nvSpPr>
@@ -38892,7 +42818,7 @@
       </p:sp>
       <p:sp>
         <p:nvSpPr>
-          <p:cNvPr id="188" name="Google Shape;188;p23"/>
+          <p:cNvPr id="190" name="Google Shape;190;p23"/>
           <p:cNvSpPr txBox="1"/>
           <p:nvPr/>
         </p:nvSpPr>
@@ -39059,7 +42985,7 @@
       </p:sp>
       <p:pic>
         <p:nvPicPr>
-          <p:cNvPr id="189" name="Google Shape;189;p23"/>
+          <p:cNvPr id="191" name="Google Shape;191;p23"/>
           <p:cNvPicPr preferRelativeResize="0"/>
           <p:nvPr/>
         </p:nvPicPr>
@@ -39098,7 +43024,7 @@
       </p:pic>
       <p:sp>
         <p:nvSpPr>
-          <p:cNvPr id="190" name="Google Shape;190;p23"/>
+          <p:cNvPr id="192" name="Google Shape;192;p23"/>
           <p:cNvSpPr txBox="1"/>
           <p:nvPr/>
         </p:nvSpPr>
@@ -39203,7 +43129,7 @@
       </p:sp>
       <p:pic>
         <p:nvPicPr>
-          <p:cNvPr id="191" name="Google Shape;191;p23"/>
+          <p:cNvPr id="193" name="Google Shape;193;p23"/>
           <p:cNvPicPr preferRelativeResize="0"/>
           <p:nvPr/>
         </p:nvPicPr>
@@ -39242,7 +43168,7 @@
       </p:pic>
       <p:sp>
         <p:nvSpPr>
-          <p:cNvPr id="192" name="Google Shape;192;p23"/>
+          <p:cNvPr id="194" name="Google Shape;194;p23"/>
           <p:cNvSpPr txBox="1"/>
           <p:nvPr/>
         </p:nvSpPr>
@@ -39364,7 +43290,7 @@
       </p:sp>
       <p:sp>
         <p:nvSpPr>
-          <p:cNvPr id="193" name="Google Shape;193;p23"/>
+          <p:cNvPr id="195" name="Google Shape;195;p23"/>
           <p:cNvSpPr txBox="1"/>
           <p:nvPr/>
         </p:nvSpPr>
@@ -39518,7 +43444,7 @@
       </p:sp>
       <p:pic>
         <p:nvPicPr>
-          <p:cNvPr id="194" name="Google Shape;194;p23"/>
+          <p:cNvPr id="196" name="Google Shape;196;p23"/>
           <p:cNvPicPr preferRelativeResize="0"/>
           <p:nvPr/>
         </p:nvPicPr>
@@ -39557,7 +43483,7 @@
       </p:pic>
       <p:pic>
         <p:nvPicPr>
-          <p:cNvPr id="195" name="Google Shape;195;p23"/>
+          <p:cNvPr id="197" name="Google Shape;197;p23"/>
           <p:cNvPicPr preferRelativeResize="0"/>
           <p:nvPr/>
         </p:nvPicPr>
@@ -39596,7 +43522,7 @@
       </p:pic>
       <p:sp>
         <p:nvSpPr>
-          <p:cNvPr id="196" name="Google Shape;196;p23"/>
+          <p:cNvPr id="198" name="Google Shape;198;p23"/>
           <p:cNvSpPr txBox="1"/>
           <p:nvPr/>
         </p:nvSpPr>
@@ -39710,7 +43636,7 @@
       </p:sp>
       <p:sp>
         <p:nvSpPr>
-          <p:cNvPr id="197" name="Google Shape;197;p23"/>
+          <p:cNvPr id="199" name="Google Shape;199;p23"/>
           <p:cNvSpPr txBox="1"/>
           <p:nvPr/>
         </p:nvSpPr>
